--- a/Support_Vector_Regression/Support_vector_Regression.pptx
+++ b/Support_Vector_Regression/Support_vector_Regression.pptx
@@ -14,6 +14,9 @@
     <p:sldId id="263" r:id="rId8"/>
     <p:sldId id="264" r:id="rId9"/>
     <p:sldId id="265" r:id="rId10"/>
+    <p:sldId id="266" r:id="rId11"/>
+    <p:sldId id="267" r:id="rId12"/>
+    <p:sldId id="268" r:id="rId13"/>
   </p:sldIdLst>
   <p:sldSz cx="12192000" cy="6858000"/>
   <p:notesSz cx="6858000" cy="9144000"/>
@@ -112,6 +115,11 @@
       </a:defRPr>
     </a:lvl9pPr>
   </p:defaultTextStyle>
+  <p:extLst>
+    <p:ext uri="{EFAFB233-063F-42B5-8137-9DF3F51BA10A}">
+      <p15:sldGuideLst xmlns:p15="http://schemas.microsoft.com/office/powerpoint/2012/main"/>
+    </p:ext>
+  </p:extLst>
 </p:presentation>
 </file>
 
@@ -296,7 +304,7 @@
           <a:p>
             <a:fld id="{919204B3-6C33-4373-97D1-810DB6132C83}" type="datetimeFigureOut">
               <a:rPr lang="en-US" smtClean="0"/>
-              <a:t>1/15/2019</a:t>
+              <a:t>1/16/2019</a:t>
             </a:fld>
             <a:endParaRPr lang="en-US"/>
           </a:p>
@@ -466,7 +474,7 @@
           <a:p>
             <a:fld id="{919204B3-6C33-4373-97D1-810DB6132C83}" type="datetimeFigureOut">
               <a:rPr lang="en-US" smtClean="0"/>
-              <a:t>1/15/2019</a:t>
+              <a:t>1/16/2019</a:t>
             </a:fld>
             <a:endParaRPr lang="en-US"/>
           </a:p>
@@ -646,7 +654,7 @@
           <a:p>
             <a:fld id="{919204B3-6C33-4373-97D1-810DB6132C83}" type="datetimeFigureOut">
               <a:rPr lang="en-US" smtClean="0"/>
-              <a:t>1/15/2019</a:t>
+              <a:t>1/16/2019</a:t>
             </a:fld>
             <a:endParaRPr lang="en-US"/>
           </a:p>
@@ -816,7 +824,7 @@
           <a:p>
             <a:fld id="{919204B3-6C33-4373-97D1-810DB6132C83}" type="datetimeFigureOut">
               <a:rPr lang="en-US" smtClean="0"/>
-              <a:t>1/15/2019</a:t>
+              <a:t>1/16/2019</a:t>
             </a:fld>
             <a:endParaRPr lang="en-US"/>
           </a:p>
@@ -1062,7 +1070,7 @@
           <a:p>
             <a:fld id="{919204B3-6C33-4373-97D1-810DB6132C83}" type="datetimeFigureOut">
               <a:rPr lang="en-US" smtClean="0"/>
-              <a:t>1/15/2019</a:t>
+              <a:t>1/16/2019</a:t>
             </a:fld>
             <a:endParaRPr lang="en-US"/>
           </a:p>
@@ -1350,7 +1358,7 @@
           <a:p>
             <a:fld id="{919204B3-6C33-4373-97D1-810DB6132C83}" type="datetimeFigureOut">
               <a:rPr lang="en-US" smtClean="0"/>
-              <a:t>1/15/2019</a:t>
+              <a:t>1/16/2019</a:t>
             </a:fld>
             <a:endParaRPr lang="en-US"/>
           </a:p>
@@ -1772,7 +1780,7 @@
           <a:p>
             <a:fld id="{919204B3-6C33-4373-97D1-810DB6132C83}" type="datetimeFigureOut">
               <a:rPr lang="en-US" smtClean="0"/>
-              <a:t>1/15/2019</a:t>
+              <a:t>1/16/2019</a:t>
             </a:fld>
             <a:endParaRPr lang="en-US"/>
           </a:p>
@@ -1890,7 +1898,7 @@
           <a:p>
             <a:fld id="{919204B3-6C33-4373-97D1-810DB6132C83}" type="datetimeFigureOut">
               <a:rPr lang="en-US" smtClean="0"/>
-              <a:t>1/15/2019</a:t>
+              <a:t>1/16/2019</a:t>
             </a:fld>
             <a:endParaRPr lang="en-US"/>
           </a:p>
@@ -1985,7 +1993,7 @@
           <a:p>
             <a:fld id="{919204B3-6C33-4373-97D1-810DB6132C83}" type="datetimeFigureOut">
               <a:rPr lang="en-US" smtClean="0"/>
-              <a:t>1/15/2019</a:t>
+              <a:t>1/16/2019</a:t>
             </a:fld>
             <a:endParaRPr lang="en-US"/>
           </a:p>
@@ -2262,7 +2270,7 @@
           <a:p>
             <a:fld id="{919204B3-6C33-4373-97D1-810DB6132C83}" type="datetimeFigureOut">
               <a:rPr lang="en-US" smtClean="0"/>
-              <a:t>1/15/2019</a:t>
+              <a:t>1/16/2019</a:t>
             </a:fld>
             <a:endParaRPr lang="en-US"/>
           </a:p>
@@ -2519,7 +2527,7 @@
           <a:p>
             <a:fld id="{919204B3-6C33-4373-97D1-810DB6132C83}" type="datetimeFigureOut">
               <a:rPr lang="en-US" smtClean="0"/>
-              <a:t>1/15/2019</a:t>
+              <a:t>1/16/2019</a:t>
             </a:fld>
             <a:endParaRPr lang="en-US"/>
           </a:p>
@@ -2730,7 +2738,7 @@
           <a:p>
             <a:fld id="{919204B3-6C33-4373-97D1-810DB6132C83}" type="datetimeFigureOut">
               <a:rPr lang="en-US" smtClean="0"/>
-              <a:t>1/15/2019</a:t>
+              <a:t>1/16/2019</a:t>
             </a:fld>
             <a:endParaRPr lang="en-US"/>
           </a:p>
@@ -3280,6 +3288,4274 @@
 </p:sld>
 </file>
 
+<file path=ppt/slides/slide10.xml><?xml version="1.0" encoding="utf-8"?>
+<p:sld xmlns:a="http://schemas.openxmlformats.org/drawingml/2006/main" xmlns:r="http://schemas.openxmlformats.org/officeDocument/2006/relationships" xmlns:p="http://schemas.openxmlformats.org/presentationml/2006/main">
+  <p:cSld>
+    <p:spTree>
+      <p:nvGrpSpPr>
+        <p:cNvPr id="1" name=""/>
+        <p:cNvGrpSpPr/>
+        <p:nvPr/>
+      </p:nvGrpSpPr>
+      <p:grpSpPr>
+        <a:xfrm>
+          <a:off x="0" y="0"/>
+          <a:ext cx="0" cy="0"/>
+          <a:chOff x="0" y="0"/>
+          <a:chExt cx="0" cy="0"/>
+        </a:xfrm>
+      </p:grpSpPr>
+      <p:sp>
+        <p:nvSpPr>
+          <p:cNvPr id="2" name="Title 1"/>
+          <p:cNvSpPr>
+            <a:spLocks noGrp="1"/>
+          </p:cNvSpPr>
+          <p:nvPr>
+            <p:ph type="title"/>
+          </p:nvPr>
+        </p:nvSpPr>
+        <p:spPr/>
+        <p:txBody>
+          <a:bodyPr/>
+          <a:lstStyle/>
+          <a:p>
+            <a:r>
+              <a:rPr lang="en-US" dirty="0">
+                <a:solidFill>
+                  <a:schemeClr val="tx2"/>
+                </a:solidFill>
+              </a:rPr>
+              <a:t>Support vector Regression</a:t>
+            </a:r>
+            <a:endParaRPr lang="en-US" dirty="0"/>
+          </a:p>
+        </p:txBody>
+      </p:sp>
+      <p:sp>
+        <p:nvSpPr>
+          <p:cNvPr id="4" name="Rectangle 3"/>
+          <p:cNvSpPr/>
+          <p:nvPr/>
+        </p:nvSpPr>
+        <p:spPr>
+          <a:xfrm>
+            <a:off x="203200" y="1415673"/>
+            <a:ext cx="2995353" cy="1200329"/>
+          </a:xfrm>
+          <a:prstGeom prst="rect">
+            <a:avLst/>
+          </a:prstGeom>
+        </p:spPr>
+        <p:txBody>
+          <a:bodyPr wrap="square">
+            <a:spAutoFit/>
+          </a:bodyPr>
+          <a:lstStyle/>
+          <a:p>
+            <a:r>
+              <a:rPr lang="en-US" dirty="0">
+                <a:solidFill>
+                  <a:srgbClr val="008000"/>
+                </a:solidFill>
+                <a:highlight>
+                  <a:srgbClr val="FFFFFF"/>
+                </a:highlight>
+              </a:rPr>
+              <a:t># Fitting SVR to the dataset</a:t>
+            </a:r>
+            <a:endParaRPr lang="en-US" dirty="0">
+              <a:solidFill>
+                <a:srgbClr val="000000"/>
+              </a:solidFill>
+              <a:highlight>
+                <a:srgbClr val="FFFFFF"/>
+              </a:highlight>
+            </a:endParaRPr>
+          </a:p>
+          <a:p>
+            <a:r>
+              <a:rPr lang="en-US" b="1" dirty="0">
+                <a:solidFill>
+                  <a:srgbClr val="0000FF"/>
+                </a:solidFill>
+                <a:highlight>
+                  <a:srgbClr val="FFFFFF"/>
+                </a:highlight>
+              </a:rPr>
+              <a:t>from</a:t>
+            </a:r>
+            <a:r>
+              <a:rPr lang="en-US" dirty="0">
+                <a:solidFill>
+                  <a:srgbClr val="000000"/>
+                </a:solidFill>
+                <a:highlight>
+                  <a:srgbClr val="FFFFFF"/>
+                </a:highlight>
+              </a:rPr>
+              <a:t> </a:t>
+            </a:r>
+            <a:r>
+              <a:rPr lang="en-US" dirty="0" err="1">
+                <a:solidFill>
+                  <a:srgbClr val="000000"/>
+                </a:solidFill>
+                <a:highlight>
+                  <a:srgbClr val="FFFFFF"/>
+                </a:highlight>
+              </a:rPr>
+              <a:t>sklearn</a:t>
+            </a:r>
+            <a:r>
+              <a:rPr lang="en-US" b="1" dirty="0" err="1">
+                <a:solidFill>
+                  <a:srgbClr val="000080"/>
+                </a:solidFill>
+                <a:highlight>
+                  <a:srgbClr val="FFFFFF"/>
+                </a:highlight>
+              </a:rPr>
+              <a:t>.</a:t>
+            </a:r>
+            <a:r>
+              <a:rPr lang="en-US" dirty="0" err="1">
+                <a:solidFill>
+                  <a:srgbClr val="000000"/>
+                </a:solidFill>
+                <a:highlight>
+                  <a:srgbClr val="FFFFFF"/>
+                </a:highlight>
+              </a:rPr>
+              <a:t>svm</a:t>
+            </a:r>
+            <a:r>
+              <a:rPr lang="en-US" dirty="0">
+                <a:solidFill>
+                  <a:srgbClr val="000000"/>
+                </a:solidFill>
+                <a:highlight>
+                  <a:srgbClr val="FFFFFF"/>
+                </a:highlight>
+              </a:rPr>
+              <a:t> </a:t>
+            </a:r>
+            <a:r>
+              <a:rPr lang="en-US" b="1" dirty="0">
+                <a:solidFill>
+                  <a:srgbClr val="0000FF"/>
+                </a:solidFill>
+                <a:highlight>
+                  <a:srgbClr val="FFFFFF"/>
+                </a:highlight>
+              </a:rPr>
+              <a:t>import</a:t>
+            </a:r>
+            <a:r>
+              <a:rPr lang="en-US" dirty="0">
+                <a:solidFill>
+                  <a:srgbClr val="000000"/>
+                </a:solidFill>
+                <a:highlight>
+                  <a:srgbClr val="FFFFFF"/>
+                </a:highlight>
+              </a:rPr>
+              <a:t> SVR</a:t>
+            </a:r>
+          </a:p>
+          <a:p>
+            <a:r>
+              <a:rPr lang="en-US" dirty="0" err="1">
+                <a:solidFill>
+                  <a:srgbClr val="000000"/>
+                </a:solidFill>
+                <a:highlight>
+                  <a:srgbClr val="FFFFFF"/>
+                </a:highlight>
+              </a:rPr>
+              <a:t>regressor</a:t>
+            </a:r>
+            <a:r>
+              <a:rPr lang="en-US" dirty="0">
+                <a:solidFill>
+                  <a:srgbClr val="000000"/>
+                </a:solidFill>
+                <a:highlight>
+                  <a:srgbClr val="FFFFFF"/>
+                </a:highlight>
+              </a:rPr>
+              <a:t> </a:t>
+            </a:r>
+            <a:r>
+              <a:rPr lang="en-US" b="1" dirty="0">
+                <a:solidFill>
+                  <a:srgbClr val="000080"/>
+                </a:solidFill>
+                <a:highlight>
+                  <a:srgbClr val="FFFFFF"/>
+                </a:highlight>
+              </a:rPr>
+              <a:t>=</a:t>
+            </a:r>
+            <a:r>
+              <a:rPr lang="en-US" dirty="0">
+                <a:solidFill>
+                  <a:srgbClr val="000000"/>
+                </a:solidFill>
+                <a:highlight>
+                  <a:srgbClr val="FFFFFF"/>
+                </a:highlight>
+              </a:rPr>
+              <a:t> SVR</a:t>
+            </a:r>
+            <a:r>
+              <a:rPr lang="en-US" b="1" dirty="0">
+                <a:solidFill>
+                  <a:srgbClr val="000080"/>
+                </a:solidFill>
+                <a:highlight>
+                  <a:srgbClr val="FFFFFF"/>
+                </a:highlight>
+              </a:rPr>
+              <a:t>(</a:t>
+            </a:r>
+            <a:r>
+              <a:rPr lang="en-US" dirty="0">
+                <a:solidFill>
+                  <a:srgbClr val="000000"/>
+                </a:solidFill>
+                <a:highlight>
+                  <a:srgbClr val="FFFFFF"/>
+                </a:highlight>
+              </a:rPr>
+              <a:t>kernel </a:t>
+            </a:r>
+            <a:r>
+              <a:rPr lang="en-US" b="1" dirty="0">
+                <a:solidFill>
+                  <a:srgbClr val="000080"/>
+                </a:solidFill>
+                <a:highlight>
+                  <a:srgbClr val="FFFFFF"/>
+                </a:highlight>
+              </a:rPr>
+              <a:t>=</a:t>
+            </a:r>
+            <a:r>
+              <a:rPr lang="en-US" dirty="0">
+                <a:solidFill>
+                  <a:srgbClr val="000000"/>
+                </a:solidFill>
+                <a:highlight>
+                  <a:srgbClr val="FFFFFF"/>
+                </a:highlight>
+              </a:rPr>
+              <a:t> </a:t>
+            </a:r>
+            <a:r>
+              <a:rPr lang="en-US" dirty="0">
+                <a:solidFill>
+                  <a:srgbClr val="808080"/>
+                </a:solidFill>
+                <a:highlight>
+                  <a:srgbClr val="FFFFFF"/>
+                </a:highlight>
+              </a:rPr>
+              <a:t>'</a:t>
+            </a:r>
+            <a:r>
+              <a:rPr lang="en-US" dirty="0" err="1">
+                <a:solidFill>
+                  <a:srgbClr val="808080"/>
+                </a:solidFill>
+                <a:highlight>
+                  <a:srgbClr val="FFFFFF"/>
+                </a:highlight>
+              </a:rPr>
+              <a:t>rbf</a:t>
+            </a:r>
+            <a:r>
+              <a:rPr lang="en-US" dirty="0">
+                <a:solidFill>
+                  <a:srgbClr val="808080"/>
+                </a:solidFill>
+                <a:highlight>
+                  <a:srgbClr val="FFFFFF"/>
+                </a:highlight>
+              </a:rPr>
+              <a:t>'</a:t>
+            </a:r>
+            <a:r>
+              <a:rPr lang="en-US" b="1" dirty="0">
+                <a:solidFill>
+                  <a:srgbClr val="000080"/>
+                </a:solidFill>
+                <a:highlight>
+                  <a:srgbClr val="FFFFFF"/>
+                </a:highlight>
+              </a:rPr>
+              <a:t>)</a:t>
+            </a:r>
+            <a:endParaRPr lang="en-US" dirty="0">
+              <a:solidFill>
+                <a:srgbClr val="000000"/>
+              </a:solidFill>
+              <a:highlight>
+                <a:srgbClr val="FFFFFF"/>
+              </a:highlight>
+            </a:endParaRPr>
+          </a:p>
+          <a:p>
+            <a:r>
+              <a:rPr lang="en-US" dirty="0" err="1">
+                <a:solidFill>
+                  <a:srgbClr val="000000"/>
+                </a:solidFill>
+                <a:highlight>
+                  <a:srgbClr val="FFFFFF"/>
+                </a:highlight>
+              </a:rPr>
+              <a:t>regressor</a:t>
+            </a:r>
+            <a:r>
+              <a:rPr lang="en-US" b="1" dirty="0" err="1">
+                <a:solidFill>
+                  <a:srgbClr val="000080"/>
+                </a:solidFill>
+                <a:highlight>
+                  <a:srgbClr val="FFFFFF"/>
+                </a:highlight>
+              </a:rPr>
+              <a:t>.</a:t>
+            </a:r>
+            <a:r>
+              <a:rPr lang="en-US" dirty="0" err="1">
+                <a:solidFill>
+                  <a:srgbClr val="000000"/>
+                </a:solidFill>
+                <a:highlight>
+                  <a:srgbClr val="FFFFFF"/>
+                </a:highlight>
+              </a:rPr>
+              <a:t>fit</a:t>
+            </a:r>
+            <a:r>
+              <a:rPr lang="en-US" b="1" dirty="0">
+                <a:solidFill>
+                  <a:srgbClr val="000080"/>
+                </a:solidFill>
+                <a:highlight>
+                  <a:srgbClr val="FFFFFF"/>
+                </a:highlight>
+              </a:rPr>
+              <a:t>(</a:t>
+            </a:r>
+            <a:r>
+              <a:rPr lang="en-US" dirty="0">
+                <a:solidFill>
+                  <a:srgbClr val="000000"/>
+                </a:solidFill>
+                <a:highlight>
+                  <a:srgbClr val="FFFFFF"/>
+                </a:highlight>
+              </a:rPr>
+              <a:t>X</a:t>
+            </a:r>
+            <a:r>
+              <a:rPr lang="en-US" b="1" dirty="0">
+                <a:solidFill>
+                  <a:srgbClr val="000080"/>
+                </a:solidFill>
+                <a:highlight>
+                  <a:srgbClr val="FFFFFF"/>
+                </a:highlight>
+              </a:rPr>
+              <a:t>,</a:t>
+            </a:r>
+            <a:r>
+              <a:rPr lang="en-US" dirty="0">
+                <a:solidFill>
+                  <a:srgbClr val="000000"/>
+                </a:solidFill>
+                <a:highlight>
+                  <a:srgbClr val="FFFFFF"/>
+                </a:highlight>
+              </a:rPr>
+              <a:t> y</a:t>
+            </a:r>
+            <a:r>
+              <a:rPr lang="en-US" b="1" dirty="0">
+                <a:solidFill>
+                  <a:srgbClr val="000080"/>
+                </a:solidFill>
+                <a:highlight>
+                  <a:srgbClr val="FFFFFF"/>
+                </a:highlight>
+              </a:rPr>
+              <a:t>)</a:t>
+            </a:r>
+            <a:endParaRPr lang="en-US" dirty="0"/>
+          </a:p>
+        </p:txBody>
+      </p:sp>
+      <p:pic>
+        <p:nvPicPr>
+          <p:cNvPr id="7" name="Picture 6" descr="Spyder (Python 3.7)"/>
+          <p:cNvPicPr>
+            <a:picLocks noChangeAspect="1"/>
+          </p:cNvPicPr>
+          <p:nvPr/>
+        </p:nvPicPr>
+        <p:blipFill>
+          <a:blip r:embed="rId2">
+            <a:extLst>
+              <a:ext uri="{28A0092B-C50C-407E-A947-70E740481C1C}">
+                <a14:useLocalDpi xmlns:a14="http://schemas.microsoft.com/office/drawing/2010/main" val="0"/>
+              </a:ext>
+            </a:extLst>
+          </a:blip>
+          <a:stretch>
+            <a:fillRect/>
+          </a:stretch>
+        </p:blipFill>
+        <p:spPr>
+          <a:xfrm>
+            <a:off x="3267594" y="1415673"/>
+            <a:ext cx="8816340" cy="4808913"/>
+          </a:xfrm>
+          <a:prstGeom prst="rect">
+            <a:avLst/>
+          </a:prstGeom>
+          <a:ln w="38100" cap="sq">
+            <a:solidFill>
+              <a:srgbClr val="000000"/>
+            </a:solidFill>
+            <a:prstDash val="solid"/>
+            <a:miter lim="800000"/>
+          </a:ln>
+          <a:effectLst>
+            <a:outerShdw blurRad="50800" dist="38100" dir="2700000" algn="tl" rotWithShape="0">
+              <a:srgbClr val="000000">
+                <a:alpha val="43000"/>
+              </a:srgbClr>
+            </a:outerShdw>
+          </a:effectLst>
+        </p:spPr>
+      </p:pic>
+    </p:spTree>
+    <p:extLst>
+      <p:ext uri="{BB962C8B-B14F-4D97-AF65-F5344CB8AC3E}">
+        <p14:creationId xmlns:p14="http://schemas.microsoft.com/office/powerpoint/2010/main" val="1572002649"/>
+      </p:ext>
+    </p:extLst>
+  </p:cSld>
+  <p:clrMapOvr>
+    <a:masterClrMapping/>
+  </p:clrMapOvr>
+</p:sld>
+</file>
+
+<file path=ppt/slides/slide11.xml><?xml version="1.0" encoding="utf-8"?>
+<p:sld xmlns:a="http://schemas.openxmlformats.org/drawingml/2006/main" xmlns:r="http://schemas.openxmlformats.org/officeDocument/2006/relationships" xmlns:p="http://schemas.openxmlformats.org/presentationml/2006/main">
+  <p:cSld>
+    <p:spTree>
+      <p:nvGrpSpPr>
+        <p:cNvPr id="1" name=""/>
+        <p:cNvGrpSpPr/>
+        <p:nvPr/>
+      </p:nvGrpSpPr>
+      <p:grpSpPr>
+        <a:xfrm>
+          <a:off x="0" y="0"/>
+          <a:ext cx="0" cy="0"/>
+          <a:chOff x="0" y="0"/>
+          <a:chExt cx="0" cy="0"/>
+        </a:xfrm>
+      </p:grpSpPr>
+      <p:sp>
+        <p:nvSpPr>
+          <p:cNvPr id="2" name="Title 1"/>
+          <p:cNvSpPr>
+            <a:spLocks noGrp="1"/>
+          </p:cNvSpPr>
+          <p:nvPr>
+            <p:ph type="title"/>
+          </p:nvPr>
+        </p:nvSpPr>
+        <p:spPr>
+          <a:xfrm>
+            <a:off x="203200" y="152400"/>
+            <a:ext cx="11434618" cy="838200"/>
+          </a:xfrm>
+        </p:spPr>
+        <p:txBody>
+          <a:bodyPr>
+            <a:normAutofit fontScale="90000"/>
+          </a:bodyPr>
+          <a:lstStyle/>
+          <a:p>
+            <a:r>
+              <a:rPr lang="en-US" dirty="0">
+                <a:solidFill>
+                  <a:schemeClr val="tx2"/>
+                </a:solidFill>
+              </a:rPr>
+              <a:t>Support vector </a:t>
+            </a:r>
+            <a:r>
+              <a:rPr lang="en-US" dirty="0" smtClean="0">
+                <a:solidFill>
+                  <a:schemeClr val="tx2"/>
+                </a:solidFill>
+              </a:rPr>
+              <a:t>Regression -</a:t>
+            </a:r>
+            <a:r>
+              <a:rPr lang="en-US" dirty="0">
+                <a:solidFill>
+                  <a:srgbClr val="008000"/>
+                </a:solidFill>
+                <a:highlight>
+                  <a:srgbClr val="FFFFFF"/>
+                </a:highlight>
+              </a:rPr>
+              <a:t> </a:t>
+            </a:r>
+            <a:r>
+              <a:rPr lang="en-US" dirty="0" smtClean="0">
+                <a:solidFill>
+                  <a:schemeClr val="tx2"/>
+                </a:solidFill>
+              </a:rPr>
+              <a:t>Visualizing </a:t>
+            </a:r>
+            <a:r>
+              <a:rPr lang="en-US" dirty="0">
+                <a:solidFill>
+                  <a:schemeClr val="tx2"/>
+                </a:solidFill>
+              </a:rPr>
+              <a:t>the SVR results</a:t>
+            </a:r>
+          </a:p>
+        </p:txBody>
+      </p:sp>
+      <p:pic>
+        <p:nvPicPr>
+          <p:cNvPr id="4" name="Picture 3"/>
+          <p:cNvPicPr>
+            <a:picLocks noChangeAspect="1"/>
+          </p:cNvPicPr>
+          <p:nvPr/>
+        </p:nvPicPr>
+        <p:blipFill>
+          <a:blip r:embed="rId2"/>
+          <a:stretch>
+            <a:fillRect/>
+          </a:stretch>
+        </p:blipFill>
+        <p:spPr>
+          <a:xfrm>
+            <a:off x="6359239" y="1746424"/>
+            <a:ext cx="5043049" cy="3531405"/>
+          </a:xfrm>
+          <a:prstGeom prst="rect">
+            <a:avLst/>
+          </a:prstGeom>
+        </p:spPr>
+      </p:pic>
+      <p:sp>
+        <p:nvSpPr>
+          <p:cNvPr id="5" name="Rectangle 4"/>
+          <p:cNvSpPr/>
+          <p:nvPr/>
+        </p:nvSpPr>
+        <p:spPr>
+          <a:xfrm>
+            <a:off x="203200" y="990600"/>
+            <a:ext cx="5998095" cy="2677656"/>
+          </a:xfrm>
+          <a:prstGeom prst="rect">
+            <a:avLst/>
+          </a:prstGeom>
+        </p:spPr>
+        <p:txBody>
+          <a:bodyPr wrap="square">
+            <a:spAutoFit/>
+          </a:bodyPr>
+          <a:lstStyle/>
+          <a:p>
+            <a:r>
+              <a:rPr lang="en-US" sz="2400" dirty="0">
+                <a:solidFill>
+                  <a:srgbClr val="008000"/>
+                </a:solidFill>
+                <a:highlight>
+                  <a:srgbClr val="FFFFFF"/>
+                </a:highlight>
+              </a:rPr>
+              <a:t># </a:t>
+            </a:r>
+            <a:r>
+              <a:rPr lang="en-US" sz="2400" dirty="0" smtClean="0">
+                <a:solidFill>
+                  <a:srgbClr val="008000"/>
+                </a:solidFill>
+                <a:highlight>
+                  <a:srgbClr val="FFFFFF"/>
+                </a:highlight>
+              </a:rPr>
+              <a:t>Visualizing </a:t>
+            </a:r>
+            <a:r>
+              <a:rPr lang="en-US" sz="2400" dirty="0">
+                <a:solidFill>
+                  <a:srgbClr val="008000"/>
+                </a:solidFill>
+                <a:highlight>
+                  <a:srgbClr val="FFFFFF"/>
+                </a:highlight>
+              </a:rPr>
+              <a:t>the SVR results</a:t>
+            </a:r>
+            <a:endParaRPr lang="en-US" sz="2400" dirty="0">
+              <a:solidFill>
+                <a:srgbClr val="000000"/>
+              </a:solidFill>
+              <a:highlight>
+                <a:srgbClr val="FFFFFF"/>
+              </a:highlight>
+            </a:endParaRPr>
+          </a:p>
+          <a:p>
+            <a:r>
+              <a:rPr lang="en-US" sz="2400" dirty="0" err="1">
+                <a:solidFill>
+                  <a:srgbClr val="000000"/>
+                </a:solidFill>
+                <a:highlight>
+                  <a:srgbClr val="FFFFFF"/>
+                </a:highlight>
+              </a:rPr>
+              <a:t>plt</a:t>
+            </a:r>
+            <a:r>
+              <a:rPr lang="en-US" sz="2400" b="1" dirty="0" err="1">
+                <a:solidFill>
+                  <a:srgbClr val="000080"/>
+                </a:solidFill>
+                <a:highlight>
+                  <a:srgbClr val="FFFFFF"/>
+                </a:highlight>
+              </a:rPr>
+              <a:t>.</a:t>
+            </a:r>
+            <a:r>
+              <a:rPr lang="en-US" sz="2400" dirty="0" err="1">
+                <a:solidFill>
+                  <a:srgbClr val="000000"/>
+                </a:solidFill>
+                <a:highlight>
+                  <a:srgbClr val="FFFFFF"/>
+                </a:highlight>
+              </a:rPr>
+              <a:t>scatter</a:t>
+            </a:r>
+            <a:r>
+              <a:rPr lang="en-US" sz="2400" b="1" dirty="0">
+                <a:solidFill>
+                  <a:srgbClr val="000080"/>
+                </a:solidFill>
+                <a:highlight>
+                  <a:srgbClr val="FFFFFF"/>
+                </a:highlight>
+              </a:rPr>
+              <a:t>(</a:t>
+            </a:r>
+            <a:r>
+              <a:rPr lang="en-US" sz="2400" dirty="0">
+                <a:solidFill>
+                  <a:srgbClr val="000000"/>
+                </a:solidFill>
+                <a:highlight>
+                  <a:srgbClr val="FFFFFF"/>
+                </a:highlight>
+              </a:rPr>
+              <a:t>X</a:t>
+            </a:r>
+            <a:r>
+              <a:rPr lang="en-US" sz="2400" b="1" dirty="0">
+                <a:solidFill>
+                  <a:srgbClr val="000080"/>
+                </a:solidFill>
+                <a:highlight>
+                  <a:srgbClr val="FFFFFF"/>
+                </a:highlight>
+              </a:rPr>
+              <a:t>,</a:t>
+            </a:r>
+            <a:r>
+              <a:rPr lang="en-US" sz="2400" dirty="0">
+                <a:solidFill>
+                  <a:srgbClr val="000000"/>
+                </a:solidFill>
+                <a:highlight>
+                  <a:srgbClr val="FFFFFF"/>
+                </a:highlight>
+              </a:rPr>
+              <a:t> y</a:t>
+            </a:r>
+            <a:r>
+              <a:rPr lang="en-US" sz="2400" b="1" dirty="0">
+                <a:solidFill>
+                  <a:srgbClr val="000080"/>
+                </a:solidFill>
+                <a:highlight>
+                  <a:srgbClr val="FFFFFF"/>
+                </a:highlight>
+              </a:rPr>
+              <a:t>,</a:t>
+            </a:r>
+            <a:r>
+              <a:rPr lang="en-US" sz="2400" dirty="0">
+                <a:solidFill>
+                  <a:srgbClr val="000000"/>
+                </a:solidFill>
+                <a:highlight>
+                  <a:srgbClr val="FFFFFF"/>
+                </a:highlight>
+              </a:rPr>
+              <a:t> color </a:t>
+            </a:r>
+            <a:r>
+              <a:rPr lang="en-US" sz="2400" b="1" dirty="0">
+                <a:solidFill>
+                  <a:srgbClr val="000080"/>
+                </a:solidFill>
+                <a:highlight>
+                  <a:srgbClr val="FFFFFF"/>
+                </a:highlight>
+              </a:rPr>
+              <a:t>=</a:t>
+            </a:r>
+            <a:r>
+              <a:rPr lang="en-US" sz="2400" dirty="0">
+                <a:solidFill>
+                  <a:srgbClr val="000000"/>
+                </a:solidFill>
+                <a:highlight>
+                  <a:srgbClr val="FFFFFF"/>
+                </a:highlight>
+              </a:rPr>
+              <a:t> </a:t>
+            </a:r>
+            <a:r>
+              <a:rPr lang="en-US" sz="2400" dirty="0">
+                <a:solidFill>
+                  <a:srgbClr val="808080"/>
+                </a:solidFill>
+                <a:highlight>
+                  <a:srgbClr val="FFFFFF"/>
+                </a:highlight>
+              </a:rPr>
+              <a:t>'red'</a:t>
+            </a:r>
+            <a:r>
+              <a:rPr lang="en-US" sz="2400" b="1" dirty="0">
+                <a:solidFill>
+                  <a:srgbClr val="000080"/>
+                </a:solidFill>
+                <a:highlight>
+                  <a:srgbClr val="FFFFFF"/>
+                </a:highlight>
+              </a:rPr>
+              <a:t>)</a:t>
+            </a:r>
+            <a:endParaRPr lang="en-US" sz="2400" dirty="0">
+              <a:solidFill>
+                <a:srgbClr val="000000"/>
+              </a:solidFill>
+              <a:highlight>
+                <a:srgbClr val="FFFFFF"/>
+              </a:highlight>
+            </a:endParaRPr>
+          </a:p>
+          <a:p>
+            <a:r>
+              <a:rPr lang="en-US" sz="2400" dirty="0" err="1">
+                <a:solidFill>
+                  <a:srgbClr val="000000"/>
+                </a:solidFill>
+                <a:highlight>
+                  <a:srgbClr val="FFFFFF"/>
+                </a:highlight>
+              </a:rPr>
+              <a:t>plt</a:t>
+            </a:r>
+            <a:r>
+              <a:rPr lang="en-US" sz="2400" b="1" dirty="0" err="1">
+                <a:solidFill>
+                  <a:srgbClr val="000080"/>
+                </a:solidFill>
+                <a:highlight>
+                  <a:srgbClr val="FFFFFF"/>
+                </a:highlight>
+              </a:rPr>
+              <a:t>.</a:t>
+            </a:r>
+            <a:r>
+              <a:rPr lang="en-US" sz="2400" dirty="0" err="1">
+                <a:solidFill>
+                  <a:srgbClr val="000000"/>
+                </a:solidFill>
+                <a:highlight>
+                  <a:srgbClr val="FFFFFF"/>
+                </a:highlight>
+              </a:rPr>
+              <a:t>plot</a:t>
+            </a:r>
+            <a:r>
+              <a:rPr lang="en-US" sz="2400" b="1" dirty="0">
+                <a:solidFill>
+                  <a:srgbClr val="000080"/>
+                </a:solidFill>
+                <a:highlight>
+                  <a:srgbClr val="FFFFFF"/>
+                </a:highlight>
+              </a:rPr>
+              <a:t>(</a:t>
+            </a:r>
+            <a:r>
+              <a:rPr lang="en-US" sz="2400" dirty="0">
+                <a:solidFill>
+                  <a:srgbClr val="000000"/>
+                </a:solidFill>
+                <a:highlight>
+                  <a:srgbClr val="FFFFFF"/>
+                </a:highlight>
+              </a:rPr>
+              <a:t>X</a:t>
+            </a:r>
+            <a:r>
+              <a:rPr lang="en-US" sz="2400" b="1" dirty="0">
+                <a:solidFill>
+                  <a:srgbClr val="000080"/>
+                </a:solidFill>
+                <a:highlight>
+                  <a:srgbClr val="FFFFFF"/>
+                </a:highlight>
+              </a:rPr>
+              <a:t>,</a:t>
+            </a:r>
+            <a:r>
+              <a:rPr lang="en-US" sz="2400" dirty="0">
+                <a:solidFill>
+                  <a:srgbClr val="000000"/>
+                </a:solidFill>
+                <a:highlight>
+                  <a:srgbClr val="FFFFFF"/>
+                </a:highlight>
+              </a:rPr>
+              <a:t> </a:t>
+            </a:r>
+            <a:r>
+              <a:rPr lang="en-US" sz="2400" dirty="0" err="1">
+                <a:solidFill>
+                  <a:srgbClr val="000000"/>
+                </a:solidFill>
+                <a:highlight>
+                  <a:srgbClr val="FFFFFF"/>
+                </a:highlight>
+              </a:rPr>
+              <a:t>regressor</a:t>
+            </a:r>
+            <a:r>
+              <a:rPr lang="en-US" sz="2400" b="1" dirty="0" err="1">
+                <a:solidFill>
+                  <a:srgbClr val="000080"/>
+                </a:solidFill>
+                <a:highlight>
+                  <a:srgbClr val="FFFFFF"/>
+                </a:highlight>
+              </a:rPr>
+              <a:t>.</a:t>
+            </a:r>
+            <a:r>
+              <a:rPr lang="en-US" sz="2400" dirty="0" err="1">
+                <a:solidFill>
+                  <a:srgbClr val="000000"/>
+                </a:solidFill>
+                <a:highlight>
+                  <a:srgbClr val="FFFFFF"/>
+                </a:highlight>
+              </a:rPr>
+              <a:t>predict</a:t>
+            </a:r>
+            <a:r>
+              <a:rPr lang="en-US" sz="2400" b="1" dirty="0">
+                <a:solidFill>
+                  <a:srgbClr val="000080"/>
+                </a:solidFill>
+                <a:highlight>
+                  <a:srgbClr val="FFFFFF"/>
+                </a:highlight>
+              </a:rPr>
+              <a:t>(</a:t>
+            </a:r>
+            <a:r>
+              <a:rPr lang="en-US" sz="2400" dirty="0">
+                <a:solidFill>
+                  <a:srgbClr val="000000"/>
+                </a:solidFill>
+                <a:highlight>
+                  <a:srgbClr val="FFFFFF"/>
+                </a:highlight>
+              </a:rPr>
+              <a:t>X</a:t>
+            </a:r>
+            <a:r>
+              <a:rPr lang="en-US" sz="2400" b="1" dirty="0">
+                <a:solidFill>
+                  <a:srgbClr val="000080"/>
+                </a:solidFill>
+                <a:highlight>
+                  <a:srgbClr val="FFFFFF"/>
+                </a:highlight>
+              </a:rPr>
+              <a:t>),</a:t>
+            </a:r>
+            <a:r>
+              <a:rPr lang="en-US" sz="2400" dirty="0">
+                <a:solidFill>
+                  <a:srgbClr val="000000"/>
+                </a:solidFill>
+                <a:highlight>
+                  <a:srgbClr val="FFFFFF"/>
+                </a:highlight>
+              </a:rPr>
+              <a:t> color </a:t>
+            </a:r>
+            <a:r>
+              <a:rPr lang="en-US" sz="2400" b="1" dirty="0">
+                <a:solidFill>
+                  <a:srgbClr val="000080"/>
+                </a:solidFill>
+                <a:highlight>
+                  <a:srgbClr val="FFFFFF"/>
+                </a:highlight>
+              </a:rPr>
+              <a:t>=</a:t>
+            </a:r>
+            <a:r>
+              <a:rPr lang="en-US" sz="2400" dirty="0">
+                <a:solidFill>
+                  <a:srgbClr val="000000"/>
+                </a:solidFill>
+                <a:highlight>
+                  <a:srgbClr val="FFFFFF"/>
+                </a:highlight>
+              </a:rPr>
+              <a:t> </a:t>
+            </a:r>
+            <a:r>
+              <a:rPr lang="en-US" sz="2400" dirty="0">
+                <a:solidFill>
+                  <a:srgbClr val="808080"/>
+                </a:solidFill>
+                <a:highlight>
+                  <a:srgbClr val="FFFFFF"/>
+                </a:highlight>
+              </a:rPr>
+              <a:t>'blue'</a:t>
+            </a:r>
+            <a:r>
+              <a:rPr lang="en-US" sz="2400" b="1" dirty="0">
+                <a:solidFill>
+                  <a:srgbClr val="000080"/>
+                </a:solidFill>
+                <a:highlight>
+                  <a:srgbClr val="FFFFFF"/>
+                </a:highlight>
+              </a:rPr>
+              <a:t>)</a:t>
+            </a:r>
+            <a:endParaRPr lang="en-US" sz="2400" dirty="0">
+              <a:solidFill>
+                <a:srgbClr val="000000"/>
+              </a:solidFill>
+              <a:highlight>
+                <a:srgbClr val="FFFFFF"/>
+              </a:highlight>
+            </a:endParaRPr>
+          </a:p>
+          <a:p>
+            <a:r>
+              <a:rPr lang="en-US" sz="2400" dirty="0" err="1">
+                <a:solidFill>
+                  <a:srgbClr val="000000"/>
+                </a:solidFill>
+                <a:highlight>
+                  <a:srgbClr val="FFFFFF"/>
+                </a:highlight>
+              </a:rPr>
+              <a:t>plt</a:t>
+            </a:r>
+            <a:r>
+              <a:rPr lang="en-US" sz="2400" b="1" dirty="0" err="1">
+                <a:solidFill>
+                  <a:srgbClr val="000080"/>
+                </a:solidFill>
+                <a:highlight>
+                  <a:srgbClr val="FFFFFF"/>
+                </a:highlight>
+              </a:rPr>
+              <a:t>.</a:t>
+            </a:r>
+            <a:r>
+              <a:rPr lang="en-US" sz="2400" dirty="0" err="1">
+                <a:solidFill>
+                  <a:srgbClr val="000000"/>
+                </a:solidFill>
+                <a:highlight>
+                  <a:srgbClr val="FFFFFF"/>
+                </a:highlight>
+              </a:rPr>
+              <a:t>title</a:t>
+            </a:r>
+            <a:r>
+              <a:rPr lang="en-US" sz="2400" b="1" dirty="0">
+                <a:solidFill>
+                  <a:srgbClr val="000080"/>
+                </a:solidFill>
+                <a:highlight>
+                  <a:srgbClr val="FFFFFF"/>
+                </a:highlight>
+              </a:rPr>
+              <a:t>(</a:t>
+            </a:r>
+            <a:r>
+              <a:rPr lang="en-US" sz="2400" dirty="0">
+                <a:solidFill>
+                  <a:srgbClr val="808080"/>
+                </a:solidFill>
+                <a:highlight>
+                  <a:srgbClr val="FFFFFF"/>
+                </a:highlight>
+              </a:rPr>
+              <a:t>'Truth or Bluff (SVR)'</a:t>
+            </a:r>
+            <a:r>
+              <a:rPr lang="en-US" sz="2400" b="1" dirty="0">
+                <a:solidFill>
+                  <a:srgbClr val="000080"/>
+                </a:solidFill>
+                <a:highlight>
+                  <a:srgbClr val="FFFFFF"/>
+                </a:highlight>
+              </a:rPr>
+              <a:t>)</a:t>
+            </a:r>
+            <a:endParaRPr lang="en-US" sz="2400" dirty="0">
+              <a:solidFill>
+                <a:srgbClr val="000000"/>
+              </a:solidFill>
+              <a:highlight>
+                <a:srgbClr val="FFFFFF"/>
+              </a:highlight>
+            </a:endParaRPr>
+          </a:p>
+          <a:p>
+            <a:r>
+              <a:rPr lang="en-US" sz="2400" dirty="0" err="1">
+                <a:solidFill>
+                  <a:srgbClr val="000000"/>
+                </a:solidFill>
+                <a:highlight>
+                  <a:srgbClr val="FFFFFF"/>
+                </a:highlight>
+              </a:rPr>
+              <a:t>plt</a:t>
+            </a:r>
+            <a:r>
+              <a:rPr lang="en-US" sz="2400" b="1" dirty="0" err="1">
+                <a:solidFill>
+                  <a:srgbClr val="000080"/>
+                </a:solidFill>
+                <a:highlight>
+                  <a:srgbClr val="FFFFFF"/>
+                </a:highlight>
+              </a:rPr>
+              <a:t>.</a:t>
+            </a:r>
+            <a:r>
+              <a:rPr lang="en-US" sz="2400" dirty="0" err="1">
+                <a:solidFill>
+                  <a:srgbClr val="000000"/>
+                </a:solidFill>
+                <a:highlight>
+                  <a:srgbClr val="FFFFFF"/>
+                </a:highlight>
+              </a:rPr>
+              <a:t>xlabel</a:t>
+            </a:r>
+            <a:r>
+              <a:rPr lang="en-US" sz="2400" b="1" dirty="0">
+                <a:solidFill>
+                  <a:srgbClr val="000080"/>
+                </a:solidFill>
+                <a:highlight>
+                  <a:srgbClr val="FFFFFF"/>
+                </a:highlight>
+              </a:rPr>
+              <a:t>(</a:t>
+            </a:r>
+            <a:r>
+              <a:rPr lang="en-US" sz="2400" dirty="0">
+                <a:solidFill>
+                  <a:srgbClr val="808080"/>
+                </a:solidFill>
+                <a:highlight>
+                  <a:srgbClr val="FFFFFF"/>
+                </a:highlight>
+              </a:rPr>
+              <a:t>'Position level'</a:t>
+            </a:r>
+            <a:r>
+              <a:rPr lang="en-US" sz="2400" b="1" dirty="0">
+                <a:solidFill>
+                  <a:srgbClr val="000080"/>
+                </a:solidFill>
+                <a:highlight>
+                  <a:srgbClr val="FFFFFF"/>
+                </a:highlight>
+              </a:rPr>
+              <a:t>)</a:t>
+            </a:r>
+            <a:endParaRPr lang="en-US" sz="2400" dirty="0">
+              <a:solidFill>
+                <a:srgbClr val="000000"/>
+              </a:solidFill>
+              <a:highlight>
+                <a:srgbClr val="FFFFFF"/>
+              </a:highlight>
+            </a:endParaRPr>
+          </a:p>
+          <a:p>
+            <a:r>
+              <a:rPr lang="en-US" sz="2400" dirty="0" err="1">
+                <a:solidFill>
+                  <a:srgbClr val="000000"/>
+                </a:solidFill>
+                <a:highlight>
+                  <a:srgbClr val="FFFFFF"/>
+                </a:highlight>
+              </a:rPr>
+              <a:t>plt</a:t>
+            </a:r>
+            <a:r>
+              <a:rPr lang="en-US" sz="2400" b="1" dirty="0" err="1">
+                <a:solidFill>
+                  <a:srgbClr val="000080"/>
+                </a:solidFill>
+                <a:highlight>
+                  <a:srgbClr val="FFFFFF"/>
+                </a:highlight>
+              </a:rPr>
+              <a:t>.</a:t>
+            </a:r>
+            <a:r>
+              <a:rPr lang="en-US" sz="2400" dirty="0" err="1">
+                <a:solidFill>
+                  <a:srgbClr val="000000"/>
+                </a:solidFill>
+                <a:highlight>
+                  <a:srgbClr val="FFFFFF"/>
+                </a:highlight>
+              </a:rPr>
+              <a:t>ylabel</a:t>
+            </a:r>
+            <a:r>
+              <a:rPr lang="en-US" sz="2400" b="1" dirty="0">
+                <a:solidFill>
+                  <a:srgbClr val="000080"/>
+                </a:solidFill>
+                <a:highlight>
+                  <a:srgbClr val="FFFFFF"/>
+                </a:highlight>
+              </a:rPr>
+              <a:t>(</a:t>
+            </a:r>
+            <a:r>
+              <a:rPr lang="en-US" sz="2400" dirty="0">
+                <a:solidFill>
+                  <a:srgbClr val="808080"/>
+                </a:solidFill>
+                <a:highlight>
+                  <a:srgbClr val="FFFFFF"/>
+                </a:highlight>
+              </a:rPr>
+              <a:t>'Salary'</a:t>
+            </a:r>
+            <a:r>
+              <a:rPr lang="en-US" sz="2400" b="1" dirty="0">
+                <a:solidFill>
+                  <a:srgbClr val="000080"/>
+                </a:solidFill>
+                <a:highlight>
+                  <a:srgbClr val="FFFFFF"/>
+                </a:highlight>
+              </a:rPr>
+              <a:t>)</a:t>
+            </a:r>
+            <a:endParaRPr lang="en-US" sz="2400" dirty="0">
+              <a:solidFill>
+                <a:srgbClr val="000000"/>
+              </a:solidFill>
+              <a:highlight>
+                <a:srgbClr val="FFFFFF"/>
+              </a:highlight>
+            </a:endParaRPr>
+          </a:p>
+          <a:p>
+            <a:r>
+              <a:rPr lang="en-US" sz="2400" dirty="0" err="1">
+                <a:solidFill>
+                  <a:srgbClr val="000000"/>
+                </a:solidFill>
+                <a:highlight>
+                  <a:srgbClr val="FFFFFF"/>
+                </a:highlight>
+              </a:rPr>
+              <a:t>plt</a:t>
+            </a:r>
+            <a:r>
+              <a:rPr lang="en-US" sz="2400" b="1" dirty="0" err="1">
+                <a:solidFill>
+                  <a:srgbClr val="000080"/>
+                </a:solidFill>
+                <a:highlight>
+                  <a:srgbClr val="FFFFFF"/>
+                </a:highlight>
+              </a:rPr>
+              <a:t>.</a:t>
+            </a:r>
+            <a:r>
+              <a:rPr lang="en-US" sz="2400" dirty="0" err="1">
+                <a:solidFill>
+                  <a:srgbClr val="000000"/>
+                </a:solidFill>
+                <a:highlight>
+                  <a:srgbClr val="FFFFFF"/>
+                </a:highlight>
+              </a:rPr>
+              <a:t>show</a:t>
+            </a:r>
+            <a:r>
+              <a:rPr lang="en-US" sz="2400" b="1" dirty="0">
+                <a:solidFill>
+                  <a:srgbClr val="000080"/>
+                </a:solidFill>
+                <a:highlight>
+                  <a:srgbClr val="FFFFFF"/>
+                </a:highlight>
+              </a:rPr>
+              <a:t>()</a:t>
+            </a:r>
+            <a:endParaRPr lang="en-US" sz="2400" dirty="0"/>
+          </a:p>
+        </p:txBody>
+      </p:sp>
+    </p:spTree>
+    <p:extLst>
+      <p:ext uri="{BB962C8B-B14F-4D97-AF65-F5344CB8AC3E}">
+        <p14:creationId xmlns:p14="http://schemas.microsoft.com/office/powerpoint/2010/main" val="4173898176"/>
+      </p:ext>
+    </p:extLst>
+  </p:cSld>
+  <p:clrMapOvr>
+    <a:masterClrMapping/>
+  </p:clrMapOvr>
+</p:sld>
+</file>
+
+<file path=ppt/slides/slide12.xml><?xml version="1.0" encoding="utf-8"?>
+<p:sld xmlns:a="http://schemas.openxmlformats.org/drawingml/2006/main" xmlns:r="http://schemas.openxmlformats.org/officeDocument/2006/relationships" xmlns:p="http://schemas.openxmlformats.org/presentationml/2006/main">
+  <p:cSld>
+    <p:spTree>
+      <p:nvGrpSpPr>
+        <p:cNvPr id="1" name=""/>
+        <p:cNvGrpSpPr/>
+        <p:nvPr/>
+      </p:nvGrpSpPr>
+      <p:grpSpPr>
+        <a:xfrm>
+          <a:off x="0" y="0"/>
+          <a:ext cx="0" cy="0"/>
+          <a:chOff x="0" y="0"/>
+          <a:chExt cx="0" cy="0"/>
+        </a:xfrm>
+      </p:grpSpPr>
+      <p:sp>
+        <p:nvSpPr>
+          <p:cNvPr id="2" name="Title 1"/>
+          <p:cNvSpPr>
+            <a:spLocks noGrp="1"/>
+          </p:cNvSpPr>
+          <p:nvPr>
+            <p:ph type="title"/>
+          </p:nvPr>
+        </p:nvSpPr>
+        <p:spPr>
+          <a:xfrm>
+            <a:off x="203200" y="152400"/>
+            <a:ext cx="11409680" cy="838200"/>
+          </a:xfrm>
+        </p:spPr>
+        <p:txBody>
+          <a:bodyPr>
+            <a:normAutofit fontScale="90000"/>
+          </a:bodyPr>
+          <a:lstStyle/>
+          <a:p>
+            <a:r>
+              <a:rPr lang="en-US" dirty="0">
+                <a:solidFill>
+                  <a:schemeClr val="tx2"/>
+                </a:solidFill>
+              </a:rPr>
+              <a:t>Support vector Regression -</a:t>
+            </a:r>
+            <a:r>
+              <a:rPr lang="en-US" dirty="0">
+                <a:solidFill>
+                  <a:srgbClr val="008000"/>
+                </a:solidFill>
+                <a:highlight>
+                  <a:srgbClr val="FFFFFF"/>
+                </a:highlight>
+              </a:rPr>
+              <a:t> </a:t>
+            </a:r>
+            <a:r>
+              <a:rPr lang="en-US" dirty="0">
+                <a:solidFill>
+                  <a:schemeClr val="tx2"/>
+                </a:solidFill>
+              </a:rPr>
+              <a:t>Visualizing the SVR results</a:t>
+            </a:r>
+            <a:endParaRPr lang="en-US" dirty="0"/>
+          </a:p>
+        </p:txBody>
+      </p:sp>
+      <p:sp>
+        <p:nvSpPr>
+          <p:cNvPr id="4" name="Rectangle 3"/>
+          <p:cNvSpPr/>
+          <p:nvPr/>
+        </p:nvSpPr>
+        <p:spPr>
+          <a:xfrm>
+            <a:off x="203200" y="1170017"/>
+            <a:ext cx="6096000" cy="4770537"/>
+          </a:xfrm>
+          <a:prstGeom prst="rect">
+            <a:avLst/>
+          </a:prstGeom>
+        </p:spPr>
+        <p:txBody>
+          <a:bodyPr>
+            <a:spAutoFit/>
+          </a:bodyPr>
+          <a:lstStyle/>
+          <a:p>
+            <a:r>
+              <a:rPr lang="en-US" sz="800" dirty="0">
+                <a:solidFill>
+                  <a:srgbClr val="008000"/>
+                </a:solidFill>
+                <a:highlight>
+                  <a:srgbClr val="FFFFFF"/>
+                </a:highlight>
+              </a:rPr>
+              <a:t># Importing the libraries</a:t>
+            </a:r>
+            <a:endParaRPr lang="en-US" sz="800" dirty="0">
+              <a:solidFill>
+                <a:srgbClr val="000000"/>
+              </a:solidFill>
+              <a:highlight>
+                <a:srgbClr val="FFFFFF"/>
+              </a:highlight>
+            </a:endParaRPr>
+          </a:p>
+          <a:p>
+            <a:r>
+              <a:rPr lang="en-US" sz="800" b="1" dirty="0">
+                <a:solidFill>
+                  <a:srgbClr val="0000FF"/>
+                </a:solidFill>
+                <a:highlight>
+                  <a:srgbClr val="FFFFFF"/>
+                </a:highlight>
+              </a:rPr>
+              <a:t>import</a:t>
+            </a:r>
+            <a:r>
+              <a:rPr lang="en-US" sz="800" dirty="0">
+                <a:solidFill>
+                  <a:srgbClr val="000000"/>
+                </a:solidFill>
+                <a:highlight>
+                  <a:srgbClr val="FFFFFF"/>
+                </a:highlight>
+              </a:rPr>
+              <a:t> </a:t>
+            </a:r>
+            <a:r>
+              <a:rPr lang="en-US" sz="800" dirty="0" err="1">
+                <a:solidFill>
+                  <a:srgbClr val="000000"/>
+                </a:solidFill>
+                <a:highlight>
+                  <a:srgbClr val="FFFFFF"/>
+                </a:highlight>
+              </a:rPr>
+              <a:t>numpy</a:t>
+            </a:r>
+            <a:r>
+              <a:rPr lang="en-US" sz="800" dirty="0">
+                <a:solidFill>
+                  <a:srgbClr val="000000"/>
+                </a:solidFill>
+                <a:highlight>
+                  <a:srgbClr val="FFFFFF"/>
+                </a:highlight>
+              </a:rPr>
+              <a:t> </a:t>
+            </a:r>
+            <a:r>
+              <a:rPr lang="en-US" sz="800" b="1" dirty="0">
+                <a:solidFill>
+                  <a:srgbClr val="0000FF"/>
+                </a:solidFill>
+                <a:highlight>
+                  <a:srgbClr val="FFFFFF"/>
+                </a:highlight>
+              </a:rPr>
+              <a:t>as</a:t>
+            </a:r>
+            <a:r>
+              <a:rPr lang="en-US" sz="800" dirty="0">
+                <a:solidFill>
+                  <a:srgbClr val="000000"/>
+                </a:solidFill>
+                <a:highlight>
+                  <a:srgbClr val="FFFFFF"/>
+                </a:highlight>
+              </a:rPr>
+              <a:t> np</a:t>
+            </a:r>
+          </a:p>
+          <a:p>
+            <a:r>
+              <a:rPr lang="en-US" sz="800" b="1" dirty="0">
+                <a:solidFill>
+                  <a:srgbClr val="0000FF"/>
+                </a:solidFill>
+                <a:highlight>
+                  <a:srgbClr val="FFFFFF"/>
+                </a:highlight>
+              </a:rPr>
+              <a:t>import</a:t>
+            </a:r>
+            <a:r>
+              <a:rPr lang="en-US" sz="800" dirty="0">
+                <a:solidFill>
+                  <a:srgbClr val="000000"/>
+                </a:solidFill>
+                <a:highlight>
+                  <a:srgbClr val="FFFFFF"/>
+                </a:highlight>
+              </a:rPr>
+              <a:t> </a:t>
+            </a:r>
+            <a:r>
+              <a:rPr lang="en-US" sz="800" dirty="0" err="1">
+                <a:solidFill>
+                  <a:srgbClr val="000000"/>
+                </a:solidFill>
+                <a:highlight>
+                  <a:srgbClr val="FFFFFF"/>
+                </a:highlight>
+              </a:rPr>
+              <a:t>matplotlib</a:t>
+            </a:r>
+            <a:r>
+              <a:rPr lang="en-US" sz="800" b="1" dirty="0" err="1">
+                <a:solidFill>
+                  <a:srgbClr val="000080"/>
+                </a:solidFill>
+                <a:highlight>
+                  <a:srgbClr val="FFFFFF"/>
+                </a:highlight>
+              </a:rPr>
+              <a:t>.</a:t>
+            </a:r>
+            <a:r>
+              <a:rPr lang="en-US" sz="800" dirty="0" err="1">
+                <a:solidFill>
+                  <a:srgbClr val="000000"/>
+                </a:solidFill>
+                <a:highlight>
+                  <a:srgbClr val="FFFFFF"/>
+                </a:highlight>
+              </a:rPr>
+              <a:t>pyplot</a:t>
+            </a:r>
+            <a:r>
+              <a:rPr lang="en-US" sz="800" dirty="0">
+                <a:solidFill>
+                  <a:srgbClr val="000000"/>
+                </a:solidFill>
+                <a:highlight>
+                  <a:srgbClr val="FFFFFF"/>
+                </a:highlight>
+              </a:rPr>
+              <a:t> </a:t>
+            </a:r>
+            <a:r>
+              <a:rPr lang="en-US" sz="800" b="1" dirty="0">
+                <a:solidFill>
+                  <a:srgbClr val="0000FF"/>
+                </a:solidFill>
+                <a:highlight>
+                  <a:srgbClr val="FFFFFF"/>
+                </a:highlight>
+              </a:rPr>
+              <a:t>as</a:t>
+            </a:r>
+            <a:r>
+              <a:rPr lang="en-US" sz="800" dirty="0">
+                <a:solidFill>
+                  <a:srgbClr val="000000"/>
+                </a:solidFill>
+                <a:highlight>
+                  <a:srgbClr val="FFFFFF"/>
+                </a:highlight>
+              </a:rPr>
+              <a:t> </a:t>
+            </a:r>
+            <a:r>
+              <a:rPr lang="en-US" sz="800" dirty="0" err="1">
+                <a:solidFill>
+                  <a:srgbClr val="000000"/>
+                </a:solidFill>
+                <a:highlight>
+                  <a:srgbClr val="FFFFFF"/>
+                </a:highlight>
+              </a:rPr>
+              <a:t>plt</a:t>
+            </a:r>
+            <a:endParaRPr lang="en-US" sz="800" dirty="0">
+              <a:solidFill>
+                <a:srgbClr val="000000"/>
+              </a:solidFill>
+              <a:highlight>
+                <a:srgbClr val="FFFFFF"/>
+              </a:highlight>
+            </a:endParaRPr>
+          </a:p>
+          <a:p>
+            <a:r>
+              <a:rPr lang="en-US" sz="800" b="1" dirty="0">
+                <a:solidFill>
+                  <a:srgbClr val="0000FF"/>
+                </a:solidFill>
+                <a:highlight>
+                  <a:srgbClr val="FFFFFF"/>
+                </a:highlight>
+              </a:rPr>
+              <a:t>import</a:t>
+            </a:r>
+            <a:r>
+              <a:rPr lang="en-US" sz="800" dirty="0">
+                <a:solidFill>
+                  <a:srgbClr val="000000"/>
+                </a:solidFill>
+                <a:highlight>
+                  <a:srgbClr val="FFFFFF"/>
+                </a:highlight>
+              </a:rPr>
+              <a:t> pandas </a:t>
+            </a:r>
+            <a:r>
+              <a:rPr lang="en-US" sz="800" b="1" dirty="0">
+                <a:solidFill>
+                  <a:srgbClr val="0000FF"/>
+                </a:solidFill>
+                <a:highlight>
+                  <a:srgbClr val="FFFFFF"/>
+                </a:highlight>
+              </a:rPr>
+              <a:t>as</a:t>
+            </a:r>
+            <a:r>
+              <a:rPr lang="en-US" sz="800" dirty="0">
+                <a:solidFill>
+                  <a:srgbClr val="000000"/>
+                </a:solidFill>
+                <a:highlight>
+                  <a:srgbClr val="FFFFFF"/>
+                </a:highlight>
+              </a:rPr>
+              <a:t> </a:t>
+            </a:r>
+            <a:r>
+              <a:rPr lang="en-US" sz="800" dirty="0" err="1">
+                <a:solidFill>
+                  <a:srgbClr val="000000"/>
+                </a:solidFill>
+                <a:highlight>
+                  <a:srgbClr val="FFFFFF"/>
+                </a:highlight>
+              </a:rPr>
+              <a:t>pd</a:t>
+            </a:r>
+            <a:endParaRPr lang="en-US" sz="800" dirty="0">
+              <a:solidFill>
+                <a:srgbClr val="000000"/>
+              </a:solidFill>
+              <a:highlight>
+                <a:srgbClr val="FFFFFF"/>
+              </a:highlight>
+            </a:endParaRPr>
+          </a:p>
+          <a:p>
+            <a:endParaRPr lang="en-US" sz="800" dirty="0">
+              <a:solidFill>
+                <a:srgbClr val="000000"/>
+              </a:solidFill>
+              <a:highlight>
+                <a:srgbClr val="FFFFFF"/>
+              </a:highlight>
+            </a:endParaRPr>
+          </a:p>
+          <a:p>
+            <a:r>
+              <a:rPr lang="en-US" sz="800" dirty="0">
+                <a:solidFill>
+                  <a:srgbClr val="008000"/>
+                </a:solidFill>
+                <a:highlight>
+                  <a:srgbClr val="FFFFFF"/>
+                </a:highlight>
+              </a:rPr>
+              <a:t># Importing the dataset</a:t>
+            </a:r>
+            <a:endParaRPr lang="en-US" sz="800" dirty="0">
+              <a:solidFill>
+                <a:srgbClr val="000000"/>
+              </a:solidFill>
+              <a:highlight>
+                <a:srgbClr val="FFFFFF"/>
+              </a:highlight>
+            </a:endParaRPr>
+          </a:p>
+          <a:p>
+            <a:r>
+              <a:rPr lang="en-US" sz="800" dirty="0">
+                <a:solidFill>
+                  <a:srgbClr val="000000"/>
+                </a:solidFill>
+                <a:highlight>
+                  <a:srgbClr val="FFFFFF"/>
+                </a:highlight>
+              </a:rPr>
+              <a:t>dataset </a:t>
+            </a:r>
+            <a:r>
+              <a:rPr lang="en-US" sz="800" b="1" dirty="0">
+                <a:solidFill>
+                  <a:srgbClr val="000080"/>
+                </a:solidFill>
+                <a:highlight>
+                  <a:srgbClr val="FFFFFF"/>
+                </a:highlight>
+              </a:rPr>
+              <a:t>=</a:t>
+            </a:r>
+            <a:r>
+              <a:rPr lang="en-US" sz="800" dirty="0">
+                <a:solidFill>
+                  <a:srgbClr val="000000"/>
+                </a:solidFill>
+                <a:highlight>
+                  <a:srgbClr val="FFFFFF"/>
+                </a:highlight>
+              </a:rPr>
+              <a:t> </a:t>
+            </a:r>
+            <a:r>
+              <a:rPr lang="en-US" sz="800" dirty="0" err="1">
+                <a:solidFill>
+                  <a:srgbClr val="000000"/>
+                </a:solidFill>
+                <a:highlight>
+                  <a:srgbClr val="FFFFFF"/>
+                </a:highlight>
+              </a:rPr>
+              <a:t>pd</a:t>
+            </a:r>
+            <a:r>
+              <a:rPr lang="en-US" sz="800" b="1" dirty="0" err="1">
+                <a:solidFill>
+                  <a:srgbClr val="000080"/>
+                </a:solidFill>
+                <a:highlight>
+                  <a:srgbClr val="FFFFFF"/>
+                </a:highlight>
+              </a:rPr>
+              <a:t>.</a:t>
+            </a:r>
+            <a:r>
+              <a:rPr lang="en-US" sz="800" dirty="0" err="1">
+                <a:solidFill>
+                  <a:srgbClr val="000000"/>
+                </a:solidFill>
+                <a:highlight>
+                  <a:srgbClr val="FFFFFF"/>
+                </a:highlight>
+              </a:rPr>
+              <a:t>read_csv</a:t>
+            </a:r>
+            <a:r>
+              <a:rPr lang="en-US" sz="800" b="1" dirty="0">
+                <a:solidFill>
+                  <a:srgbClr val="000080"/>
+                </a:solidFill>
+                <a:highlight>
+                  <a:srgbClr val="FFFFFF"/>
+                </a:highlight>
+              </a:rPr>
+              <a:t>(</a:t>
+            </a:r>
+            <a:r>
+              <a:rPr lang="en-US" sz="800" dirty="0">
+                <a:solidFill>
+                  <a:srgbClr val="808080"/>
+                </a:solidFill>
+                <a:highlight>
+                  <a:srgbClr val="FFFFFF"/>
+                </a:highlight>
+              </a:rPr>
+              <a:t>'Position_Salaries.csv'</a:t>
+            </a:r>
+            <a:r>
+              <a:rPr lang="en-US" sz="800" b="1" dirty="0">
+                <a:solidFill>
+                  <a:srgbClr val="000080"/>
+                </a:solidFill>
+                <a:highlight>
+                  <a:srgbClr val="FFFFFF"/>
+                </a:highlight>
+              </a:rPr>
+              <a:t>)</a:t>
+            </a:r>
+            <a:endParaRPr lang="en-US" sz="800" dirty="0">
+              <a:solidFill>
+                <a:srgbClr val="000000"/>
+              </a:solidFill>
+              <a:highlight>
+                <a:srgbClr val="FFFFFF"/>
+              </a:highlight>
+            </a:endParaRPr>
+          </a:p>
+          <a:p>
+            <a:r>
+              <a:rPr lang="en-US" sz="800" dirty="0">
+                <a:solidFill>
+                  <a:srgbClr val="000000"/>
+                </a:solidFill>
+                <a:highlight>
+                  <a:srgbClr val="FFFFFF"/>
+                </a:highlight>
+              </a:rPr>
+              <a:t>X </a:t>
+            </a:r>
+            <a:r>
+              <a:rPr lang="en-US" sz="800" b="1" dirty="0">
+                <a:solidFill>
+                  <a:srgbClr val="000080"/>
+                </a:solidFill>
+                <a:highlight>
+                  <a:srgbClr val="FFFFFF"/>
+                </a:highlight>
+              </a:rPr>
+              <a:t>=</a:t>
+            </a:r>
+            <a:r>
+              <a:rPr lang="en-US" sz="800" dirty="0">
+                <a:solidFill>
+                  <a:srgbClr val="000000"/>
+                </a:solidFill>
+                <a:highlight>
+                  <a:srgbClr val="FFFFFF"/>
+                </a:highlight>
+              </a:rPr>
+              <a:t> </a:t>
+            </a:r>
+            <a:r>
+              <a:rPr lang="en-US" sz="800" dirty="0" err="1">
+                <a:solidFill>
+                  <a:srgbClr val="000000"/>
+                </a:solidFill>
+                <a:highlight>
+                  <a:srgbClr val="FFFFFF"/>
+                </a:highlight>
+              </a:rPr>
+              <a:t>dataset</a:t>
+            </a:r>
+            <a:r>
+              <a:rPr lang="en-US" sz="800" b="1" dirty="0" err="1">
+                <a:solidFill>
+                  <a:srgbClr val="000080"/>
+                </a:solidFill>
+                <a:highlight>
+                  <a:srgbClr val="FFFFFF"/>
+                </a:highlight>
+              </a:rPr>
+              <a:t>.</a:t>
+            </a:r>
+            <a:r>
+              <a:rPr lang="en-US" sz="800" dirty="0" err="1">
+                <a:solidFill>
+                  <a:srgbClr val="000000"/>
+                </a:solidFill>
+                <a:highlight>
+                  <a:srgbClr val="FFFFFF"/>
+                </a:highlight>
+              </a:rPr>
+              <a:t>iloc</a:t>
+            </a:r>
+            <a:r>
+              <a:rPr lang="en-US" sz="800" b="1" dirty="0">
+                <a:solidFill>
+                  <a:srgbClr val="000080"/>
+                </a:solidFill>
+                <a:highlight>
+                  <a:srgbClr val="FFFFFF"/>
+                </a:highlight>
+              </a:rPr>
+              <a:t>[:,</a:t>
+            </a:r>
+            <a:r>
+              <a:rPr lang="en-US" sz="800" dirty="0">
+                <a:solidFill>
+                  <a:srgbClr val="000000"/>
+                </a:solidFill>
+                <a:highlight>
+                  <a:srgbClr val="FFFFFF"/>
+                </a:highlight>
+              </a:rPr>
+              <a:t> </a:t>
+            </a:r>
+            <a:r>
+              <a:rPr lang="en-US" sz="800" dirty="0">
+                <a:solidFill>
+                  <a:srgbClr val="FF0000"/>
+                </a:solidFill>
+                <a:highlight>
+                  <a:srgbClr val="FFFFFF"/>
+                </a:highlight>
+              </a:rPr>
+              <a:t>1</a:t>
+            </a:r>
+            <a:r>
+              <a:rPr lang="en-US" sz="800" b="1" dirty="0">
+                <a:solidFill>
+                  <a:srgbClr val="000080"/>
+                </a:solidFill>
+                <a:highlight>
+                  <a:srgbClr val="FFFFFF"/>
+                </a:highlight>
+              </a:rPr>
+              <a:t>:</a:t>
+            </a:r>
+            <a:r>
+              <a:rPr lang="en-US" sz="800" dirty="0">
+                <a:solidFill>
+                  <a:srgbClr val="FF0000"/>
+                </a:solidFill>
+                <a:highlight>
+                  <a:srgbClr val="FFFFFF"/>
+                </a:highlight>
+              </a:rPr>
+              <a:t>2</a:t>
+            </a:r>
+            <a:r>
+              <a:rPr lang="en-US" sz="800" b="1" dirty="0">
+                <a:solidFill>
+                  <a:srgbClr val="000080"/>
+                </a:solidFill>
+                <a:highlight>
+                  <a:srgbClr val="FFFFFF"/>
+                </a:highlight>
+              </a:rPr>
+              <a:t>].</a:t>
+            </a:r>
+            <a:r>
+              <a:rPr lang="en-US" sz="800" dirty="0">
+                <a:solidFill>
+                  <a:srgbClr val="000000"/>
+                </a:solidFill>
+                <a:highlight>
+                  <a:srgbClr val="FFFFFF"/>
+                </a:highlight>
+              </a:rPr>
+              <a:t>values</a:t>
+            </a:r>
+          </a:p>
+          <a:p>
+            <a:r>
+              <a:rPr lang="es-ES" sz="800" dirty="0">
+                <a:solidFill>
+                  <a:srgbClr val="000000"/>
+                </a:solidFill>
+                <a:highlight>
+                  <a:srgbClr val="FFFFFF"/>
+                </a:highlight>
+              </a:rPr>
+              <a:t>y </a:t>
+            </a:r>
+            <a:r>
+              <a:rPr lang="es-ES" sz="800" b="1" dirty="0">
+                <a:solidFill>
+                  <a:srgbClr val="000080"/>
+                </a:solidFill>
+                <a:highlight>
+                  <a:srgbClr val="FFFFFF"/>
+                </a:highlight>
+              </a:rPr>
+              <a:t>=</a:t>
+            </a:r>
+            <a:r>
+              <a:rPr lang="es-ES" sz="800" dirty="0">
+                <a:solidFill>
+                  <a:srgbClr val="000000"/>
+                </a:solidFill>
+                <a:highlight>
+                  <a:srgbClr val="FFFFFF"/>
+                </a:highlight>
+              </a:rPr>
+              <a:t> </a:t>
+            </a:r>
+            <a:r>
+              <a:rPr lang="es-ES" sz="800" dirty="0" err="1">
+                <a:solidFill>
+                  <a:srgbClr val="000000"/>
+                </a:solidFill>
+                <a:highlight>
+                  <a:srgbClr val="FFFFFF"/>
+                </a:highlight>
+              </a:rPr>
+              <a:t>dataset</a:t>
+            </a:r>
+            <a:r>
+              <a:rPr lang="es-ES" sz="800" b="1" dirty="0" err="1">
+                <a:solidFill>
+                  <a:srgbClr val="000080"/>
+                </a:solidFill>
+                <a:highlight>
+                  <a:srgbClr val="FFFFFF"/>
+                </a:highlight>
+              </a:rPr>
+              <a:t>.</a:t>
+            </a:r>
+            <a:r>
+              <a:rPr lang="es-ES" sz="800" dirty="0" err="1">
+                <a:solidFill>
+                  <a:srgbClr val="000000"/>
+                </a:solidFill>
+                <a:highlight>
+                  <a:srgbClr val="FFFFFF"/>
+                </a:highlight>
+              </a:rPr>
+              <a:t>iloc</a:t>
+            </a:r>
+            <a:r>
+              <a:rPr lang="es-ES" sz="800" b="1" dirty="0">
+                <a:solidFill>
+                  <a:srgbClr val="000080"/>
+                </a:solidFill>
+                <a:highlight>
+                  <a:srgbClr val="FFFFFF"/>
+                </a:highlight>
+              </a:rPr>
+              <a:t>[:,</a:t>
+            </a:r>
+            <a:r>
+              <a:rPr lang="es-ES" sz="800" dirty="0">
+                <a:solidFill>
+                  <a:srgbClr val="000000"/>
+                </a:solidFill>
+                <a:highlight>
+                  <a:srgbClr val="FFFFFF"/>
+                </a:highlight>
+              </a:rPr>
+              <a:t> </a:t>
+            </a:r>
+            <a:r>
+              <a:rPr lang="es-ES" sz="800" dirty="0">
+                <a:solidFill>
+                  <a:srgbClr val="FF0000"/>
+                </a:solidFill>
+                <a:highlight>
+                  <a:srgbClr val="FFFFFF"/>
+                </a:highlight>
+              </a:rPr>
+              <a:t>2</a:t>
+            </a:r>
+            <a:r>
+              <a:rPr lang="es-ES" sz="800" b="1" dirty="0">
+                <a:solidFill>
+                  <a:srgbClr val="000080"/>
+                </a:solidFill>
+                <a:highlight>
+                  <a:srgbClr val="FFFFFF"/>
+                </a:highlight>
+              </a:rPr>
+              <a:t>].</a:t>
+            </a:r>
+            <a:r>
+              <a:rPr lang="es-ES" sz="800" dirty="0" err="1">
+                <a:solidFill>
+                  <a:srgbClr val="000000"/>
+                </a:solidFill>
+                <a:highlight>
+                  <a:srgbClr val="FFFFFF"/>
+                </a:highlight>
+              </a:rPr>
+              <a:t>values</a:t>
+            </a:r>
+            <a:r>
+              <a:rPr lang="es-ES" sz="800" b="1" dirty="0" err="1">
+                <a:solidFill>
+                  <a:srgbClr val="000080"/>
+                </a:solidFill>
+                <a:highlight>
+                  <a:srgbClr val="FFFFFF"/>
+                </a:highlight>
+              </a:rPr>
+              <a:t>.</a:t>
+            </a:r>
+            <a:r>
+              <a:rPr lang="es-ES" sz="800" dirty="0" err="1">
+                <a:solidFill>
+                  <a:srgbClr val="000000"/>
+                </a:solidFill>
+                <a:highlight>
+                  <a:srgbClr val="FFFFFF"/>
+                </a:highlight>
+              </a:rPr>
+              <a:t>reshape</a:t>
+            </a:r>
+            <a:r>
+              <a:rPr lang="es-ES" sz="800" b="1" dirty="0">
+                <a:solidFill>
+                  <a:srgbClr val="000080"/>
+                </a:solidFill>
+                <a:highlight>
+                  <a:srgbClr val="FFFFFF"/>
+                </a:highlight>
+              </a:rPr>
+              <a:t>(-</a:t>
+            </a:r>
+            <a:r>
+              <a:rPr lang="es-ES" sz="800" dirty="0">
+                <a:solidFill>
+                  <a:srgbClr val="FF0000"/>
+                </a:solidFill>
+                <a:highlight>
+                  <a:srgbClr val="FFFFFF"/>
+                </a:highlight>
+              </a:rPr>
+              <a:t>1</a:t>
+            </a:r>
+            <a:r>
+              <a:rPr lang="es-ES" sz="800" b="1" dirty="0">
+                <a:solidFill>
+                  <a:srgbClr val="000080"/>
+                </a:solidFill>
+                <a:highlight>
+                  <a:srgbClr val="FFFFFF"/>
+                </a:highlight>
+              </a:rPr>
+              <a:t>,</a:t>
+            </a:r>
+            <a:r>
+              <a:rPr lang="es-ES" sz="800" dirty="0">
+                <a:solidFill>
+                  <a:srgbClr val="FF0000"/>
+                </a:solidFill>
+                <a:highlight>
+                  <a:srgbClr val="FFFFFF"/>
+                </a:highlight>
+              </a:rPr>
+              <a:t>1</a:t>
+            </a:r>
+            <a:r>
+              <a:rPr lang="es-ES" sz="800" b="1" dirty="0">
+                <a:solidFill>
+                  <a:srgbClr val="000080"/>
+                </a:solidFill>
+                <a:highlight>
+                  <a:srgbClr val="FFFFFF"/>
+                </a:highlight>
+              </a:rPr>
+              <a:t>)</a:t>
+            </a:r>
+            <a:endParaRPr lang="es-ES" sz="800" dirty="0">
+              <a:solidFill>
+                <a:srgbClr val="000000"/>
+              </a:solidFill>
+              <a:highlight>
+                <a:srgbClr val="FFFFFF"/>
+              </a:highlight>
+            </a:endParaRPr>
+          </a:p>
+          <a:p>
+            <a:endParaRPr lang="en-US" sz="800" dirty="0">
+              <a:solidFill>
+                <a:srgbClr val="000000"/>
+              </a:solidFill>
+              <a:highlight>
+                <a:srgbClr val="FFFFFF"/>
+              </a:highlight>
+            </a:endParaRPr>
+          </a:p>
+          <a:p>
+            <a:endParaRPr lang="en-US" sz="800" dirty="0">
+              <a:solidFill>
+                <a:srgbClr val="000000"/>
+              </a:solidFill>
+              <a:highlight>
+                <a:srgbClr val="FFFFFF"/>
+              </a:highlight>
+            </a:endParaRPr>
+          </a:p>
+          <a:p>
+            <a:endParaRPr lang="en-US" sz="800" dirty="0">
+              <a:solidFill>
+                <a:srgbClr val="000000"/>
+              </a:solidFill>
+              <a:highlight>
+                <a:srgbClr val="FFFFFF"/>
+              </a:highlight>
+            </a:endParaRPr>
+          </a:p>
+          <a:p>
+            <a:r>
+              <a:rPr lang="en-US" sz="800" dirty="0">
+                <a:solidFill>
+                  <a:srgbClr val="008000"/>
+                </a:solidFill>
+                <a:highlight>
+                  <a:srgbClr val="FFFFFF"/>
+                </a:highlight>
+              </a:rPr>
+              <a:t># Feature Scaling</a:t>
+            </a:r>
+            <a:endParaRPr lang="en-US" sz="800" dirty="0">
+              <a:solidFill>
+                <a:srgbClr val="000000"/>
+              </a:solidFill>
+              <a:highlight>
+                <a:srgbClr val="FFFFFF"/>
+              </a:highlight>
+            </a:endParaRPr>
+          </a:p>
+          <a:p>
+            <a:r>
+              <a:rPr lang="en-US" sz="800" b="1" dirty="0">
+                <a:solidFill>
+                  <a:srgbClr val="0000FF"/>
+                </a:solidFill>
+                <a:highlight>
+                  <a:srgbClr val="FFFFFF"/>
+                </a:highlight>
+              </a:rPr>
+              <a:t>from</a:t>
+            </a:r>
+            <a:r>
+              <a:rPr lang="en-US" sz="800" dirty="0">
+                <a:solidFill>
+                  <a:srgbClr val="000000"/>
+                </a:solidFill>
+                <a:highlight>
+                  <a:srgbClr val="FFFFFF"/>
+                </a:highlight>
+              </a:rPr>
+              <a:t> </a:t>
+            </a:r>
+            <a:r>
+              <a:rPr lang="en-US" sz="800" dirty="0" err="1">
+                <a:solidFill>
+                  <a:srgbClr val="000000"/>
+                </a:solidFill>
+                <a:highlight>
+                  <a:srgbClr val="FFFFFF"/>
+                </a:highlight>
+              </a:rPr>
+              <a:t>sklearn</a:t>
+            </a:r>
+            <a:r>
+              <a:rPr lang="en-US" sz="800" b="1" dirty="0" err="1">
+                <a:solidFill>
+                  <a:srgbClr val="000080"/>
+                </a:solidFill>
+                <a:highlight>
+                  <a:srgbClr val="FFFFFF"/>
+                </a:highlight>
+              </a:rPr>
+              <a:t>.</a:t>
+            </a:r>
+            <a:r>
+              <a:rPr lang="en-US" sz="800" dirty="0" err="1">
+                <a:solidFill>
+                  <a:srgbClr val="000000"/>
+                </a:solidFill>
+                <a:highlight>
+                  <a:srgbClr val="FFFFFF"/>
+                </a:highlight>
+              </a:rPr>
+              <a:t>preprocessing</a:t>
+            </a:r>
+            <a:r>
+              <a:rPr lang="en-US" sz="800" dirty="0">
+                <a:solidFill>
+                  <a:srgbClr val="000000"/>
+                </a:solidFill>
+                <a:highlight>
+                  <a:srgbClr val="FFFFFF"/>
+                </a:highlight>
+              </a:rPr>
+              <a:t> </a:t>
+            </a:r>
+            <a:r>
+              <a:rPr lang="en-US" sz="800" b="1" dirty="0">
+                <a:solidFill>
+                  <a:srgbClr val="0000FF"/>
+                </a:solidFill>
+                <a:highlight>
+                  <a:srgbClr val="FFFFFF"/>
+                </a:highlight>
+              </a:rPr>
+              <a:t>import</a:t>
+            </a:r>
+            <a:r>
+              <a:rPr lang="en-US" sz="800" dirty="0">
+                <a:solidFill>
+                  <a:srgbClr val="000000"/>
+                </a:solidFill>
+                <a:highlight>
+                  <a:srgbClr val="FFFFFF"/>
+                </a:highlight>
+              </a:rPr>
+              <a:t> </a:t>
+            </a:r>
+            <a:r>
+              <a:rPr lang="en-US" sz="800" dirty="0" err="1">
+                <a:solidFill>
+                  <a:srgbClr val="000000"/>
+                </a:solidFill>
+                <a:highlight>
+                  <a:srgbClr val="FFFFFF"/>
+                </a:highlight>
+              </a:rPr>
+              <a:t>StandardScaler</a:t>
+            </a:r>
+            <a:endParaRPr lang="en-US" sz="800" dirty="0">
+              <a:solidFill>
+                <a:srgbClr val="000000"/>
+              </a:solidFill>
+              <a:highlight>
+                <a:srgbClr val="FFFFFF"/>
+              </a:highlight>
+            </a:endParaRPr>
+          </a:p>
+          <a:p>
+            <a:r>
+              <a:rPr lang="en-US" sz="800" dirty="0" err="1">
+                <a:solidFill>
+                  <a:srgbClr val="000000"/>
+                </a:solidFill>
+                <a:highlight>
+                  <a:srgbClr val="FFFFFF"/>
+                </a:highlight>
+              </a:rPr>
+              <a:t>sc_X</a:t>
+            </a:r>
+            <a:r>
+              <a:rPr lang="en-US" sz="800" dirty="0">
+                <a:solidFill>
+                  <a:srgbClr val="000000"/>
+                </a:solidFill>
+                <a:highlight>
+                  <a:srgbClr val="FFFFFF"/>
+                </a:highlight>
+              </a:rPr>
+              <a:t> </a:t>
+            </a:r>
+            <a:r>
+              <a:rPr lang="en-US" sz="800" b="1" dirty="0">
+                <a:solidFill>
+                  <a:srgbClr val="000080"/>
+                </a:solidFill>
+                <a:highlight>
+                  <a:srgbClr val="FFFFFF"/>
+                </a:highlight>
+              </a:rPr>
+              <a:t>=</a:t>
+            </a:r>
+            <a:r>
+              <a:rPr lang="en-US" sz="800" dirty="0">
+                <a:solidFill>
+                  <a:srgbClr val="000000"/>
+                </a:solidFill>
+                <a:highlight>
+                  <a:srgbClr val="FFFFFF"/>
+                </a:highlight>
+              </a:rPr>
+              <a:t> </a:t>
+            </a:r>
+            <a:r>
+              <a:rPr lang="en-US" sz="800" dirty="0" err="1">
+                <a:solidFill>
+                  <a:srgbClr val="000000"/>
+                </a:solidFill>
+                <a:highlight>
+                  <a:srgbClr val="FFFFFF"/>
+                </a:highlight>
+              </a:rPr>
+              <a:t>StandardScaler</a:t>
+            </a:r>
+            <a:r>
+              <a:rPr lang="en-US" sz="800" b="1" dirty="0">
+                <a:solidFill>
+                  <a:srgbClr val="000080"/>
+                </a:solidFill>
+                <a:highlight>
+                  <a:srgbClr val="FFFFFF"/>
+                </a:highlight>
+              </a:rPr>
+              <a:t>()</a:t>
+            </a:r>
+            <a:endParaRPr lang="en-US" sz="800" dirty="0">
+              <a:solidFill>
+                <a:srgbClr val="000000"/>
+              </a:solidFill>
+              <a:highlight>
+                <a:srgbClr val="FFFFFF"/>
+              </a:highlight>
+            </a:endParaRPr>
+          </a:p>
+          <a:p>
+            <a:r>
+              <a:rPr lang="en-US" sz="800" dirty="0" err="1">
+                <a:solidFill>
+                  <a:srgbClr val="000000"/>
+                </a:solidFill>
+                <a:highlight>
+                  <a:srgbClr val="FFFFFF"/>
+                </a:highlight>
+              </a:rPr>
+              <a:t>sc_y</a:t>
+            </a:r>
+            <a:r>
+              <a:rPr lang="en-US" sz="800" dirty="0">
+                <a:solidFill>
+                  <a:srgbClr val="000000"/>
+                </a:solidFill>
+                <a:highlight>
+                  <a:srgbClr val="FFFFFF"/>
+                </a:highlight>
+              </a:rPr>
+              <a:t> </a:t>
+            </a:r>
+            <a:r>
+              <a:rPr lang="en-US" sz="800" b="1" dirty="0">
+                <a:solidFill>
+                  <a:srgbClr val="000080"/>
+                </a:solidFill>
+                <a:highlight>
+                  <a:srgbClr val="FFFFFF"/>
+                </a:highlight>
+              </a:rPr>
+              <a:t>=</a:t>
+            </a:r>
+            <a:r>
+              <a:rPr lang="en-US" sz="800" dirty="0">
+                <a:solidFill>
+                  <a:srgbClr val="000000"/>
+                </a:solidFill>
+                <a:highlight>
+                  <a:srgbClr val="FFFFFF"/>
+                </a:highlight>
+              </a:rPr>
+              <a:t> </a:t>
+            </a:r>
+            <a:r>
+              <a:rPr lang="en-US" sz="800" dirty="0" err="1">
+                <a:solidFill>
+                  <a:srgbClr val="000000"/>
+                </a:solidFill>
+                <a:highlight>
+                  <a:srgbClr val="FFFFFF"/>
+                </a:highlight>
+              </a:rPr>
+              <a:t>StandardScaler</a:t>
+            </a:r>
+            <a:r>
+              <a:rPr lang="en-US" sz="800" b="1" dirty="0">
+                <a:solidFill>
+                  <a:srgbClr val="000080"/>
+                </a:solidFill>
+                <a:highlight>
+                  <a:srgbClr val="FFFFFF"/>
+                </a:highlight>
+              </a:rPr>
+              <a:t>()</a:t>
+            </a:r>
+            <a:endParaRPr lang="en-US" sz="800" dirty="0">
+              <a:solidFill>
+                <a:srgbClr val="000000"/>
+              </a:solidFill>
+              <a:highlight>
+                <a:srgbClr val="FFFFFF"/>
+              </a:highlight>
+            </a:endParaRPr>
+          </a:p>
+          <a:p>
+            <a:r>
+              <a:rPr lang="en-US" sz="800" dirty="0">
+                <a:solidFill>
+                  <a:srgbClr val="000000"/>
+                </a:solidFill>
+                <a:highlight>
+                  <a:srgbClr val="FFFFFF"/>
+                </a:highlight>
+              </a:rPr>
+              <a:t>X </a:t>
+            </a:r>
+            <a:r>
+              <a:rPr lang="en-US" sz="800" b="1" dirty="0">
+                <a:solidFill>
+                  <a:srgbClr val="000080"/>
+                </a:solidFill>
+                <a:highlight>
+                  <a:srgbClr val="FFFFFF"/>
+                </a:highlight>
+              </a:rPr>
+              <a:t>=</a:t>
+            </a:r>
+            <a:r>
+              <a:rPr lang="en-US" sz="800" dirty="0">
+                <a:solidFill>
+                  <a:srgbClr val="000000"/>
+                </a:solidFill>
+                <a:highlight>
+                  <a:srgbClr val="FFFFFF"/>
+                </a:highlight>
+              </a:rPr>
+              <a:t> </a:t>
+            </a:r>
+            <a:r>
+              <a:rPr lang="en-US" sz="800" dirty="0" err="1">
+                <a:solidFill>
+                  <a:srgbClr val="000000"/>
+                </a:solidFill>
+                <a:highlight>
+                  <a:srgbClr val="FFFFFF"/>
+                </a:highlight>
+              </a:rPr>
+              <a:t>sc_X</a:t>
+            </a:r>
+            <a:r>
+              <a:rPr lang="en-US" sz="800" b="1" dirty="0" err="1">
+                <a:solidFill>
+                  <a:srgbClr val="000080"/>
+                </a:solidFill>
+                <a:highlight>
+                  <a:srgbClr val="FFFFFF"/>
+                </a:highlight>
+              </a:rPr>
+              <a:t>.</a:t>
+            </a:r>
+            <a:r>
+              <a:rPr lang="en-US" sz="800" dirty="0" err="1">
+                <a:solidFill>
+                  <a:srgbClr val="000000"/>
+                </a:solidFill>
+                <a:highlight>
+                  <a:srgbClr val="FFFFFF"/>
+                </a:highlight>
+              </a:rPr>
+              <a:t>fit_transform</a:t>
+            </a:r>
+            <a:r>
+              <a:rPr lang="en-US" sz="800" b="1" dirty="0">
+                <a:solidFill>
+                  <a:srgbClr val="000080"/>
+                </a:solidFill>
+                <a:highlight>
+                  <a:srgbClr val="FFFFFF"/>
+                </a:highlight>
+              </a:rPr>
+              <a:t>(</a:t>
+            </a:r>
+            <a:r>
+              <a:rPr lang="en-US" sz="800" dirty="0">
+                <a:solidFill>
+                  <a:srgbClr val="000000"/>
+                </a:solidFill>
+                <a:highlight>
+                  <a:srgbClr val="FFFFFF"/>
+                </a:highlight>
+              </a:rPr>
+              <a:t>X</a:t>
+            </a:r>
+            <a:r>
+              <a:rPr lang="en-US" sz="800" b="1" dirty="0">
+                <a:solidFill>
+                  <a:srgbClr val="000080"/>
+                </a:solidFill>
+                <a:highlight>
+                  <a:srgbClr val="FFFFFF"/>
+                </a:highlight>
+              </a:rPr>
+              <a:t>)</a:t>
+            </a:r>
+            <a:endParaRPr lang="en-US" sz="800" dirty="0">
+              <a:solidFill>
+                <a:srgbClr val="000000"/>
+              </a:solidFill>
+              <a:highlight>
+                <a:srgbClr val="FFFFFF"/>
+              </a:highlight>
+            </a:endParaRPr>
+          </a:p>
+          <a:p>
+            <a:r>
+              <a:rPr lang="en-US" sz="800" dirty="0">
+                <a:solidFill>
+                  <a:srgbClr val="000000"/>
+                </a:solidFill>
+                <a:highlight>
+                  <a:srgbClr val="FFFFFF"/>
+                </a:highlight>
+              </a:rPr>
+              <a:t>y </a:t>
+            </a:r>
+            <a:r>
+              <a:rPr lang="en-US" sz="800" b="1" dirty="0">
+                <a:solidFill>
+                  <a:srgbClr val="000080"/>
+                </a:solidFill>
+                <a:highlight>
+                  <a:srgbClr val="FFFFFF"/>
+                </a:highlight>
+              </a:rPr>
+              <a:t>=</a:t>
+            </a:r>
+            <a:r>
+              <a:rPr lang="en-US" sz="800" dirty="0">
+                <a:solidFill>
+                  <a:srgbClr val="000000"/>
+                </a:solidFill>
+                <a:highlight>
+                  <a:srgbClr val="FFFFFF"/>
+                </a:highlight>
+              </a:rPr>
+              <a:t> </a:t>
+            </a:r>
+            <a:r>
+              <a:rPr lang="en-US" sz="800" dirty="0" err="1">
+                <a:solidFill>
+                  <a:srgbClr val="000000"/>
+                </a:solidFill>
+                <a:highlight>
+                  <a:srgbClr val="FFFFFF"/>
+                </a:highlight>
+              </a:rPr>
+              <a:t>sc_y</a:t>
+            </a:r>
+            <a:r>
+              <a:rPr lang="en-US" sz="800" b="1" dirty="0" err="1">
+                <a:solidFill>
+                  <a:srgbClr val="000080"/>
+                </a:solidFill>
+                <a:highlight>
+                  <a:srgbClr val="FFFFFF"/>
+                </a:highlight>
+              </a:rPr>
+              <a:t>.</a:t>
+            </a:r>
+            <a:r>
+              <a:rPr lang="en-US" sz="800" dirty="0" err="1">
+                <a:solidFill>
+                  <a:srgbClr val="000000"/>
+                </a:solidFill>
+                <a:highlight>
+                  <a:srgbClr val="FFFFFF"/>
+                </a:highlight>
+              </a:rPr>
+              <a:t>fit_transform</a:t>
+            </a:r>
+            <a:r>
+              <a:rPr lang="en-US" sz="800" b="1" dirty="0">
+                <a:solidFill>
+                  <a:srgbClr val="000080"/>
+                </a:solidFill>
+                <a:highlight>
+                  <a:srgbClr val="FFFFFF"/>
+                </a:highlight>
+              </a:rPr>
+              <a:t>(</a:t>
+            </a:r>
+            <a:r>
+              <a:rPr lang="en-US" sz="800" dirty="0">
+                <a:solidFill>
+                  <a:srgbClr val="000000"/>
+                </a:solidFill>
+                <a:highlight>
+                  <a:srgbClr val="FFFFFF"/>
+                </a:highlight>
+              </a:rPr>
+              <a:t>y</a:t>
+            </a:r>
+            <a:r>
+              <a:rPr lang="en-US" sz="800" b="1" dirty="0">
+                <a:solidFill>
+                  <a:srgbClr val="000080"/>
+                </a:solidFill>
+                <a:highlight>
+                  <a:srgbClr val="FFFFFF"/>
+                </a:highlight>
+              </a:rPr>
+              <a:t>).</a:t>
+            </a:r>
+            <a:r>
+              <a:rPr lang="en-US" sz="800" dirty="0">
+                <a:solidFill>
+                  <a:srgbClr val="000000"/>
+                </a:solidFill>
+                <a:highlight>
+                  <a:srgbClr val="FFFFFF"/>
+                </a:highlight>
+              </a:rPr>
+              <a:t>reshape</a:t>
+            </a:r>
+            <a:r>
+              <a:rPr lang="en-US" sz="800" b="1" dirty="0">
+                <a:solidFill>
+                  <a:srgbClr val="000080"/>
+                </a:solidFill>
+                <a:highlight>
+                  <a:srgbClr val="FFFFFF"/>
+                </a:highlight>
+              </a:rPr>
+              <a:t>(-</a:t>
+            </a:r>
+            <a:r>
+              <a:rPr lang="en-US" sz="800" dirty="0">
+                <a:solidFill>
+                  <a:srgbClr val="FF0000"/>
+                </a:solidFill>
+                <a:highlight>
+                  <a:srgbClr val="FFFFFF"/>
+                </a:highlight>
+              </a:rPr>
+              <a:t>1</a:t>
+            </a:r>
+            <a:r>
+              <a:rPr lang="en-US" sz="800" b="1" dirty="0">
+                <a:solidFill>
+                  <a:srgbClr val="000080"/>
+                </a:solidFill>
+                <a:highlight>
+                  <a:srgbClr val="FFFFFF"/>
+                </a:highlight>
+              </a:rPr>
+              <a:t>,</a:t>
+            </a:r>
+            <a:r>
+              <a:rPr lang="en-US" sz="800" dirty="0">
+                <a:solidFill>
+                  <a:srgbClr val="FF0000"/>
+                </a:solidFill>
+                <a:highlight>
+                  <a:srgbClr val="FFFFFF"/>
+                </a:highlight>
+              </a:rPr>
+              <a:t>1</a:t>
+            </a:r>
+            <a:r>
+              <a:rPr lang="en-US" sz="800" b="1" dirty="0">
+                <a:solidFill>
+                  <a:srgbClr val="000080"/>
+                </a:solidFill>
+                <a:highlight>
+                  <a:srgbClr val="FFFFFF"/>
+                </a:highlight>
+              </a:rPr>
+              <a:t>)</a:t>
+            </a:r>
+            <a:endParaRPr lang="en-US" sz="800" dirty="0">
+              <a:solidFill>
+                <a:srgbClr val="000000"/>
+              </a:solidFill>
+              <a:highlight>
+                <a:srgbClr val="FFFFFF"/>
+              </a:highlight>
+            </a:endParaRPr>
+          </a:p>
+          <a:p>
+            <a:endParaRPr lang="en-US" sz="800" dirty="0">
+              <a:solidFill>
+                <a:srgbClr val="000000"/>
+              </a:solidFill>
+              <a:highlight>
+                <a:srgbClr val="FFFFFF"/>
+              </a:highlight>
+            </a:endParaRPr>
+          </a:p>
+          <a:p>
+            <a:endParaRPr lang="en-US" sz="800" dirty="0">
+              <a:solidFill>
+                <a:srgbClr val="000000"/>
+              </a:solidFill>
+              <a:highlight>
+                <a:srgbClr val="FFFFFF"/>
+              </a:highlight>
+            </a:endParaRPr>
+          </a:p>
+          <a:p>
+            <a:r>
+              <a:rPr lang="en-US" sz="800" dirty="0">
+                <a:solidFill>
+                  <a:srgbClr val="008000"/>
+                </a:solidFill>
+                <a:highlight>
+                  <a:srgbClr val="FFFFFF"/>
+                </a:highlight>
+              </a:rPr>
+              <a:t># Fitting SVR to the dataset</a:t>
+            </a:r>
+            <a:endParaRPr lang="en-US" sz="800" dirty="0">
+              <a:solidFill>
+                <a:srgbClr val="000000"/>
+              </a:solidFill>
+              <a:highlight>
+                <a:srgbClr val="FFFFFF"/>
+              </a:highlight>
+            </a:endParaRPr>
+          </a:p>
+          <a:p>
+            <a:r>
+              <a:rPr lang="en-US" sz="800" b="1" dirty="0">
+                <a:solidFill>
+                  <a:srgbClr val="0000FF"/>
+                </a:solidFill>
+                <a:highlight>
+                  <a:srgbClr val="FFFFFF"/>
+                </a:highlight>
+              </a:rPr>
+              <a:t>from</a:t>
+            </a:r>
+            <a:r>
+              <a:rPr lang="en-US" sz="800" dirty="0">
+                <a:solidFill>
+                  <a:srgbClr val="000000"/>
+                </a:solidFill>
+                <a:highlight>
+                  <a:srgbClr val="FFFFFF"/>
+                </a:highlight>
+              </a:rPr>
+              <a:t> </a:t>
+            </a:r>
+            <a:r>
+              <a:rPr lang="en-US" sz="800" dirty="0" err="1">
+                <a:solidFill>
+                  <a:srgbClr val="000000"/>
+                </a:solidFill>
+                <a:highlight>
+                  <a:srgbClr val="FFFFFF"/>
+                </a:highlight>
+              </a:rPr>
+              <a:t>sklearn</a:t>
+            </a:r>
+            <a:r>
+              <a:rPr lang="en-US" sz="800" b="1" dirty="0" err="1">
+                <a:solidFill>
+                  <a:srgbClr val="000080"/>
+                </a:solidFill>
+                <a:highlight>
+                  <a:srgbClr val="FFFFFF"/>
+                </a:highlight>
+              </a:rPr>
+              <a:t>.</a:t>
+            </a:r>
+            <a:r>
+              <a:rPr lang="en-US" sz="800" dirty="0" err="1">
+                <a:solidFill>
+                  <a:srgbClr val="000000"/>
+                </a:solidFill>
+                <a:highlight>
+                  <a:srgbClr val="FFFFFF"/>
+                </a:highlight>
+              </a:rPr>
+              <a:t>svm</a:t>
+            </a:r>
+            <a:r>
+              <a:rPr lang="en-US" sz="800" dirty="0">
+                <a:solidFill>
+                  <a:srgbClr val="000000"/>
+                </a:solidFill>
+                <a:highlight>
+                  <a:srgbClr val="FFFFFF"/>
+                </a:highlight>
+              </a:rPr>
+              <a:t> </a:t>
+            </a:r>
+            <a:r>
+              <a:rPr lang="en-US" sz="800" b="1" dirty="0">
+                <a:solidFill>
+                  <a:srgbClr val="0000FF"/>
+                </a:solidFill>
+                <a:highlight>
+                  <a:srgbClr val="FFFFFF"/>
+                </a:highlight>
+              </a:rPr>
+              <a:t>import</a:t>
+            </a:r>
+            <a:r>
+              <a:rPr lang="en-US" sz="800" dirty="0">
+                <a:solidFill>
+                  <a:srgbClr val="000000"/>
+                </a:solidFill>
+                <a:highlight>
+                  <a:srgbClr val="FFFFFF"/>
+                </a:highlight>
+              </a:rPr>
+              <a:t> SVR</a:t>
+            </a:r>
+          </a:p>
+          <a:p>
+            <a:r>
+              <a:rPr lang="en-US" sz="800" dirty="0" err="1">
+                <a:solidFill>
+                  <a:srgbClr val="000000"/>
+                </a:solidFill>
+                <a:highlight>
+                  <a:srgbClr val="FFFFFF"/>
+                </a:highlight>
+              </a:rPr>
+              <a:t>regressor</a:t>
+            </a:r>
+            <a:r>
+              <a:rPr lang="en-US" sz="800" dirty="0">
+                <a:solidFill>
+                  <a:srgbClr val="000000"/>
+                </a:solidFill>
+                <a:highlight>
+                  <a:srgbClr val="FFFFFF"/>
+                </a:highlight>
+              </a:rPr>
+              <a:t> </a:t>
+            </a:r>
+            <a:r>
+              <a:rPr lang="en-US" sz="800" b="1" dirty="0">
+                <a:solidFill>
+                  <a:srgbClr val="000080"/>
+                </a:solidFill>
+                <a:highlight>
+                  <a:srgbClr val="FFFFFF"/>
+                </a:highlight>
+              </a:rPr>
+              <a:t>=</a:t>
+            </a:r>
+            <a:r>
+              <a:rPr lang="en-US" sz="800" dirty="0">
+                <a:solidFill>
+                  <a:srgbClr val="000000"/>
+                </a:solidFill>
+                <a:highlight>
+                  <a:srgbClr val="FFFFFF"/>
+                </a:highlight>
+              </a:rPr>
+              <a:t> SVR</a:t>
+            </a:r>
+            <a:r>
+              <a:rPr lang="en-US" sz="800" b="1" dirty="0">
+                <a:solidFill>
+                  <a:srgbClr val="000080"/>
+                </a:solidFill>
+                <a:highlight>
+                  <a:srgbClr val="FFFFFF"/>
+                </a:highlight>
+              </a:rPr>
+              <a:t>(</a:t>
+            </a:r>
+            <a:r>
+              <a:rPr lang="en-US" sz="800" dirty="0">
+                <a:solidFill>
+                  <a:srgbClr val="000000"/>
+                </a:solidFill>
+                <a:highlight>
+                  <a:srgbClr val="FFFFFF"/>
+                </a:highlight>
+              </a:rPr>
+              <a:t>kernel </a:t>
+            </a:r>
+            <a:r>
+              <a:rPr lang="en-US" sz="800" b="1" dirty="0">
+                <a:solidFill>
+                  <a:srgbClr val="000080"/>
+                </a:solidFill>
+                <a:highlight>
+                  <a:srgbClr val="FFFFFF"/>
+                </a:highlight>
+              </a:rPr>
+              <a:t>=</a:t>
+            </a:r>
+            <a:r>
+              <a:rPr lang="en-US" sz="800" dirty="0">
+                <a:solidFill>
+                  <a:srgbClr val="000000"/>
+                </a:solidFill>
+                <a:highlight>
+                  <a:srgbClr val="FFFFFF"/>
+                </a:highlight>
+              </a:rPr>
+              <a:t> </a:t>
+            </a:r>
+            <a:r>
+              <a:rPr lang="en-US" sz="800" dirty="0">
+                <a:solidFill>
+                  <a:srgbClr val="808080"/>
+                </a:solidFill>
+                <a:highlight>
+                  <a:srgbClr val="FFFFFF"/>
+                </a:highlight>
+              </a:rPr>
+              <a:t>'</a:t>
+            </a:r>
+            <a:r>
+              <a:rPr lang="en-US" sz="800" dirty="0" err="1">
+                <a:solidFill>
+                  <a:srgbClr val="808080"/>
+                </a:solidFill>
+                <a:highlight>
+                  <a:srgbClr val="FFFFFF"/>
+                </a:highlight>
+              </a:rPr>
+              <a:t>rbf</a:t>
+            </a:r>
+            <a:r>
+              <a:rPr lang="en-US" sz="800" dirty="0">
+                <a:solidFill>
+                  <a:srgbClr val="808080"/>
+                </a:solidFill>
+                <a:highlight>
+                  <a:srgbClr val="FFFFFF"/>
+                </a:highlight>
+              </a:rPr>
+              <a:t>'</a:t>
+            </a:r>
+            <a:r>
+              <a:rPr lang="en-US" sz="800" b="1" dirty="0">
+                <a:solidFill>
+                  <a:srgbClr val="000080"/>
+                </a:solidFill>
+                <a:highlight>
+                  <a:srgbClr val="FFFFFF"/>
+                </a:highlight>
+              </a:rPr>
+              <a:t>)</a:t>
+            </a:r>
+            <a:endParaRPr lang="en-US" sz="800" dirty="0">
+              <a:solidFill>
+                <a:srgbClr val="000000"/>
+              </a:solidFill>
+              <a:highlight>
+                <a:srgbClr val="FFFFFF"/>
+              </a:highlight>
+            </a:endParaRPr>
+          </a:p>
+          <a:p>
+            <a:r>
+              <a:rPr lang="en-US" sz="800" dirty="0" err="1">
+                <a:solidFill>
+                  <a:srgbClr val="000000"/>
+                </a:solidFill>
+                <a:highlight>
+                  <a:srgbClr val="FFFFFF"/>
+                </a:highlight>
+              </a:rPr>
+              <a:t>regressor</a:t>
+            </a:r>
+            <a:r>
+              <a:rPr lang="en-US" sz="800" b="1" dirty="0" err="1">
+                <a:solidFill>
+                  <a:srgbClr val="000080"/>
+                </a:solidFill>
+                <a:highlight>
+                  <a:srgbClr val="FFFFFF"/>
+                </a:highlight>
+              </a:rPr>
+              <a:t>.</a:t>
+            </a:r>
+            <a:r>
+              <a:rPr lang="en-US" sz="800" dirty="0" err="1">
+                <a:solidFill>
+                  <a:srgbClr val="000000"/>
+                </a:solidFill>
+                <a:highlight>
+                  <a:srgbClr val="FFFFFF"/>
+                </a:highlight>
+              </a:rPr>
+              <a:t>fit</a:t>
+            </a:r>
+            <a:r>
+              <a:rPr lang="en-US" sz="800" b="1" dirty="0">
+                <a:solidFill>
+                  <a:srgbClr val="000080"/>
+                </a:solidFill>
+                <a:highlight>
+                  <a:srgbClr val="FFFFFF"/>
+                </a:highlight>
+              </a:rPr>
+              <a:t>(</a:t>
+            </a:r>
+            <a:r>
+              <a:rPr lang="en-US" sz="800" dirty="0">
+                <a:solidFill>
+                  <a:srgbClr val="000000"/>
+                </a:solidFill>
+                <a:highlight>
+                  <a:srgbClr val="FFFFFF"/>
+                </a:highlight>
+              </a:rPr>
+              <a:t>X</a:t>
+            </a:r>
+            <a:r>
+              <a:rPr lang="en-US" sz="800" b="1" dirty="0">
+                <a:solidFill>
+                  <a:srgbClr val="000080"/>
+                </a:solidFill>
+                <a:highlight>
+                  <a:srgbClr val="FFFFFF"/>
+                </a:highlight>
+              </a:rPr>
+              <a:t>,</a:t>
+            </a:r>
+            <a:r>
+              <a:rPr lang="en-US" sz="800" dirty="0">
+                <a:solidFill>
+                  <a:srgbClr val="000000"/>
+                </a:solidFill>
+                <a:highlight>
+                  <a:srgbClr val="FFFFFF"/>
+                </a:highlight>
+              </a:rPr>
+              <a:t> y</a:t>
+            </a:r>
+            <a:r>
+              <a:rPr lang="en-US" sz="800" b="1" dirty="0">
+                <a:solidFill>
+                  <a:srgbClr val="000080"/>
+                </a:solidFill>
+                <a:highlight>
+                  <a:srgbClr val="FFFFFF"/>
+                </a:highlight>
+              </a:rPr>
+              <a:t>)</a:t>
+            </a:r>
+            <a:endParaRPr lang="en-US" sz="800" dirty="0">
+              <a:solidFill>
+                <a:srgbClr val="000000"/>
+              </a:solidFill>
+              <a:highlight>
+                <a:srgbClr val="FFFFFF"/>
+              </a:highlight>
+            </a:endParaRPr>
+          </a:p>
+          <a:p>
+            <a:endParaRPr lang="en-US" sz="800" dirty="0">
+              <a:solidFill>
+                <a:srgbClr val="000000"/>
+              </a:solidFill>
+              <a:highlight>
+                <a:srgbClr val="FFFFFF"/>
+              </a:highlight>
+            </a:endParaRPr>
+          </a:p>
+          <a:p>
+            <a:r>
+              <a:rPr lang="en-US" sz="800" dirty="0">
+                <a:solidFill>
+                  <a:srgbClr val="000000"/>
+                </a:solidFill>
+                <a:highlight>
+                  <a:srgbClr val="FFFFFF"/>
+                </a:highlight>
+              </a:rPr>
+              <a:t>a </a:t>
+            </a:r>
+            <a:r>
+              <a:rPr lang="en-US" sz="800" b="1" dirty="0">
+                <a:solidFill>
+                  <a:srgbClr val="000080"/>
+                </a:solidFill>
+                <a:highlight>
+                  <a:srgbClr val="FFFFFF"/>
+                </a:highlight>
+              </a:rPr>
+              <a:t>=</a:t>
+            </a:r>
+            <a:r>
+              <a:rPr lang="en-US" sz="800" dirty="0">
+                <a:solidFill>
+                  <a:srgbClr val="000000"/>
+                </a:solidFill>
+                <a:highlight>
+                  <a:srgbClr val="FFFFFF"/>
+                </a:highlight>
+              </a:rPr>
+              <a:t> </a:t>
+            </a:r>
+            <a:r>
+              <a:rPr lang="en-US" sz="800" b="1" dirty="0">
+                <a:solidFill>
+                  <a:srgbClr val="000080"/>
+                </a:solidFill>
+                <a:highlight>
+                  <a:srgbClr val="FFFFFF"/>
+                </a:highlight>
+              </a:rPr>
+              <a:t>[[</a:t>
+            </a:r>
+            <a:r>
+              <a:rPr lang="en-US" sz="800" dirty="0">
+                <a:solidFill>
+                  <a:srgbClr val="FF0000"/>
+                </a:solidFill>
+                <a:highlight>
+                  <a:srgbClr val="FFFFFF"/>
+                </a:highlight>
+              </a:rPr>
+              <a:t>6.5</a:t>
+            </a:r>
+            <a:r>
+              <a:rPr lang="en-US" sz="800" b="1" dirty="0">
+                <a:solidFill>
+                  <a:srgbClr val="000080"/>
+                </a:solidFill>
+                <a:highlight>
+                  <a:srgbClr val="FFFFFF"/>
+                </a:highlight>
+              </a:rPr>
+              <a:t>]]</a:t>
+            </a:r>
+            <a:endParaRPr lang="en-US" sz="800" dirty="0">
+              <a:solidFill>
+                <a:srgbClr val="000000"/>
+              </a:solidFill>
+              <a:highlight>
+                <a:srgbClr val="FFFFFF"/>
+              </a:highlight>
+            </a:endParaRPr>
+          </a:p>
+          <a:p>
+            <a:endParaRPr lang="en-US" sz="800" dirty="0">
+              <a:solidFill>
+                <a:srgbClr val="000000"/>
+              </a:solidFill>
+              <a:highlight>
+                <a:srgbClr val="FFFFFF"/>
+              </a:highlight>
+            </a:endParaRPr>
+          </a:p>
+          <a:p>
+            <a:r>
+              <a:rPr lang="en-US" sz="800" dirty="0">
+                <a:solidFill>
+                  <a:srgbClr val="008000"/>
+                </a:solidFill>
+                <a:highlight>
+                  <a:srgbClr val="FFFFFF"/>
+                </a:highlight>
+              </a:rPr>
+              <a:t># Predicting a new result</a:t>
+            </a:r>
+            <a:endParaRPr lang="en-US" sz="800" dirty="0">
+              <a:solidFill>
+                <a:srgbClr val="000000"/>
+              </a:solidFill>
+              <a:highlight>
+                <a:srgbClr val="FFFFFF"/>
+              </a:highlight>
+            </a:endParaRPr>
+          </a:p>
+          <a:p>
+            <a:endParaRPr lang="en-US" sz="800" dirty="0">
+              <a:solidFill>
+                <a:srgbClr val="000000"/>
+              </a:solidFill>
+              <a:highlight>
+                <a:srgbClr val="FFFFFF"/>
+              </a:highlight>
+            </a:endParaRPr>
+          </a:p>
+          <a:p>
+            <a:r>
+              <a:rPr lang="en-US" sz="800" dirty="0" err="1">
+                <a:solidFill>
+                  <a:srgbClr val="000000"/>
+                </a:solidFill>
+                <a:highlight>
+                  <a:srgbClr val="FFFFFF"/>
+                </a:highlight>
+              </a:rPr>
+              <a:t>y_pred</a:t>
+            </a:r>
+            <a:r>
+              <a:rPr lang="en-US" sz="800" dirty="0">
+                <a:solidFill>
+                  <a:srgbClr val="000000"/>
+                </a:solidFill>
+                <a:highlight>
+                  <a:srgbClr val="FFFFFF"/>
+                </a:highlight>
+              </a:rPr>
+              <a:t> </a:t>
+            </a:r>
+            <a:r>
+              <a:rPr lang="en-US" sz="800" b="1" dirty="0">
+                <a:solidFill>
+                  <a:srgbClr val="000080"/>
+                </a:solidFill>
+                <a:highlight>
+                  <a:srgbClr val="FFFFFF"/>
+                </a:highlight>
+              </a:rPr>
+              <a:t>=</a:t>
+            </a:r>
+            <a:r>
+              <a:rPr lang="en-US" sz="800" dirty="0">
+                <a:solidFill>
+                  <a:srgbClr val="000000"/>
+                </a:solidFill>
+                <a:highlight>
+                  <a:srgbClr val="FFFFFF"/>
+                </a:highlight>
+              </a:rPr>
+              <a:t> </a:t>
+            </a:r>
+            <a:r>
+              <a:rPr lang="en-US" sz="800" dirty="0" err="1">
+                <a:solidFill>
+                  <a:srgbClr val="000000"/>
+                </a:solidFill>
+                <a:highlight>
+                  <a:srgbClr val="FFFFFF"/>
+                </a:highlight>
+              </a:rPr>
+              <a:t>sc_y</a:t>
+            </a:r>
+            <a:r>
+              <a:rPr lang="en-US" sz="800" b="1" dirty="0" err="1">
+                <a:solidFill>
+                  <a:srgbClr val="000080"/>
+                </a:solidFill>
+                <a:highlight>
+                  <a:srgbClr val="FFFFFF"/>
+                </a:highlight>
+              </a:rPr>
+              <a:t>.</a:t>
+            </a:r>
+            <a:r>
+              <a:rPr lang="en-US" sz="800" dirty="0" err="1">
+                <a:solidFill>
+                  <a:srgbClr val="000000"/>
+                </a:solidFill>
+                <a:highlight>
+                  <a:srgbClr val="FFFFFF"/>
+                </a:highlight>
+              </a:rPr>
+              <a:t>inverse_transform</a:t>
+            </a:r>
+            <a:r>
+              <a:rPr lang="en-US" sz="800" b="1" dirty="0">
+                <a:solidFill>
+                  <a:srgbClr val="000080"/>
+                </a:solidFill>
+                <a:highlight>
+                  <a:srgbClr val="FFFFFF"/>
+                </a:highlight>
+              </a:rPr>
+              <a:t>(</a:t>
+            </a:r>
+            <a:r>
+              <a:rPr lang="en-US" sz="800" dirty="0" err="1">
+                <a:solidFill>
+                  <a:srgbClr val="000000"/>
+                </a:solidFill>
+                <a:highlight>
+                  <a:srgbClr val="FFFFFF"/>
+                </a:highlight>
+              </a:rPr>
+              <a:t>regressor</a:t>
+            </a:r>
+            <a:r>
+              <a:rPr lang="en-US" sz="800" b="1" dirty="0" err="1">
+                <a:solidFill>
+                  <a:srgbClr val="000080"/>
+                </a:solidFill>
+                <a:highlight>
+                  <a:srgbClr val="FFFFFF"/>
+                </a:highlight>
+              </a:rPr>
+              <a:t>.</a:t>
+            </a:r>
+            <a:r>
+              <a:rPr lang="en-US" sz="800" dirty="0" err="1">
+                <a:solidFill>
+                  <a:srgbClr val="000000"/>
+                </a:solidFill>
+                <a:highlight>
+                  <a:srgbClr val="FFFFFF"/>
+                </a:highlight>
+              </a:rPr>
+              <a:t>predict</a:t>
+            </a:r>
+            <a:r>
+              <a:rPr lang="en-US" sz="800" b="1" dirty="0">
+                <a:solidFill>
+                  <a:srgbClr val="000080"/>
+                </a:solidFill>
+                <a:highlight>
+                  <a:srgbClr val="FFFFFF"/>
+                </a:highlight>
+              </a:rPr>
+              <a:t>(</a:t>
+            </a:r>
+            <a:r>
+              <a:rPr lang="en-US" sz="800" dirty="0" err="1">
+                <a:solidFill>
+                  <a:srgbClr val="000000"/>
+                </a:solidFill>
+                <a:highlight>
+                  <a:srgbClr val="FFFFFF"/>
+                </a:highlight>
+              </a:rPr>
+              <a:t>sc_X</a:t>
+            </a:r>
+            <a:r>
+              <a:rPr lang="en-US" sz="800" b="1" dirty="0" err="1">
+                <a:solidFill>
+                  <a:srgbClr val="000080"/>
+                </a:solidFill>
+                <a:highlight>
+                  <a:srgbClr val="FFFFFF"/>
+                </a:highlight>
+              </a:rPr>
+              <a:t>.</a:t>
+            </a:r>
+            <a:r>
+              <a:rPr lang="en-US" sz="800" dirty="0" err="1">
+                <a:solidFill>
+                  <a:srgbClr val="000000"/>
+                </a:solidFill>
+                <a:highlight>
+                  <a:srgbClr val="FFFFFF"/>
+                </a:highlight>
+              </a:rPr>
+              <a:t>transform</a:t>
+            </a:r>
+            <a:r>
+              <a:rPr lang="en-US" sz="800" b="1" dirty="0">
+                <a:solidFill>
+                  <a:srgbClr val="000080"/>
+                </a:solidFill>
+                <a:highlight>
+                  <a:srgbClr val="FFFFFF"/>
+                </a:highlight>
+              </a:rPr>
+              <a:t>(</a:t>
+            </a:r>
+            <a:r>
+              <a:rPr lang="en-US" sz="800" dirty="0" err="1">
+                <a:solidFill>
+                  <a:srgbClr val="000000"/>
+                </a:solidFill>
+                <a:highlight>
+                  <a:srgbClr val="FFFFFF"/>
+                </a:highlight>
+              </a:rPr>
+              <a:t>np</a:t>
+            </a:r>
+            <a:r>
+              <a:rPr lang="en-US" sz="800" b="1" dirty="0" err="1">
+                <a:solidFill>
+                  <a:srgbClr val="000080"/>
+                </a:solidFill>
+                <a:highlight>
+                  <a:srgbClr val="FFFFFF"/>
+                </a:highlight>
+              </a:rPr>
+              <a:t>.</a:t>
+            </a:r>
+            <a:r>
+              <a:rPr lang="en-US" sz="800" dirty="0" err="1">
+                <a:solidFill>
+                  <a:srgbClr val="000000"/>
+                </a:solidFill>
+                <a:highlight>
+                  <a:srgbClr val="FFFFFF"/>
+                </a:highlight>
+              </a:rPr>
+              <a:t>array</a:t>
+            </a:r>
+            <a:r>
+              <a:rPr lang="en-US" sz="800" b="1" dirty="0">
+                <a:solidFill>
+                  <a:srgbClr val="000080"/>
+                </a:solidFill>
+                <a:highlight>
+                  <a:srgbClr val="FFFFFF"/>
+                </a:highlight>
+              </a:rPr>
+              <a:t>([[</a:t>
+            </a:r>
+            <a:r>
+              <a:rPr lang="en-US" sz="800" dirty="0">
+                <a:solidFill>
+                  <a:srgbClr val="FF0000"/>
+                </a:solidFill>
+                <a:highlight>
+                  <a:srgbClr val="FFFFFF"/>
+                </a:highlight>
+              </a:rPr>
+              <a:t>6.5</a:t>
+            </a:r>
+            <a:r>
+              <a:rPr lang="en-US" sz="800" b="1" dirty="0">
+                <a:solidFill>
+                  <a:srgbClr val="000080"/>
+                </a:solidFill>
+                <a:highlight>
+                  <a:srgbClr val="FFFFFF"/>
+                </a:highlight>
+              </a:rPr>
+              <a:t>]]))))</a:t>
+            </a:r>
+            <a:endParaRPr lang="en-US" sz="800" dirty="0">
+              <a:solidFill>
+                <a:srgbClr val="000000"/>
+              </a:solidFill>
+              <a:highlight>
+                <a:srgbClr val="FFFFFF"/>
+              </a:highlight>
+            </a:endParaRPr>
+          </a:p>
+          <a:p>
+            <a:endParaRPr lang="en-US" sz="800" dirty="0">
+              <a:solidFill>
+                <a:srgbClr val="000000"/>
+              </a:solidFill>
+              <a:highlight>
+                <a:srgbClr val="FFFFFF"/>
+              </a:highlight>
+            </a:endParaRPr>
+          </a:p>
+          <a:p>
+            <a:r>
+              <a:rPr lang="en-US" sz="800" dirty="0">
+                <a:solidFill>
+                  <a:srgbClr val="008000"/>
+                </a:solidFill>
+                <a:highlight>
+                  <a:srgbClr val="FFFFFF"/>
+                </a:highlight>
+              </a:rPr>
+              <a:t># </a:t>
+            </a:r>
+            <a:r>
+              <a:rPr lang="en-US" sz="800" dirty="0" err="1">
+                <a:solidFill>
+                  <a:srgbClr val="008000"/>
+                </a:solidFill>
+                <a:highlight>
+                  <a:srgbClr val="FFFFFF"/>
+                </a:highlight>
+              </a:rPr>
+              <a:t>Visualising</a:t>
+            </a:r>
+            <a:r>
+              <a:rPr lang="en-US" sz="800" dirty="0">
+                <a:solidFill>
+                  <a:srgbClr val="008000"/>
+                </a:solidFill>
+                <a:highlight>
+                  <a:srgbClr val="FFFFFF"/>
+                </a:highlight>
+              </a:rPr>
+              <a:t> the SVR results</a:t>
+            </a:r>
+            <a:endParaRPr lang="en-US" sz="800" dirty="0">
+              <a:solidFill>
+                <a:srgbClr val="000000"/>
+              </a:solidFill>
+              <a:highlight>
+                <a:srgbClr val="FFFFFF"/>
+              </a:highlight>
+            </a:endParaRPr>
+          </a:p>
+          <a:p>
+            <a:r>
+              <a:rPr lang="en-US" sz="800" dirty="0" err="1">
+                <a:solidFill>
+                  <a:srgbClr val="000000"/>
+                </a:solidFill>
+                <a:highlight>
+                  <a:srgbClr val="FFFFFF"/>
+                </a:highlight>
+              </a:rPr>
+              <a:t>plt</a:t>
+            </a:r>
+            <a:r>
+              <a:rPr lang="en-US" sz="800" b="1" dirty="0" err="1">
+                <a:solidFill>
+                  <a:srgbClr val="000080"/>
+                </a:solidFill>
+                <a:highlight>
+                  <a:srgbClr val="FFFFFF"/>
+                </a:highlight>
+              </a:rPr>
+              <a:t>.</a:t>
+            </a:r>
+            <a:r>
+              <a:rPr lang="en-US" sz="800" dirty="0" err="1">
+                <a:solidFill>
+                  <a:srgbClr val="000000"/>
+                </a:solidFill>
+                <a:highlight>
+                  <a:srgbClr val="FFFFFF"/>
+                </a:highlight>
+              </a:rPr>
+              <a:t>scatter</a:t>
+            </a:r>
+            <a:r>
+              <a:rPr lang="en-US" sz="800" b="1" dirty="0">
+                <a:solidFill>
+                  <a:srgbClr val="000080"/>
+                </a:solidFill>
+                <a:highlight>
+                  <a:srgbClr val="FFFFFF"/>
+                </a:highlight>
+              </a:rPr>
+              <a:t>(</a:t>
+            </a:r>
+            <a:r>
+              <a:rPr lang="en-US" sz="800" dirty="0">
+                <a:solidFill>
+                  <a:srgbClr val="000000"/>
+                </a:solidFill>
+                <a:highlight>
+                  <a:srgbClr val="FFFFFF"/>
+                </a:highlight>
+              </a:rPr>
+              <a:t>X</a:t>
+            </a:r>
+            <a:r>
+              <a:rPr lang="en-US" sz="800" b="1" dirty="0">
+                <a:solidFill>
+                  <a:srgbClr val="000080"/>
+                </a:solidFill>
+                <a:highlight>
+                  <a:srgbClr val="FFFFFF"/>
+                </a:highlight>
+              </a:rPr>
+              <a:t>,</a:t>
+            </a:r>
+            <a:r>
+              <a:rPr lang="en-US" sz="800" dirty="0">
+                <a:solidFill>
+                  <a:srgbClr val="000000"/>
+                </a:solidFill>
+                <a:highlight>
+                  <a:srgbClr val="FFFFFF"/>
+                </a:highlight>
+              </a:rPr>
+              <a:t> y</a:t>
+            </a:r>
+            <a:r>
+              <a:rPr lang="en-US" sz="800" b="1" dirty="0">
+                <a:solidFill>
+                  <a:srgbClr val="000080"/>
+                </a:solidFill>
+                <a:highlight>
+                  <a:srgbClr val="FFFFFF"/>
+                </a:highlight>
+              </a:rPr>
+              <a:t>,</a:t>
+            </a:r>
+            <a:r>
+              <a:rPr lang="en-US" sz="800" dirty="0">
+                <a:solidFill>
+                  <a:srgbClr val="000000"/>
+                </a:solidFill>
+                <a:highlight>
+                  <a:srgbClr val="FFFFFF"/>
+                </a:highlight>
+              </a:rPr>
+              <a:t> color </a:t>
+            </a:r>
+            <a:r>
+              <a:rPr lang="en-US" sz="800" b="1" dirty="0">
+                <a:solidFill>
+                  <a:srgbClr val="000080"/>
+                </a:solidFill>
+                <a:highlight>
+                  <a:srgbClr val="FFFFFF"/>
+                </a:highlight>
+              </a:rPr>
+              <a:t>=</a:t>
+            </a:r>
+            <a:r>
+              <a:rPr lang="en-US" sz="800" dirty="0">
+                <a:solidFill>
+                  <a:srgbClr val="000000"/>
+                </a:solidFill>
+                <a:highlight>
+                  <a:srgbClr val="FFFFFF"/>
+                </a:highlight>
+              </a:rPr>
+              <a:t> </a:t>
+            </a:r>
+            <a:r>
+              <a:rPr lang="en-US" sz="800" dirty="0">
+                <a:solidFill>
+                  <a:srgbClr val="808080"/>
+                </a:solidFill>
+                <a:highlight>
+                  <a:srgbClr val="FFFFFF"/>
+                </a:highlight>
+              </a:rPr>
+              <a:t>'red'</a:t>
+            </a:r>
+            <a:r>
+              <a:rPr lang="en-US" sz="800" b="1" dirty="0">
+                <a:solidFill>
+                  <a:srgbClr val="000080"/>
+                </a:solidFill>
+                <a:highlight>
+                  <a:srgbClr val="FFFFFF"/>
+                </a:highlight>
+              </a:rPr>
+              <a:t>)</a:t>
+            </a:r>
+            <a:endParaRPr lang="en-US" sz="800" dirty="0">
+              <a:solidFill>
+                <a:srgbClr val="000000"/>
+              </a:solidFill>
+              <a:highlight>
+                <a:srgbClr val="FFFFFF"/>
+              </a:highlight>
+            </a:endParaRPr>
+          </a:p>
+          <a:p>
+            <a:r>
+              <a:rPr lang="en-US" sz="800" dirty="0" err="1">
+                <a:solidFill>
+                  <a:srgbClr val="000000"/>
+                </a:solidFill>
+                <a:highlight>
+                  <a:srgbClr val="FFFFFF"/>
+                </a:highlight>
+              </a:rPr>
+              <a:t>plt</a:t>
+            </a:r>
+            <a:r>
+              <a:rPr lang="en-US" sz="800" b="1" dirty="0" err="1">
+                <a:solidFill>
+                  <a:srgbClr val="000080"/>
+                </a:solidFill>
+                <a:highlight>
+                  <a:srgbClr val="FFFFFF"/>
+                </a:highlight>
+              </a:rPr>
+              <a:t>.</a:t>
+            </a:r>
+            <a:r>
+              <a:rPr lang="en-US" sz="800" dirty="0" err="1">
+                <a:solidFill>
+                  <a:srgbClr val="000000"/>
+                </a:solidFill>
+                <a:highlight>
+                  <a:srgbClr val="FFFFFF"/>
+                </a:highlight>
+              </a:rPr>
+              <a:t>plot</a:t>
+            </a:r>
+            <a:r>
+              <a:rPr lang="en-US" sz="800" b="1" dirty="0">
+                <a:solidFill>
+                  <a:srgbClr val="000080"/>
+                </a:solidFill>
+                <a:highlight>
+                  <a:srgbClr val="FFFFFF"/>
+                </a:highlight>
+              </a:rPr>
+              <a:t>(</a:t>
+            </a:r>
+            <a:r>
+              <a:rPr lang="en-US" sz="800" dirty="0">
+                <a:solidFill>
+                  <a:srgbClr val="000000"/>
+                </a:solidFill>
+                <a:highlight>
+                  <a:srgbClr val="FFFFFF"/>
+                </a:highlight>
+              </a:rPr>
+              <a:t>X</a:t>
+            </a:r>
+            <a:r>
+              <a:rPr lang="en-US" sz="800" b="1" dirty="0">
+                <a:solidFill>
+                  <a:srgbClr val="000080"/>
+                </a:solidFill>
+                <a:highlight>
+                  <a:srgbClr val="FFFFFF"/>
+                </a:highlight>
+              </a:rPr>
+              <a:t>,</a:t>
+            </a:r>
+            <a:r>
+              <a:rPr lang="en-US" sz="800" dirty="0">
+                <a:solidFill>
+                  <a:srgbClr val="000000"/>
+                </a:solidFill>
+                <a:highlight>
+                  <a:srgbClr val="FFFFFF"/>
+                </a:highlight>
+              </a:rPr>
+              <a:t> </a:t>
+            </a:r>
+            <a:r>
+              <a:rPr lang="en-US" sz="800" dirty="0" err="1">
+                <a:solidFill>
+                  <a:srgbClr val="000000"/>
+                </a:solidFill>
+                <a:highlight>
+                  <a:srgbClr val="FFFFFF"/>
+                </a:highlight>
+              </a:rPr>
+              <a:t>regressor</a:t>
+            </a:r>
+            <a:r>
+              <a:rPr lang="en-US" sz="800" b="1" dirty="0" err="1">
+                <a:solidFill>
+                  <a:srgbClr val="000080"/>
+                </a:solidFill>
+                <a:highlight>
+                  <a:srgbClr val="FFFFFF"/>
+                </a:highlight>
+              </a:rPr>
+              <a:t>.</a:t>
+            </a:r>
+            <a:r>
+              <a:rPr lang="en-US" sz="800" dirty="0" err="1">
+                <a:solidFill>
+                  <a:srgbClr val="000000"/>
+                </a:solidFill>
+                <a:highlight>
+                  <a:srgbClr val="FFFFFF"/>
+                </a:highlight>
+              </a:rPr>
+              <a:t>predict</a:t>
+            </a:r>
+            <a:r>
+              <a:rPr lang="en-US" sz="800" b="1" dirty="0">
+                <a:solidFill>
+                  <a:srgbClr val="000080"/>
+                </a:solidFill>
+                <a:highlight>
+                  <a:srgbClr val="FFFFFF"/>
+                </a:highlight>
+              </a:rPr>
+              <a:t>(</a:t>
+            </a:r>
+            <a:r>
+              <a:rPr lang="en-US" sz="800" dirty="0">
+                <a:solidFill>
+                  <a:srgbClr val="000000"/>
+                </a:solidFill>
+                <a:highlight>
+                  <a:srgbClr val="FFFFFF"/>
+                </a:highlight>
+              </a:rPr>
+              <a:t>X</a:t>
+            </a:r>
+            <a:r>
+              <a:rPr lang="en-US" sz="800" b="1" dirty="0">
+                <a:solidFill>
+                  <a:srgbClr val="000080"/>
+                </a:solidFill>
+                <a:highlight>
+                  <a:srgbClr val="FFFFFF"/>
+                </a:highlight>
+              </a:rPr>
+              <a:t>),</a:t>
+            </a:r>
+            <a:r>
+              <a:rPr lang="en-US" sz="800" dirty="0">
+                <a:solidFill>
+                  <a:srgbClr val="000000"/>
+                </a:solidFill>
+                <a:highlight>
+                  <a:srgbClr val="FFFFFF"/>
+                </a:highlight>
+              </a:rPr>
+              <a:t> color </a:t>
+            </a:r>
+            <a:r>
+              <a:rPr lang="en-US" sz="800" b="1" dirty="0">
+                <a:solidFill>
+                  <a:srgbClr val="000080"/>
+                </a:solidFill>
+                <a:highlight>
+                  <a:srgbClr val="FFFFFF"/>
+                </a:highlight>
+              </a:rPr>
+              <a:t>=</a:t>
+            </a:r>
+            <a:r>
+              <a:rPr lang="en-US" sz="800" dirty="0">
+                <a:solidFill>
+                  <a:srgbClr val="000000"/>
+                </a:solidFill>
+                <a:highlight>
+                  <a:srgbClr val="FFFFFF"/>
+                </a:highlight>
+              </a:rPr>
+              <a:t> </a:t>
+            </a:r>
+            <a:r>
+              <a:rPr lang="en-US" sz="800" dirty="0">
+                <a:solidFill>
+                  <a:srgbClr val="808080"/>
+                </a:solidFill>
+                <a:highlight>
+                  <a:srgbClr val="FFFFFF"/>
+                </a:highlight>
+              </a:rPr>
+              <a:t>'blue'</a:t>
+            </a:r>
+            <a:r>
+              <a:rPr lang="en-US" sz="800" b="1" dirty="0">
+                <a:solidFill>
+                  <a:srgbClr val="000080"/>
+                </a:solidFill>
+                <a:highlight>
+                  <a:srgbClr val="FFFFFF"/>
+                </a:highlight>
+              </a:rPr>
+              <a:t>)</a:t>
+            </a:r>
+            <a:endParaRPr lang="en-US" sz="800" dirty="0">
+              <a:solidFill>
+                <a:srgbClr val="000000"/>
+              </a:solidFill>
+              <a:highlight>
+                <a:srgbClr val="FFFFFF"/>
+              </a:highlight>
+            </a:endParaRPr>
+          </a:p>
+          <a:p>
+            <a:r>
+              <a:rPr lang="en-US" sz="800" dirty="0" err="1">
+                <a:solidFill>
+                  <a:srgbClr val="000000"/>
+                </a:solidFill>
+                <a:highlight>
+                  <a:srgbClr val="FFFFFF"/>
+                </a:highlight>
+              </a:rPr>
+              <a:t>plt</a:t>
+            </a:r>
+            <a:r>
+              <a:rPr lang="en-US" sz="800" b="1" dirty="0" err="1">
+                <a:solidFill>
+                  <a:srgbClr val="000080"/>
+                </a:solidFill>
+                <a:highlight>
+                  <a:srgbClr val="FFFFFF"/>
+                </a:highlight>
+              </a:rPr>
+              <a:t>.</a:t>
+            </a:r>
+            <a:r>
+              <a:rPr lang="en-US" sz="800" dirty="0" err="1">
+                <a:solidFill>
+                  <a:srgbClr val="000000"/>
+                </a:solidFill>
+                <a:highlight>
+                  <a:srgbClr val="FFFFFF"/>
+                </a:highlight>
+              </a:rPr>
+              <a:t>title</a:t>
+            </a:r>
+            <a:r>
+              <a:rPr lang="en-US" sz="800" b="1" dirty="0">
+                <a:solidFill>
+                  <a:srgbClr val="000080"/>
+                </a:solidFill>
+                <a:highlight>
+                  <a:srgbClr val="FFFFFF"/>
+                </a:highlight>
+              </a:rPr>
+              <a:t>(</a:t>
+            </a:r>
+            <a:r>
+              <a:rPr lang="en-US" sz="800" dirty="0">
+                <a:solidFill>
+                  <a:srgbClr val="808080"/>
+                </a:solidFill>
+                <a:highlight>
+                  <a:srgbClr val="FFFFFF"/>
+                </a:highlight>
+              </a:rPr>
+              <a:t>'Truth or Bluff (SVR)'</a:t>
+            </a:r>
+            <a:r>
+              <a:rPr lang="en-US" sz="800" b="1" dirty="0">
+                <a:solidFill>
+                  <a:srgbClr val="000080"/>
+                </a:solidFill>
+                <a:highlight>
+                  <a:srgbClr val="FFFFFF"/>
+                </a:highlight>
+              </a:rPr>
+              <a:t>)</a:t>
+            </a:r>
+            <a:endParaRPr lang="en-US" sz="800" dirty="0">
+              <a:solidFill>
+                <a:srgbClr val="000000"/>
+              </a:solidFill>
+              <a:highlight>
+                <a:srgbClr val="FFFFFF"/>
+              </a:highlight>
+            </a:endParaRPr>
+          </a:p>
+          <a:p>
+            <a:r>
+              <a:rPr lang="en-US" sz="800" dirty="0" err="1">
+                <a:solidFill>
+                  <a:srgbClr val="000000"/>
+                </a:solidFill>
+                <a:highlight>
+                  <a:srgbClr val="FFFFFF"/>
+                </a:highlight>
+              </a:rPr>
+              <a:t>plt</a:t>
+            </a:r>
+            <a:r>
+              <a:rPr lang="en-US" sz="800" b="1" dirty="0" err="1">
+                <a:solidFill>
+                  <a:srgbClr val="000080"/>
+                </a:solidFill>
+                <a:highlight>
+                  <a:srgbClr val="FFFFFF"/>
+                </a:highlight>
+              </a:rPr>
+              <a:t>.</a:t>
+            </a:r>
+            <a:r>
+              <a:rPr lang="en-US" sz="800" dirty="0" err="1">
+                <a:solidFill>
+                  <a:srgbClr val="000000"/>
+                </a:solidFill>
+                <a:highlight>
+                  <a:srgbClr val="FFFFFF"/>
+                </a:highlight>
+              </a:rPr>
+              <a:t>xlabel</a:t>
+            </a:r>
+            <a:r>
+              <a:rPr lang="en-US" sz="800" b="1" dirty="0">
+                <a:solidFill>
+                  <a:srgbClr val="000080"/>
+                </a:solidFill>
+                <a:highlight>
+                  <a:srgbClr val="FFFFFF"/>
+                </a:highlight>
+              </a:rPr>
+              <a:t>(</a:t>
+            </a:r>
+            <a:r>
+              <a:rPr lang="en-US" sz="800" dirty="0">
+                <a:solidFill>
+                  <a:srgbClr val="808080"/>
+                </a:solidFill>
+                <a:highlight>
+                  <a:srgbClr val="FFFFFF"/>
+                </a:highlight>
+              </a:rPr>
+              <a:t>'Position level'</a:t>
+            </a:r>
+            <a:r>
+              <a:rPr lang="en-US" sz="800" b="1" dirty="0">
+                <a:solidFill>
+                  <a:srgbClr val="000080"/>
+                </a:solidFill>
+                <a:highlight>
+                  <a:srgbClr val="FFFFFF"/>
+                </a:highlight>
+              </a:rPr>
+              <a:t>)</a:t>
+            </a:r>
+            <a:endParaRPr lang="en-US" sz="800" dirty="0">
+              <a:solidFill>
+                <a:srgbClr val="000000"/>
+              </a:solidFill>
+              <a:highlight>
+                <a:srgbClr val="FFFFFF"/>
+              </a:highlight>
+            </a:endParaRPr>
+          </a:p>
+          <a:p>
+            <a:r>
+              <a:rPr lang="en-US" sz="800" dirty="0" err="1">
+                <a:solidFill>
+                  <a:srgbClr val="000000"/>
+                </a:solidFill>
+                <a:highlight>
+                  <a:srgbClr val="FFFFFF"/>
+                </a:highlight>
+              </a:rPr>
+              <a:t>plt</a:t>
+            </a:r>
+            <a:r>
+              <a:rPr lang="en-US" sz="800" b="1" dirty="0" err="1">
+                <a:solidFill>
+                  <a:srgbClr val="000080"/>
+                </a:solidFill>
+                <a:highlight>
+                  <a:srgbClr val="FFFFFF"/>
+                </a:highlight>
+              </a:rPr>
+              <a:t>.</a:t>
+            </a:r>
+            <a:r>
+              <a:rPr lang="en-US" sz="800" dirty="0" err="1">
+                <a:solidFill>
+                  <a:srgbClr val="000000"/>
+                </a:solidFill>
+                <a:highlight>
+                  <a:srgbClr val="FFFFFF"/>
+                </a:highlight>
+              </a:rPr>
+              <a:t>ylabel</a:t>
+            </a:r>
+            <a:r>
+              <a:rPr lang="en-US" sz="800" b="1" dirty="0">
+                <a:solidFill>
+                  <a:srgbClr val="000080"/>
+                </a:solidFill>
+                <a:highlight>
+                  <a:srgbClr val="FFFFFF"/>
+                </a:highlight>
+              </a:rPr>
+              <a:t>(</a:t>
+            </a:r>
+            <a:r>
+              <a:rPr lang="en-US" sz="800" dirty="0">
+                <a:solidFill>
+                  <a:srgbClr val="808080"/>
+                </a:solidFill>
+                <a:highlight>
+                  <a:srgbClr val="FFFFFF"/>
+                </a:highlight>
+              </a:rPr>
+              <a:t>'Salary'</a:t>
+            </a:r>
+            <a:r>
+              <a:rPr lang="en-US" sz="800" b="1" dirty="0">
+                <a:solidFill>
+                  <a:srgbClr val="000080"/>
+                </a:solidFill>
+                <a:highlight>
+                  <a:srgbClr val="FFFFFF"/>
+                </a:highlight>
+              </a:rPr>
+              <a:t>)</a:t>
+            </a:r>
+            <a:endParaRPr lang="en-US" sz="800" dirty="0">
+              <a:solidFill>
+                <a:srgbClr val="000000"/>
+              </a:solidFill>
+              <a:highlight>
+                <a:srgbClr val="FFFFFF"/>
+              </a:highlight>
+            </a:endParaRPr>
+          </a:p>
+          <a:p>
+            <a:r>
+              <a:rPr lang="en-US" sz="800" dirty="0" err="1">
+                <a:solidFill>
+                  <a:srgbClr val="000000"/>
+                </a:solidFill>
+                <a:highlight>
+                  <a:srgbClr val="FFFFFF"/>
+                </a:highlight>
+              </a:rPr>
+              <a:t>plt</a:t>
+            </a:r>
+            <a:r>
+              <a:rPr lang="en-US" sz="800" b="1" dirty="0" err="1">
+                <a:solidFill>
+                  <a:srgbClr val="000080"/>
+                </a:solidFill>
+                <a:highlight>
+                  <a:srgbClr val="FFFFFF"/>
+                </a:highlight>
+              </a:rPr>
+              <a:t>.</a:t>
+            </a:r>
+            <a:r>
+              <a:rPr lang="en-US" sz="800" dirty="0" err="1">
+                <a:solidFill>
+                  <a:srgbClr val="000000"/>
+                </a:solidFill>
+                <a:highlight>
+                  <a:srgbClr val="FFFFFF"/>
+                </a:highlight>
+              </a:rPr>
+              <a:t>show</a:t>
+            </a:r>
+            <a:r>
+              <a:rPr lang="en-US" sz="800" b="1" dirty="0">
+                <a:solidFill>
+                  <a:srgbClr val="000080"/>
+                </a:solidFill>
+                <a:highlight>
+                  <a:srgbClr val="FFFFFF"/>
+                </a:highlight>
+              </a:rPr>
+              <a:t>()</a:t>
+            </a:r>
+            <a:endParaRPr lang="en-US" sz="800" dirty="0"/>
+          </a:p>
+        </p:txBody>
+      </p:sp>
+      <p:pic>
+        <p:nvPicPr>
+          <p:cNvPr id="5" name="Picture 4"/>
+          <p:cNvPicPr>
+            <a:picLocks noChangeAspect="1"/>
+          </p:cNvPicPr>
+          <p:nvPr/>
+        </p:nvPicPr>
+        <p:blipFill>
+          <a:blip r:embed="rId2"/>
+          <a:stretch>
+            <a:fillRect/>
+          </a:stretch>
+        </p:blipFill>
+        <p:spPr>
+          <a:xfrm>
+            <a:off x="6483926" y="1170017"/>
+            <a:ext cx="4436223" cy="2003756"/>
+          </a:xfrm>
+          <a:prstGeom prst="rect">
+            <a:avLst/>
+          </a:prstGeom>
+          <a:ln w="38100" cap="sq">
+            <a:solidFill>
+              <a:srgbClr val="000000"/>
+            </a:solidFill>
+            <a:prstDash val="solid"/>
+            <a:miter lim="800000"/>
+          </a:ln>
+          <a:effectLst>
+            <a:outerShdw blurRad="50800" dist="38100" dir="2700000" algn="tl" rotWithShape="0">
+              <a:srgbClr val="000000">
+                <a:alpha val="43000"/>
+              </a:srgbClr>
+            </a:outerShdw>
+          </a:effectLst>
+        </p:spPr>
+      </p:pic>
+      <p:pic>
+        <p:nvPicPr>
+          <p:cNvPr id="6" name="Picture 5" descr="Screen Clipping"/>
+          <p:cNvPicPr>
+            <a:picLocks noChangeAspect="1"/>
+          </p:cNvPicPr>
+          <p:nvPr/>
+        </p:nvPicPr>
+        <p:blipFill>
+          <a:blip r:embed="rId3">
+            <a:extLst>
+              <a:ext uri="{28A0092B-C50C-407E-A947-70E740481C1C}">
+                <a14:useLocalDpi xmlns:a14="http://schemas.microsoft.com/office/drawing/2010/main" val="0"/>
+              </a:ext>
+            </a:extLst>
+          </a:blip>
+          <a:stretch>
+            <a:fillRect/>
+          </a:stretch>
+        </p:blipFill>
+        <p:spPr>
+          <a:xfrm>
+            <a:off x="4206238" y="3358156"/>
+            <a:ext cx="7065622" cy="2865950"/>
+          </a:xfrm>
+          <a:prstGeom prst="rect">
+            <a:avLst/>
+          </a:prstGeom>
+          <a:ln w="38100" cap="sq">
+            <a:solidFill>
+              <a:srgbClr val="000000"/>
+            </a:solidFill>
+            <a:prstDash val="solid"/>
+            <a:miter lim="800000"/>
+          </a:ln>
+          <a:effectLst>
+            <a:outerShdw blurRad="50800" dist="38100" dir="2700000" algn="tl" rotWithShape="0">
+              <a:srgbClr val="000000">
+                <a:alpha val="43000"/>
+              </a:srgbClr>
+            </a:outerShdw>
+          </a:effectLst>
+        </p:spPr>
+      </p:pic>
+    </p:spTree>
+    <p:extLst>
+      <p:ext uri="{BB962C8B-B14F-4D97-AF65-F5344CB8AC3E}">
+        <p14:creationId xmlns:p14="http://schemas.microsoft.com/office/powerpoint/2010/main" val="2715244795"/>
+      </p:ext>
+    </p:extLst>
+  </p:cSld>
+  <p:clrMapOvr>
+    <a:masterClrMapping/>
+  </p:clrMapOvr>
+</p:sld>
+</file>
+
 <file path=ppt/slides/slide2.xml><?xml version="1.0" encoding="utf-8"?>
 <p:sld xmlns:a="http://schemas.openxmlformats.org/drawingml/2006/main" xmlns:r="http://schemas.openxmlformats.org/officeDocument/2006/relationships" xmlns:p="http://schemas.openxmlformats.org/presentationml/2006/main">
   <p:cSld>
@@ -3963,6 +8239,333 @@
           </a:p>
         </p:txBody>
       </p:sp>
+      <p:sp>
+        <p:nvSpPr>
+          <p:cNvPr id="3" name="Rectangle 2"/>
+          <p:cNvSpPr/>
+          <p:nvPr/>
+        </p:nvSpPr>
+        <p:spPr>
+          <a:xfrm>
+            <a:off x="203200" y="990600"/>
+            <a:ext cx="4381326" cy="1200329"/>
+          </a:xfrm>
+          <a:prstGeom prst="rect">
+            <a:avLst/>
+          </a:prstGeom>
+        </p:spPr>
+        <p:txBody>
+          <a:bodyPr wrap="square">
+            <a:spAutoFit/>
+          </a:bodyPr>
+          <a:lstStyle/>
+          <a:p>
+            <a:r>
+              <a:rPr lang="en-US" b="1" dirty="0">
+                <a:solidFill>
+                  <a:srgbClr val="0000FF"/>
+                </a:solidFill>
+                <a:highlight>
+                  <a:srgbClr val="FFFFFF"/>
+                </a:highlight>
+              </a:rPr>
+              <a:t>import</a:t>
+            </a:r>
+            <a:r>
+              <a:rPr lang="en-US" dirty="0">
+                <a:solidFill>
+                  <a:srgbClr val="000000"/>
+                </a:solidFill>
+                <a:highlight>
+                  <a:srgbClr val="FFFFFF"/>
+                </a:highlight>
+              </a:rPr>
+              <a:t> </a:t>
+            </a:r>
+            <a:r>
+              <a:rPr lang="en-US" dirty="0" err="1">
+                <a:solidFill>
+                  <a:srgbClr val="000000"/>
+                </a:solidFill>
+                <a:highlight>
+                  <a:srgbClr val="FFFFFF"/>
+                </a:highlight>
+              </a:rPr>
+              <a:t>numpy</a:t>
+            </a:r>
+            <a:r>
+              <a:rPr lang="en-US" dirty="0">
+                <a:solidFill>
+                  <a:srgbClr val="000000"/>
+                </a:solidFill>
+                <a:highlight>
+                  <a:srgbClr val="FFFFFF"/>
+                </a:highlight>
+              </a:rPr>
+              <a:t> </a:t>
+            </a:r>
+            <a:r>
+              <a:rPr lang="en-US" b="1" dirty="0">
+                <a:solidFill>
+                  <a:srgbClr val="0000FF"/>
+                </a:solidFill>
+                <a:highlight>
+                  <a:srgbClr val="FFFFFF"/>
+                </a:highlight>
+              </a:rPr>
+              <a:t>as</a:t>
+            </a:r>
+            <a:r>
+              <a:rPr lang="en-US" dirty="0">
+                <a:solidFill>
+                  <a:srgbClr val="000000"/>
+                </a:solidFill>
+                <a:highlight>
+                  <a:srgbClr val="FFFFFF"/>
+                </a:highlight>
+              </a:rPr>
+              <a:t> np</a:t>
+            </a:r>
+          </a:p>
+          <a:p>
+            <a:r>
+              <a:rPr lang="en-US" b="1" dirty="0">
+                <a:solidFill>
+                  <a:srgbClr val="0000FF"/>
+                </a:solidFill>
+                <a:highlight>
+                  <a:srgbClr val="FFFFFF"/>
+                </a:highlight>
+              </a:rPr>
+              <a:t>import</a:t>
+            </a:r>
+            <a:r>
+              <a:rPr lang="en-US" dirty="0">
+                <a:solidFill>
+                  <a:srgbClr val="000000"/>
+                </a:solidFill>
+                <a:highlight>
+                  <a:srgbClr val="FFFFFF"/>
+                </a:highlight>
+              </a:rPr>
+              <a:t> pandas </a:t>
+            </a:r>
+            <a:r>
+              <a:rPr lang="en-US" b="1" dirty="0">
+                <a:solidFill>
+                  <a:srgbClr val="0000FF"/>
+                </a:solidFill>
+                <a:highlight>
+                  <a:srgbClr val="FFFFFF"/>
+                </a:highlight>
+              </a:rPr>
+              <a:t>as</a:t>
+            </a:r>
+            <a:r>
+              <a:rPr lang="en-US" dirty="0">
+                <a:solidFill>
+                  <a:srgbClr val="000000"/>
+                </a:solidFill>
+                <a:highlight>
+                  <a:srgbClr val="FFFFFF"/>
+                </a:highlight>
+              </a:rPr>
+              <a:t> </a:t>
+            </a:r>
+            <a:r>
+              <a:rPr lang="en-US" dirty="0" err="1">
+                <a:solidFill>
+                  <a:srgbClr val="000000"/>
+                </a:solidFill>
+                <a:highlight>
+                  <a:srgbClr val="FFFFFF"/>
+                </a:highlight>
+              </a:rPr>
+              <a:t>pd</a:t>
+            </a:r>
+            <a:endParaRPr lang="en-US" dirty="0">
+              <a:solidFill>
+                <a:srgbClr val="000000"/>
+              </a:solidFill>
+              <a:highlight>
+                <a:srgbClr val="FFFFFF"/>
+              </a:highlight>
+            </a:endParaRPr>
+          </a:p>
+          <a:p>
+            <a:endParaRPr lang="en-US" dirty="0">
+              <a:solidFill>
+                <a:srgbClr val="000000"/>
+              </a:solidFill>
+              <a:highlight>
+                <a:srgbClr val="FFFFFF"/>
+              </a:highlight>
+            </a:endParaRPr>
+          </a:p>
+          <a:p>
+            <a:r>
+              <a:rPr lang="en-US" dirty="0">
+                <a:solidFill>
+                  <a:srgbClr val="000000"/>
+                </a:solidFill>
+                <a:highlight>
+                  <a:srgbClr val="FFFFFF"/>
+                </a:highlight>
+              </a:rPr>
+              <a:t>dataset </a:t>
+            </a:r>
+            <a:r>
+              <a:rPr lang="en-US" b="1" dirty="0">
+                <a:solidFill>
+                  <a:srgbClr val="000080"/>
+                </a:solidFill>
+                <a:highlight>
+                  <a:srgbClr val="FFFFFF"/>
+                </a:highlight>
+              </a:rPr>
+              <a:t>=</a:t>
+            </a:r>
+            <a:r>
+              <a:rPr lang="en-US" dirty="0">
+                <a:solidFill>
+                  <a:srgbClr val="000000"/>
+                </a:solidFill>
+                <a:highlight>
+                  <a:srgbClr val="FFFFFF"/>
+                </a:highlight>
+              </a:rPr>
+              <a:t> </a:t>
+            </a:r>
+            <a:r>
+              <a:rPr lang="en-US" dirty="0" err="1">
+                <a:solidFill>
+                  <a:srgbClr val="000000"/>
+                </a:solidFill>
+                <a:highlight>
+                  <a:srgbClr val="FFFFFF"/>
+                </a:highlight>
+              </a:rPr>
+              <a:t>pd</a:t>
+            </a:r>
+            <a:r>
+              <a:rPr lang="en-US" b="1" dirty="0" err="1">
+                <a:solidFill>
+                  <a:srgbClr val="000080"/>
+                </a:solidFill>
+                <a:highlight>
+                  <a:srgbClr val="FFFFFF"/>
+                </a:highlight>
+              </a:rPr>
+              <a:t>.</a:t>
+            </a:r>
+            <a:r>
+              <a:rPr lang="en-US" dirty="0" err="1">
+                <a:solidFill>
+                  <a:srgbClr val="000000"/>
+                </a:solidFill>
+                <a:highlight>
+                  <a:srgbClr val="FFFFFF"/>
+                </a:highlight>
+              </a:rPr>
+              <a:t>read_csv</a:t>
+            </a:r>
+            <a:r>
+              <a:rPr lang="en-US" b="1" dirty="0">
+                <a:solidFill>
+                  <a:srgbClr val="000080"/>
+                </a:solidFill>
+                <a:highlight>
+                  <a:srgbClr val="FFFFFF"/>
+                </a:highlight>
+              </a:rPr>
+              <a:t>(</a:t>
+            </a:r>
+            <a:r>
+              <a:rPr lang="en-US" dirty="0">
+                <a:solidFill>
+                  <a:srgbClr val="808080"/>
+                </a:solidFill>
+                <a:highlight>
+                  <a:srgbClr val="FFFFFF"/>
+                </a:highlight>
+              </a:rPr>
+              <a:t>'Position_Salaries.csv</a:t>
+            </a:r>
+            <a:r>
+              <a:rPr lang="en-US" dirty="0" smtClean="0">
+                <a:solidFill>
+                  <a:srgbClr val="808080"/>
+                </a:solidFill>
+                <a:highlight>
+                  <a:srgbClr val="FFFFFF"/>
+                </a:highlight>
+              </a:rPr>
+              <a:t>'</a:t>
+            </a:r>
+            <a:r>
+              <a:rPr lang="en-US" b="1" dirty="0" smtClean="0">
+                <a:solidFill>
+                  <a:srgbClr val="000080"/>
+                </a:solidFill>
+                <a:highlight>
+                  <a:srgbClr val="FFFFFF"/>
+                </a:highlight>
+              </a:rPr>
+              <a:t>)</a:t>
+            </a:r>
+            <a:endParaRPr lang="en-US" dirty="0">
+              <a:solidFill>
+                <a:srgbClr val="000000"/>
+              </a:solidFill>
+              <a:highlight>
+                <a:srgbClr val="FFFFFF"/>
+              </a:highlight>
+            </a:endParaRPr>
+          </a:p>
+        </p:txBody>
+      </p:sp>
+      <p:pic>
+        <p:nvPicPr>
+          <p:cNvPr id="5" name="Picture 4" descr="dataset - DataFrame"/>
+          <p:cNvPicPr>
+            <a:picLocks noChangeAspect="1"/>
+          </p:cNvPicPr>
+          <p:nvPr/>
+        </p:nvPicPr>
+        <p:blipFill>
+          <a:blip r:embed="rId2">
+            <a:extLst>
+              <a:ext uri="{28A0092B-C50C-407E-A947-70E740481C1C}">
+                <a14:useLocalDpi xmlns:a14="http://schemas.microsoft.com/office/drawing/2010/main" val="0"/>
+              </a:ext>
+            </a:extLst>
+          </a:blip>
+          <a:stretch>
+            <a:fillRect/>
+          </a:stretch>
+        </p:blipFill>
+        <p:spPr>
+          <a:xfrm>
+            <a:off x="6125227" y="1128051"/>
+            <a:ext cx="5490076" cy="5122437"/>
+          </a:xfrm>
+          <a:prstGeom prst="rect">
+            <a:avLst/>
+          </a:prstGeom>
+          <a:ln w="88900" cap="sq" cmpd="thickThin">
+            <a:solidFill>
+              <a:srgbClr val="000000"/>
+            </a:solidFill>
+            <a:prstDash val="solid"/>
+            <a:miter lim="800000"/>
+          </a:ln>
+          <a:effectLst>
+            <a:innerShdw blurRad="76200">
+              <a:srgbClr val="000000"/>
+            </a:innerShdw>
+          </a:effectLst>
+        </p:spPr>
+      </p:pic>
     </p:spTree>
     <p:extLst>
       <p:ext uri="{BB962C8B-B14F-4D97-AF65-F5344CB8AC3E}">
@@ -4003,9 +8606,16 @@
             <p:ph type="title"/>
           </p:nvPr>
         </p:nvSpPr>
-        <p:spPr/>
+        <p:spPr>
+          <a:xfrm>
+            <a:off x="203200" y="152400"/>
+            <a:ext cx="11459556" cy="838200"/>
+          </a:xfrm>
+        </p:spPr>
         <p:txBody>
-          <a:bodyPr/>
+          <a:bodyPr>
+            <a:normAutofit/>
+          </a:bodyPr>
           <a:lstStyle/>
           <a:p>
             <a:r>
@@ -4014,9 +8624,697 @@
                   <a:schemeClr val="tx2"/>
                 </a:solidFill>
               </a:rPr>
-              <a:t>Support vector Regression</a:t>
-            </a:r>
-            <a:endParaRPr lang="en-US" dirty="0"/>
+              <a:t>Support vector </a:t>
+            </a:r>
+            <a:r>
+              <a:rPr lang="en-US" dirty="0" smtClean="0">
+                <a:solidFill>
+                  <a:schemeClr val="tx2"/>
+                </a:solidFill>
+              </a:rPr>
+              <a:t>Regression- </a:t>
+            </a:r>
+            <a:r>
+              <a:rPr lang="en-US" dirty="0">
+                <a:solidFill>
+                  <a:schemeClr val="tx2"/>
+                </a:solidFill>
+              </a:rPr>
+              <a:t>Importing the dataset</a:t>
+            </a:r>
+          </a:p>
+        </p:txBody>
+      </p:sp>
+      <p:pic>
+        <p:nvPicPr>
+          <p:cNvPr id="3" name="Picture 2" descr="y - NumPy array"/>
+          <p:cNvPicPr>
+            <a:picLocks noChangeAspect="1"/>
+          </p:cNvPicPr>
+          <p:nvPr/>
+        </p:nvPicPr>
+        <p:blipFill>
+          <a:blip r:embed="rId2">
+            <a:extLst>
+              <a:ext uri="{28A0092B-C50C-407E-A947-70E740481C1C}">
+                <a14:useLocalDpi xmlns:a14="http://schemas.microsoft.com/office/drawing/2010/main" val="0"/>
+              </a:ext>
+            </a:extLst>
+          </a:blip>
+          <a:stretch>
+            <a:fillRect/>
+          </a:stretch>
+        </p:blipFill>
+        <p:spPr>
+          <a:xfrm>
+            <a:off x="8111700" y="1749101"/>
+            <a:ext cx="3962953" cy="4448796"/>
+          </a:xfrm>
+          <a:prstGeom prst="rect">
+            <a:avLst/>
+          </a:prstGeom>
+          <a:ln w="38100" cap="sq">
+            <a:solidFill>
+              <a:srgbClr val="000000"/>
+            </a:solidFill>
+            <a:prstDash val="solid"/>
+            <a:miter lim="800000"/>
+          </a:ln>
+          <a:effectLst>
+            <a:outerShdw blurRad="50800" dist="38100" dir="2700000" algn="tl" rotWithShape="0">
+              <a:srgbClr val="000000">
+                <a:alpha val="43000"/>
+              </a:srgbClr>
+            </a:outerShdw>
+          </a:effectLst>
+        </p:spPr>
+      </p:pic>
+      <p:pic>
+        <p:nvPicPr>
+          <p:cNvPr id="4" name="Picture 3" descr="X - NumPy array"/>
+          <p:cNvPicPr>
+            <a:picLocks noChangeAspect="1"/>
+          </p:cNvPicPr>
+          <p:nvPr/>
+        </p:nvPicPr>
+        <p:blipFill>
+          <a:blip r:embed="rId3">
+            <a:extLst>
+              <a:ext uri="{28A0092B-C50C-407E-A947-70E740481C1C}">
+                <a14:useLocalDpi xmlns:a14="http://schemas.microsoft.com/office/drawing/2010/main" val="0"/>
+              </a:ext>
+            </a:extLst>
+          </a:blip>
+          <a:stretch>
+            <a:fillRect/>
+          </a:stretch>
+        </p:blipFill>
+        <p:spPr>
+          <a:xfrm>
+            <a:off x="4064654" y="1749101"/>
+            <a:ext cx="3962953" cy="4448796"/>
+          </a:xfrm>
+          <a:prstGeom prst="rect">
+            <a:avLst/>
+          </a:prstGeom>
+          <a:ln w="38100" cap="sq">
+            <a:solidFill>
+              <a:srgbClr val="000000"/>
+            </a:solidFill>
+            <a:prstDash val="solid"/>
+            <a:miter lim="800000"/>
+          </a:ln>
+          <a:effectLst>
+            <a:outerShdw blurRad="50800" dist="38100" dir="2700000" algn="tl" rotWithShape="0">
+              <a:srgbClr val="000000">
+                <a:alpha val="43000"/>
+              </a:srgbClr>
+            </a:outerShdw>
+          </a:effectLst>
+        </p:spPr>
+      </p:pic>
+      <p:sp>
+        <p:nvSpPr>
+          <p:cNvPr id="5" name="Rectangle 4"/>
+          <p:cNvSpPr/>
+          <p:nvPr/>
+        </p:nvSpPr>
+        <p:spPr>
+          <a:xfrm>
+            <a:off x="203200" y="990600"/>
+            <a:ext cx="6096000" cy="2062103"/>
+          </a:xfrm>
+          <a:prstGeom prst="rect">
+            <a:avLst/>
+          </a:prstGeom>
+        </p:spPr>
+        <p:txBody>
+          <a:bodyPr>
+            <a:spAutoFit/>
+          </a:bodyPr>
+          <a:lstStyle/>
+          <a:p>
+            <a:r>
+              <a:rPr lang="en-US" sz="1600" dirty="0">
+                <a:solidFill>
+                  <a:srgbClr val="008000"/>
+                </a:solidFill>
+                <a:highlight>
+                  <a:srgbClr val="FFFFFF"/>
+                </a:highlight>
+              </a:rPr>
+              <a:t># Importing the libraries</a:t>
+            </a:r>
+            <a:endParaRPr lang="en-US" sz="1600" dirty="0">
+              <a:solidFill>
+                <a:srgbClr val="000000"/>
+              </a:solidFill>
+              <a:highlight>
+                <a:srgbClr val="FFFFFF"/>
+              </a:highlight>
+            </a:endParaRPr>
+          </a:p>
+          <a:p>
+            <a:r>
+              <a:rPr lang="en-US" sz="1600" b="1" dirty="0">
+                <a:solidFill>
+                  <a:srgbClr val="0000FF"/>
+                </a:solidFill>
+                <a:highlight>
+                  <a:srgbClr val="FFFFFF"/>
+                </a:highlight>
+              </a:rPr>
+              <a:t>import</a:t>
+            </a:r>
+            <a:r>
+              <a:rPr lang="en-US" sz="1600" dirty="0">
+                <a:solidFill>
+                  <a:srgbClr val="000000"/>
+                </a:solidFill>
+                <a:highlight>
+                  <a:srgbClr val="FFFFFF"/>
+                </a:highlight>
+              </a:rPr>
+              <a:t> </a:t>
+            </a:r>
+            <a:r>
+              <a:rPr lang="en-US" sz="1600" dirty="0" err="1">
+                <a:solidFill>
+                  <a:srgbClr val="000000"/>
+                </a:solidFill>
+                <a:highlight>
+                  <a:srgbClr val="FFFFFF"/>
+                </a:highlight>
+              </a:rPr>
+              <a:t>numpy</a:t>
+            </a:r>
+            <a:r>
+              <a:rPr lang="en-US" sz="1600" dirty="0">
+                <a:solidFill>
+                  <a:srgbClr val="000000"/>
+                </a:solidFill>
+                <a:highlight>
+                  <a:srgbClr val="FFFFFF"/>
+                </a:highlight>
+              </a:rPr>
+              <a:t> </a:t>
+            </a:r>
+            <a:r>
+              <a:rPr lang="en-US" sz="1600" b="1" dirty="0">
+                <a:solidFill>
+                  <a:srgbClr val="0000FF"/>
+                </a:solidFill>
+                <a:highlight>
+                  <a:srgbClr val="FFFFFF"/>
+                </a:highlight>
+              </a:rPr>
+              <a:t>as</a:t>
+            </a:r>
+            <a:r>
+              <a:rPr lang="en-US" sz="1600" dirty="0">
+                <a:solidFill>
+                  <a:srgbClr val="000000"/>
+                </a:solidFill>
+                <a:highlight>
+                  <a:srgbClr val="FFFFFF"/>
+                </a:highlight>
+              </a:rPr>
+              <a:t> np</a:t>
+            </a:r>
+          </a:p>
+          <a:p>
+            <a:r>
+              <a:rPr lang="en-US" sz="1600" b="1" dirty="0">
+                <a:solidFill>
+                  <a:srgbClr val="0000FF"/>
+                </a:solidFill>
+                <a:highlight>
+                  <a:srgbClr val="FFFFFF"/>
+                </a:highlight>
+              </a:rPr>
+              <a:t>import</a:t>
+            </a:r>
+            <a:r>
+              <a:rPr lang="en-US" sz="1600" dirty="0">
+                <a:solidFill>
+                  <a:srgbClr val="000000"/>
+                </a:solidFill>
+                <a:highlight>
+                  <a:srgbClr val="FFFFFF"/>
+                </a:highlight>
+              </a:rPr>
+              <a:t> pandas </a:t>
+            </a:r>
+            <a:r>
+              <a:rPr lang="en-US" sz="1600" b="1" dirty="0">
+                <a:solidFill>
+                  <a:srgbClr val="0000FF"/>
+                </a:solidFill>
+                <a:highlight>
+                  <a:srgbClr val="FFFFFF"/>
+                </a:highlight>
+              </a:rPr>
+              <a:t>as</a:t>
+            </a:r>
+            <a:r>
+              <a:rPr lang="en-US" sz="1600" dirty="0">
+                <a:solidFill>
+                  <a:srgbClr val="000000"/>
+                </a:solidFill>
+                <a:highlight>
+                  <a:srgbClr val="FFFFFF"/>
+                </a:highlight>
+              </a:rPr>
+              <a:t> </a:t>
+            </a:r>
+            <a:r>
+              <a:rPr lang="en-US" sz="1600" dirty="0" err="1">
+                <a:solidFill>
+                  <a:srgbClr val="000000"/>
+                </a:solidFill>
+                <a:highlight>
+                  <a:srgbClr val="FFFFFF"/>
+                </a:highlight>
+              </a:rPr>
+              <a:t>pd</a:t>
+            </a:r>
+            <a:endParaRPr lang="en-US" sz="1600" dirty="0">
+              <a:solidFill>
+                <a:srgbClr val="000000"/>
+              </a:solidFill>
+              <a:highlight>
+                <a:srgbClr val="FFFFFF"/>
+              </a:highlight>
+            </a:endParaRPr>
+          </a:p>
+          <a:p>
+            <a:endParaRPr lang="en-US" sz="1600" dirty="0">
+              <a:solidFill>
+                <a:srgbClr val="000000"/>
+              </a:solidFill>
+              <a:highlight>
+                <a:srgbClr val="FFFFFF"/>
+              </a:highlight>
+            </a:endParaRPr>
+          </a:p>
+          <a:p>
+            <a:r>
+              <a:rPr lang="en-US" sz="1600" dirty="0">
+                <a:solidFill>
+                  <a:srgbClr val="008000"/>
+                </a:solidFill>
+                <a:highlight>
+                  <a:srgbClr val="FFFFFF"/>
+                </a:highlight>
+              </a:rPr>
+              <a:t># Importing the dataset</a:t>
+            </a:r>
+            <a:endParaRPr lang="en-US" sz="1600" dirty="0">
+              <a:solidFill>
+                <a:srgbClr val="000000"/>
+              </a:solidFill>
+              <a:highlight>
+                <a:srgbClr val="FFFFFF"/>
+              </a:highlight>
+            </a:endParaRPr>
+          </a:p>
+          <a:p>
+            <a:r>
+              <a:rPr lang="en-US" sz="1600" dirty="0">
+                <a:solidFill>
+                  <a:srgbClr val="000000"/>
+                </a:solidFill>
+                <a:highlight>
+                  <a:srgbClr val="FFFFFF"/>
+                </a:highlight>
+              </a:rPr>
+              <a:t>dataset </a:t>
+            </a:r>
+            <a:r>
+              <a:rPr lang="en-US" sz="1600" b="1" dirty="0">
+                <a:solidFill>
+                  <a:srgbClr val="000080"/>
+                </a:solidFill>
+                <a:highlight>
+                  <a:srgbClr val="FFFFFF"/>
+                </a:highlight>
+              </a:rPr>
+              <a:t>=</a:t>
+            </a:r>
+            <a:r>
+              <a:rPr lang="en-US" sz="1600" dirty="0">
+                <a:solidFill>
+                  <a:srgbClr val="000000"/>
+                </a:solidFill>
+                <a:highlight>
+                  <a:srgbClr val="FFFFFF"/>
+                </a:highlight>
+              </a:rPr>
+              <a:t> </a:t>
+            </a:r>
+            <a:r>
+              <a:rPr lang="en-US" sz="1600" dirty="0" err="1">
+                <a:solidFill>
+                  <a:srgbClr val="000000"/>
+                </a:solidFill>
+                <a:highlight>
+                  <a:srgbClr val="FFFFFF"/>
+                </a:highlight>
+              </a:rPr>
+              <a:t>pd</a:t>
+            </a:r>
+            <a:r>
+              <a:rPr lang="en-US" sz="1600" b="1" dirty="0" err="1">
+                <a:solidFill>
+                  <a:srgbClr val="000080"/>
+                </a:solidFill>
+                <a:highlight>
+                  <a:srgbClr val="FFFFFF"/>
+                </a:highlight>
+              </a:rPr>
+              <a:t>.</a:t>
+            </a:r>
+            <a:r>
+              <a:rPr lang="en-US" sz="1600" dirty="0" err="1">
+                <a:solidFill>
+                  <a:srgbClr val="000000"/>
+                </a:solidFill>
+                <a:highlight>
+                  <a:srgbClr val="FFFFFF"/>
+                </a:highlight>
+              </a:rPr>
+              <a:t>read_csv</a:t>
+            </a:r>
+            <a:r>
+              <a:rPr lang="en-US" sz="1600" b="1" dirty="0">
+                <a:solidFill>
+                  <a:srgbClr val="000080"/>
+                </a:solidFill>
+                <a:highlight>
+                  <a:srgbClr val="FFFFFF"/>
+                </a:highlight>
+              </a:rPr>
+              <a:t>(</a:t>
+            </a:r>
+            <a:r>
+              <a:rPr lang="en-US" sz="1600" dirty="0">
+                <a:solidFill>
+                  <a:srgbClr val="808080"/>
+                </a:solidFill>
+                <a:highlight>
+                  <a:srgbClr val="FFFFFF"/>
+                </a:highlight>
+              </a:rPr>
+              <a:t>'Position_Salaries.csv'</a:t>
+            </a:r>
+            <a:r>
+              <a:rPr lang="en-US" sz="1600" b="1" dirty="0">
+                <a:solidFill>
+                  <a:srgbClr val="000080"/>
+                </a:solidFill>
+                <a:highlight>
+                  <a:srgbClr val="FFFFFF"/>
+                </a:highlight>
+              </a:rPr>
+              <a:t>)</a:t>
+            </a:r>
+            <a:endParaRPr lang="en-US" sz="1600" dirty="0">
+              <a:solidFill>
+                <a:srgbClr val="000000"/>
+              </a:solidFill>
+              <a:highlight>
+                <a:srgbClr val="FFFFFF"/>
+              </a:highlight>
+            </a:endParaRPr>
+          </a:p>
+          <a:p>
+            <a:r>
+              <a:rPr lang="en-US" sz="1600" dirty="0">
+                <a:solidFill>
+                  <a:srgbClr val="000000"/>
+                </a:solidFill>
+                <a:highlight>
+                  <a:srgbClr val="FFFFFF"/>
+                </a:highlight>
+              </a:rPr>
+              <a:t>X </a:t>
+            </a:r>
+            <a:r>
+              <a:rPr lang="en-US" sz="1600" b="1" dirty="0">
+                <a:solidFill>
+                  <a:srgbClr val="000080"/>
+                </a:solidFill>
+                <a:highlight>
+                  <a:srgbClr val="FFFFFF"/>
+                </a:highlight>
+              </a:rPr>
+              <a:t>=</a:t>
+            </a:r>
+            <a:r>
+              <a:rPr lang="en-US" sz="1600" dirty="0">
+                <a:solidFill>
+                  <a:srgbClr val="000000"/>
+                </a:solidFill>
+                <a:highlight>
+                  <a:srgbClr val="FFFFFF"/>
+                </a:highlight>
+              </a:rPr>
+              <a:t> </a:t>
+            </a:r>
+            <a:r>
+              <a:rPr lang="en-US" sz="1600" dirty="0" err="1">
+                <a:solidFill>
+                  <a:srgbClr val="000000"/>
+                </a:solidFill>
+                <a:highlight>
+                  <a:srgbClr val="FFFFFF"/>
+                </a:highlight>
+              </a:rPr>
+              <a:t>dataset</a:t>
+            </a:r>
+            <a:r>
+              <a:rPr lang="en-US" sz="1600" b="1" dirty="0" err="1">
+                <a:solidFill>
+                  <a:srgbClr val="000080"/>
+                </a:solidFill>
+                <a:highlight>
+                  <a:srgbClr val="FFFFFF"/>
+                </a:highlight>
+              </a:rPr>
+              <a:t>.</a:t>
+            </a:r>
+            <a:r>
+              <a:rPr lang="en-US" sz="1600" dirty="0" err="1">
+                <a:solidFill>
+                  <a:srgbClr val="000000"/>
+                </a:solidFill>
+                <a:highlight>
+                  <a:srgbClr val="FFFFFF"/>
+                </a:highlight>
+              </a:rPr>
+              <a:t>iloc</a:t>
+            </a:r>
+            <a:r>
+              <a:rPr lang="en-US" sz="1600" b="1" dirty="0">
+                <a:solidFill>
+                  <a:srgbClr val="000080"/>
+                </a:solidFill>
+                <a:highlight>
+                  <a:srgbClr val="FFFFFF"/>
+                </a:highlight>
+              </a:rPr>
+              <a:t>[:,</a:t>
+            </a:r>
+            <a:r>
+              <a:rPr lang="en-US" sz="1600" dirty="0">
+                <a:solidFill>
+                  <a:srgbClr val="000000"/>
+                </a:solidFill>
+                <a:highlight>
+                  <a:srgbClr val="FFFFFF"/>
+                </a:highlight>
+              </a:rPr>
+              <a:t> </a:t>
+            </a:r>
+            <a:r>
+              <a:rPr lang="en-US" sz="1600" dirty="0">
+                <a:solidFill>
+                  <a:srgbClr val="FF0000"/>
+                </a:solidFill>
+                <a:highlight>
+                  <a:srgbClr val="FFFFFF"/>
+                </a:highlight>
+              </a:rPr>
+              <a:t>1</a:t>
+            </a:r>
+            <a:r>
+              <a:rPr lang="en-US" sz="1600" b="1" dirty="0">
+                <a:solidFill>
+                  <a:srgbClr val="000080"/>
+                </a:solidFill>
+                <a:highlight>
+                  <a:srgbClr val="FFFFFF"/>
+                </a:highlight>
+              </a:rPr>
+              <a:t>:</a:t>
+            </a:r>
+            <a:r>
+              <a:rPr lang="en-US" sz="1600" dirty="0">
+                <a:solidFill>
+                  <a:srgbClr val="FF0000"/>
+                </a:solidFill>
+                <a:highlight>
+                  <a:srgbClr val="FFFFFF"/>
+                </a:highlight>
+              </a:rPr>
+              <a:t>2</a:t>
+            </a:r>
+            <a:r>
+              <a:rPr lang="en-US" sz="1600" b="1" dirty="0">
+                <a:solidFill>
+                  <a:srgbClr val="000080"/>
+                </a:solidFill>
+                <a:highlight>
+                  <a:srgbClr val="FFFFFF"/>
+                </a:highlight>
+              </a:rPr>
+              <a:t>].</a:t>
+            </a:r>
+            <a:r>
+              <a:rPr lang="en-US" sz="1600" dirty="0">
+                <a:solidFill>
+                  <a:srgbClr val="000000"/>
+                </a:solidFill>
+                <a:highlight>
+                  <a:srgbClr val="FFFFFF"/>
+                </a:highlight>
+              </a:rPr>
+              <a:t>values</a:t>
+            </a:r>
+          </a:p>
+          <a:p>
+            <a:r>
+              <a:rPr lang="en-US" sz="1600" dirty="0">
+                <a:solidFill>
+                  <a:srgbClr val="000000"/>
+                </a:solidFill>
+                <a:highlight>
+                  <a:srgbClr val="FFFFFF"/>
+                </a:highlight>
+              </a:rPr>
+              <a:t>y </a:t>
+            </a:r>
+            <a:r>
+              <a:rPr lang="en-US" sz="1600" b="1" dirty="0">
+                <a:solidFill>
+                  <a:srgbClr val="000080"/>
+                </a:solidFill>
+                <a:highlight>
+                  <a:srgbClr val="FFFFFF"/>
+                </a:highlight>
+              </a:rPr>
+              <a:t>=</a:t>
+            </a:r>
+            <a:r>
+              <a:rPr lang="en-US" sz="1600" dirty="0">
+                <a:solidFill>
+                  <a:srgbClr val="000000"/>
+                </a:solidFill>
+                <a:highlight>
+                  <a:srgbClr val="FFFFFF"/>
+                </a:highlight>
+              </a:rPr>
+              <a:t> </a:t>
+            </a:r>
+            <a:r>
+              <a:rPr lang="en-US" sz="1600" dirty="0" err="1">
+                <a:solidFill>
+                  <a:srgbClr val="000000"/>
+                </a:solidFill>
+                <a:highlight>
+                  <a:srgbClr val="FFFFFF"/>
+                </a:highlight>
+              </a:rPr>
+              <a:t>dataset</a:t>
+            </a:r>
+            <a:r>
+              <a:rPr lang="en-US" sz="1600" b="1" dirty="0" err="1">
+                <a:solidFill>
+                  <a:srgbClr val="000080"/>
+                </a:solidFill>
+                <a:highlight>
+                  <a:srgbClr val="FFFFFF"/>
+                </a:highlight>
+              </a:rPr>
+              <a:t>.</a:t>
+            </a:r>
+            <a:r>
+              <a:rPr lang="en-US" sz="1600" dirty="0" err="1">
+                <a:solidFill>
+                  <a:srgbClr val="000000"/>
+                </a:solidFill>
+                <a:highlight>
+                  <a:srgbClr val="FFFFFF"/>
+                </a:highlight>
+              </a:rPr>
+              <a:t>iloc</a:t>
+            </a:r>
+            <a:r>
+              <a:rPr lang="en-US" sz="1600" b="1" dirty="0">
+                <a:solidFill>
+                  <a:srgbClr val="000080"/>
+                </a:solidFill>
+                <a:highlight>
+                  <a:srgbClr val="FFFFFF"/>
+                </a:highlight>
+              </a:rPr>
+              <a:t>[:,</a:t>
+            </a:r>
+            <a:r>
+              <a:rPr lang="en-US" sz="1600" dirty="0">
+                <a:solidFill>
+                  <a:srgbClr val="000000"/>
+                </a:solidFill>
+                <a:highlight>
+                  <a:srgbClr val="FFFFFF"/>
+                </a:highlight>
+              </a:rPr>
+              <a:t> </a:t>
+            </a:r>
+            <a:r>
+              <a:rPr lang="en-US" sz="1600" dirty="0">
+                <a:solidFill>
+                  <a:srgbClr val="FF0000"/>
+                </a:solidFill>
+                <a:highlight>
+                  <a:srgbClr val="FFFFFF"/>
+                </a:highlight>
+              </a:rPr>
+              <a:t>2</a:t>
+            </a:r>
+            <a:r>
+              <a:rPr lang="en-US" sz="1600" b="1" dirty="0">
+                <a:solidFill>
+                  <a:srgbClr val="000080"/>
+                </a:solidFill>
+                <a:highlight>
+                  <a:srgbClr val="FFFFFF"/>
+                </a:highlight>
+              </a:rPr>
+              <a:t>].</a:t>
+            </a:r>
+            <a:r>
+              <a:rPr lang="en-US" sz="1600" dirty="0">
+                <a:solidFill>
+                  <a:srgbClr val="000000"/>
+                </a:solidFill>
+                <a:highlight>
+                  <a:srgbClr val="FFFFFF"/>
+                </a:highlight>
+              </a:rPr>
+              <a:t>values</a:t>
+            </a:r>
+            <a:endParaRPr lang="en-US" sz="1600" dirty="0"/>
           </a:p>
         </p:txBody>
       </p:sp>
@@ -4077,6 +9375,1238 @@
           </a:p>
         </p:txBody>
       </p:sp>
+      <p:sp>
+        <p:nvSpPr>
+          <p:cNvPr id="3" name="Rectangle 2"/>
+          <p:cNvSpPr/>
+          <p:nvPr/>
+        </p:nvSpPr>
+        <p:spPr>
+          <a:xfrm>
+            <a:off x="203200" y="1082043"/>
+            <a:ext cx="3961198" cy="3323987"/>
+          </a:xfrm>
+          <a:prstGeom prst="rect">
+            <a:avLst/>
+          </a:prstGeom>
+        </p:spPr>
+        <p:txBody>
+          <a:bodyPr wrap="square">
+            <a:spAutoFit/>
+          </a:bodyPr>
+          <a:lstStyle/>
+          <a:p>
+            <a:r>
+              <a:rPr lang="en-US" sz="1400" dirty="0">
+                <a:solidFill>
+                  <a:srgbClr val="008000"/>
+                </a:solidFill>
+                <a:highlight>
+                  <a:srgbClr val="FFFFFF"/>
+                </a:highlight>
+              </a:rPr>
+              <a:t># Importing the libraries</a:t>
+            </a:r>
+            <a:endParaRPr lang="en-US" sz="1400" dirty="0">
+              <a:solidFill>
+                <a:srgbClr val="000000"/>
+              </a:solidFill>
+              <a:highlight>
+                <a:srgbClr val="FFFFFF"/>
+              </a:highlight>
+            </a:endParaRPr>
+          </a:p>
+          <a:p>
+            <a:r>
+              <a:rPr lang="en-US" sz="1400" b="1" dirty="0">
+                <a:solidFill>
+                  <a:srgbClr val="0000FF"/>
+                </a:solidFill>
+                <a:highlight>
+                  <a:srgbClr val="FFFFFF"/>
+                </a:highlight>
+              </a:rPr>
+              <a:t>import</a:t>
+            </a:r>
+            <a:r>
+              <a:rPr lang="en-US" sz="1400" dirty="0">
+                <a:solidFill>
+                  <a:srgbClr val="000000"/>
+                </a:solidFill>
+                <a:highlight>
+                  <a:srgbClr val="FFFFFF"/>
+                </a:highlight>
+              </a:rPr>
+              <a:t> </a:t>
+            </a:r>
+            <a:r>
+              <a:rPr lang="en-US" sz="1400" dirty="0" err="1">
+                <a:solidFill>
+                  <a:srgbClr val="000000"/>
+                </a:solidFill>
+                <a:highlight>
+                  <a:srgbClr val="FFFFFF"/>
+                </a:highlight>
+              </a:rPr>
+              <a:t>numpy</a:t>
+            </a:r>
+            <a:r>
+              <a:rPr lang="en-US" sz="1400" dirty="0">
+                <a:solidFill>
+                  <a:srgbClr val="000000"/>
+                </a:solidFill>
+                <a:highlight>
+                  <a:srgbClr val="FFFFFF"/>
+                </a:highlight>
+              </a:rPr>
+              <a:t> </a:t>
+            </a:r>
+            <a:r>
+              <a:rPr lang="en-US" sz="1400" b="1" dirty="0">
+                <a:solidFill>
+                  <a:srgbClr val="0000FF"/>
+                </a:solidFill>
+                <a:highlight>
+                  <a:srgbClr val="FFFFFF"/>
+                </a:highlight>
+              </a:rPr>
+              <a:t>as</a:t>
+            </a:r>
+            <a:r>
+              <a:rPr lang="en-US" sz="1400" dirty="0">
+                <a:solidFill>
+                  <a:srgbClr val="000000"/>
+                </a:solidFill>
+                <a:highlight>
+                  <a:srgbClr val="FFFFFF"/>
+                </a:highlight>
+              </a:rPr>
+              <a:t> np</a:t>
+            </a:r>
+          </a:p>
+          <a:p>
+            <a:r>
+              <a:rPr lang="en-US" sz="1400" b="1" dirty="0">
+                <a:solidFill>
+                  <a:srgbClr val="0000FF"/>
+                </a:solidFill>
+                <a:highlight>
+                  <a:srgbClr val="FFFFFF"/>
+                </a:highlight>
+              </a:rPr>
+              <a:t>import</a:t>
+            </a:r>
+            <a:r>
+              <a:rPr lang="en-US" sz="1400" dirty="0">
+                <a:solidFill>
+                  <a:srgbClr val="000000"/>
+                </a:solidFill>
+                <a:highlight>
+                  <a:srgbClr val="FFFFFF"/>
+                </a:highlight>
+              </a:rPr>
+              <a:t> pandas </a:t>
+            </a:r>
+            <a:r>
+              <a:rPr lang="en-US" sz="1400" b="1" dirty="0">
+                <a:solidFill>
+                  <a:srgbClr val="0000FF"/>
+                </a:solidFill>
+                <a:highlight>
+                  <a:srgbClr val="FFFFFF"/>
+                </a:highlight>
+              </a:rPr>
+              <a:t>as</a:t>
+            </a:r>
+            <a:r>
+              <a:rPr lang="en-US" sz="1400" dirty="0">
+                <a:solidFill>
+                  <a:srgbClr val="000000"/>
+                </a:solidFill>
+                <a:highlight>
+                  <a:srgbClr val="FFFFFF"/>
+                </a:highlight>
+              </a:rPr>
+              <a:t> </a:t>
+            </a:r>
+            <a:r>
+              <a:rPr lang="en-US" sz="1400" dirty="0" err="1">
+                <a:solidFill>
+                  <a:srgbClr val="000000"/>
+                </a:solidFill>
+                <a:highlight>
+                  <a:srgbClr val="FFFFFF"/>
+                </a:highlight>
+              </a:rPr>
+              <a:t>pd</a:t>
+            </a:r>
+            <a:endParaRPr lang="en-US" sz="1400" dirty="0">
+              <a:solidFill>
+                <a:srgbClr val="000000"/>
+              </a:solidFill>
+              <a:highlight>
+                <a:srgbClr val="FFFFFF"/>
+              </a:highlight>
+            </a:endParaRPr>
+          </a:p>
+          <a:p>
+            <a:endParaRPr lang="en-US" sz="1400" dirty="0">
+              <a:solidFill>
+                <a:srgbClr val="000000"/>
+              </a:solidFill>
+              <a:highlight>
+                <a:srgbClr val="FFFFFF"/>
+              </a:highlight>
+            </a:endParaRPr>
+          </a:p>
+          <a:p>
+            <a:r>
+              <a:rPr lang="en-US" sz="1400" dirty="0">
+                <a:solidFill>
+                  <a:srgbClr val="008000"/>
+                </a:solidFill>
+                <a:highlight>
+                  <a:srgbClr val="FFFFFF"/>
+                </a:highlight>
+              </a:rPr>
+              <a:t># Importing the dataset</a:t>
+            </a:r>
+            <a:endParaRPr lang="en-US" sz="1400" dirty="0">
+              <a:solidFill>
+                <a:srgbClr val="000000"/>
+              </a:solidFill>
+              <a:highlight>
+                <a:srgbClr val="FFFFFF"/>
+              </a:highlight>
+            </a:endParaRPr>
+          </a:p>
+          <a:p>
+            <a:r>
+              <a:rPr lang="en-US" sz="1400" dirty="0">
+                <a:solidFill>
+                  <a:srgbClr val="000000"/>
+                </a:solidFill>
+                <a:highlight>
+                  <a:srgbClr val="FFFFFF"/>
+                </a:highlight>
+              </a:rPr>
+              <a:t>dataset </a:t>
+            </a:r>
+            <a:r>
+              <a:rPr lang="en-US" sz="1400" b="1" dirty="0">
+                <a:solidFill>
+                  <a:srgbClr val="000080"/>
+                </a:solidFill>
+                <a:highlight>
+                  <a:srgbClr val="FFFFFF"/>
+                </a:highlight>
+              </a:rPr>
+              <a:t>=</a:t>
+            </a:r>
+            <a:r>
+              <a:rPr lang="en-US" sz="1400" dirty="0">
+                <a:solidFill>
+                  <a:srgbClr val="000000"/>
+                </a:solidFill>
+                <a:highlight>
+                  <a:srgbClr val="FFFFFF"/>
+                </a:highlight>
+              </a:rPr>
+              <a:t> </a:t>
+            </a:r>
+            <a:r>
+              <a:rPr lang="en-US" sz="1400" dirty="0" err="1">
+                <a:solidFill>
+                  <a:srgbClr val="000000"/>
+                </a:solidFill>
+                <a:highlight>
+                  <a:srgbClr val="FFFFFF"/>
+                </a:highlight>
+              </a:rPr>
+              <a:t>pd</a:t>
+            </a:r>
+            <a:r>
+              <a:rPr lang="en-US" sz="1400" b="1" dirty="0" err="1">
+                <a:solidFill>
+                  <a:srgbClr val="000080"/>
+                </a:solidFill>
+                <a:highlight>
+                  <a:srgbClr val="FFFFFF"/>
+                </a:highlight>
+              </a:rPr>
+              <a:t>.</a:t>
+            </a:r>
+            <a:r>
+              <a:rPr lang="en-US" sz="1400" dirty="0" err="1">
+                <a:solidFill>
+                  <a:srgbClr val="000000"/>
+                </a:solidFill>
+                <a:highlight>
+                  <a:srgbClr val="FFFFFF"/>
+                </a:highlight>
+              </a:rPr>
+              <a:t>read_csv</a:t>
+            </a:r>
+            <a:r>
+              <a:rPr lang="en-US" sz="1400" b="1" dirty="0">
+                <a:solidFill>
+                  <a:srgbClr val="000080"/>
+                </a:solidFill>
+                <a:highlight>
+                  <a:srgbClr val="FFFFFF"/>
+                </a:highlight>
+              </a:rPr>
+              <a:t>(</a:t>
+            </a:r>
+            <a:r>
+              <a:rPr lang="en-US" sz="1400" dirty="0">
+                <a:solidFill>
+                  <a:srgbClr val="808080"/>
+                </a:solidFill>
+                <a:highlight>
+                  <a:srgbClr val="FFFFFF"/>
+                </a:highlight>
+              </a:rPr>
+              <a:t>'Position_Salaries.csv'</a:t>
+            </a:r>
+            <a:r>
+              <a:rPr lang="en-US" sz="1400" b="1" dirty="0">
+                <a:solidFill>
+                  <a:srgbClr val="000080"/>
+                </a:solidFill>
+                <a:highlight>
+                  <a:srgbClr val="FFFFFF"/>
+                </a:highlight>
+              </a:rPr>
+              <a:t>)</a:t>
+            </a:r>
+            <a:endParaRPr lang="en-US" sz="1400" dirty="0">
+              <a:solidFill>
+                <a:srgbClr val="000000"/>
+              </a:solidFill>
+              <a:highlight>
+                <a:srgbClr val="FFFFFF"/>
+              </a:highlight>
+            </a:endParaRPr>
+          </a:p>
+          <a:p>
+            <a:r>
+              <a:rPr lang="en-US" sz="1400" dirty="0">
+                <a:solidFill>
+                  <a:srgbClr val="000000"/>
+                </a:solidFill>
+                <a:highlight>
+                  <a:srgbClr val="FFFFFF"/>
+                </a:highlight>
+              </a:rPr>
+              <a:t>X </a:t>
+            </a:r>
+            <a:r>
+              <a:rPr lang="en-US" sz="1400" b="1" dirty="0">
+                <a:solidFill>
+                  <a:srgbClr val="000080"/>
+                </a:solidFill>
+                <a:highlight>
+                  <a:srgbClr val="FFFFFF"/>
+                </a:highlight>
+              </a:rPr>
+              <a:t>=</a:t>
+            </a:r>
+            <a:r>
+              <a:rPr lang="en-US" sz="1400" dirty="0">
+                <a:solidFill>
+                  <a:srgbClr val="000000"/>
+                </a:solidFill>
+                <a:highlight>
+                  <a:srgbClr val="FFFFFF"/>
+                </a:highlight>
+              </a:rPr>
+              <a:t> </a:t>
+            </a:r>
+            <a:r>
+              <a:rPr lang="en-US" sz="1400" dirty="0" err="1">
+                <a:solidFill>
+                  <a:srgbClr val="000000"/>
+                </a:solidFill>
+                <a:highlight>
+                  <a:srgbClr val="FFFFFF"/>
+                </a:highlight>
+              </a:rPr>
+              <a:t>dataset</a:t>
+            </a:r>
+            <a:r>
+              <a:rPr lang="en-US" sz="1400" b="1" dirty="0" err="1">
+                <a:solidFill>
+                  <a:srgbClr val="000080"/>
+                </a:solidFill>
+                <a:highlight>
+                  <a:srgbClr val="FFFFFF"/>
+                </a:highlight>
+              </a:rPr>
+              <a:t>.</a:t>
+            </a:r>
+            <a:r>
+              <a:rPr lang="en-US" sz="1400" dirty="0" err="1">
+                <a:solidFill>
+                  <a:srgbClr val="000000"/>
+                </a:solidFill>
+                <a:highlight>
+                  <a:srgbClr val="FFFFFF"/>
+                </a:highlight>
+              </a:rPr>
+              <a:t>iloc</a:t>
+            </a:r>
+            <a:r>
+              <a:rPr lang="en-US" sz="1400" b="1" dirty="0">
+                <a:solidFill>
+                  <a:srgbClr val="000080"/>
+                </a:solidFill>
+                <a:highlight>
+                  <a:srgbClr val="FFFFFF"/>
+                </a:highlight>
+              </a:rPr>
+              <a:t>[:,</a:t>
+            </a:r>
+            <a:r>
+              <a:rPr lang="en-US" sz="1400" dirty="0">
+                <a:solidFill>
+                  <a:srgbClr val="000000"/>
+                </a:solidFill>
+                <a:highlight>
+                  <a:srgbClr val="FFFFFF"/>
+                </a:highlight>
+              </a:rPr>
+              <a:t> </a:t>
+            </a:r>
+            <a:r>
+              <a:rPr lang="en-US" sz="1400" dirty="0">
+                <a:solidFill>
+                  <a:srgbClr val="FF0000"/>
+                </a:solidFill>
+                <a:highlight>
+                  <a:srgbClr val="FFFFFF"/>
+                </a:highlight>
+              </a:rPr>
+              <a:t>1</a:t>
+            </a:r>
+            <a:r>
+              <a:rPr lang="en-US" sz="1400" b="1" dirty="0">
+                <a:solidFill>
+                  <a:srgbClr val="000080"/>
+                </a:solidFill>
+                <a:highlight>
+                  <a:srgbClr val="FFFFFF"/>
+                </a:highlight>
+              </a:rPr>
+              <a:t>:</a:t>
+            </a:r>
+            <a:r>
+              <a:rPr lang="en-US" sz="1400" dirty="0">
+                <a:solidFill>
+                  <a:srgbClr val="FF0000"/>
+                </a:solidFill>
+                <a:highlight>
+                  <a:srgbClr val="FFFFFF"/>
+                </a:highlight>
+              </a:rPr>
+              <a:t>2</a:t>
+            </a:r>
+            <a:r>
+              <a:rPr lang="en-US" sz="1400" b="1" dirty="0">
+                <a:solidFill>
+                  <a:srgbClr val="000080"/>
+                </a:solidFill>
+                <a:highlight>
+                  <a:srgbClr val="FFFFFF"/>
+                </a:highlight>
+              </a:rPr>
+              <a:t>].</a:t>
+            </a:r>
+            <a:r>
+              <a:rPr lang="en-US" sz="1400" dirty="0">
+                <a:solidFill>
+                  <a:srgbClr val="000000"/>
+                </a:solidFill>
+                <a:highlight>
+                  <a:srgbClr val="FFFFFF"/>
+                </a:highlight>
+              </a:rPr>
+              <a:t>values</a:t>
+            </a:r>
+          </a:p>
+          <a:p>
+            <a:r>
+              <a:rPr lang="es-ES" sz="1400" dirty="0">
+                <a:solidFill>
+                  <a:srgbClr val="000000"/>
+                </a:solidFill>
+                <a:highlight>
+                  <a:srgbClr val="FFFFFF"/>
+                </a:highlight>
+              </a:rPr>
+              <a:t>y </a:t>
+            </a:r>
+            <a:r>
+              <a:rPr lang="es-ES" sz="1400" b="1" dirty="0">
+                <a:solidFill>
+                  <a:srgbClr val="000080"/>
+                </a:solidFill>
+                <a:highlight>
+                  <a:srgbClr val="FFFFFF"/>
+                </a:highlight>
+              </a:rPr>
+              <a:t>=</a:t>
+            </a:r>
+            <a:r>
+              <a:rPr lang="es-ES" sz="1400" dirty="0">
+                <a:solidFill>
+                  <a:srgbClr val="000000"/>
+                </a:solidFill>
+                <a:highlight>
+                  <a:srgbClr val="FFFFFF"/>
+                </a:highlight>
+              </a:rPr>
+              <a:t> </a:t>
+            </a:r>
+            <a:r>
+              <a:rPr lang="es-ES" sz="1400" dirty="0" err="1">
+                <a:solidFill>
+                  <a:srgbClr val="000000"/>
+                </a:solidFill>
+                <a:highlight>
+                  <a:srgbClr val="FFFFFF"/>
+                </a:highlight>
+              </a:rPr>
+              <a:t>dataset</a:t>
+            </a:r>
+            <a:r>
+              <a:rPr lang="es-ES" sz="1400" b="1" dirty="0" err="1">
+                <a:solidFill>
+                  <a:srgbClr val="000080"/>
+                </a:solidFill>
+                <a:highlight>
+                  <a:srgbClr val="FFFFFF"/>
+                </a:highlight>
+              </a:rPr>
+              <a:t>.</a:t>
+            </a:r>
+            <a:r>
+              <a:rPr lang="es-ES" sz="1400" dirty="0" err="1">
+                <a:solidFill>
+                  <a:srgbClr val="000000"/>
+                </a:solidFill>
+                <a:highlight>
+                  <a:srgbClr val="FFFFFF"/>
+                </a:highlight>
+              </a:rPr>
+              <a:t>iloc</a:t>
+            </a:r>
+            <a:r>
+              <a:rPr lang="es-ES" sz="1400" b="1" dirty="0">
+                <a:solidFill>
+                  <a:srgbClr val="000080"/>
+                </a:solidFill>
+                <a:highlight>
+                  <a:srgbClr val="FFFFFF"/>
+                </a:highlight>
+              </a:rPr>
+              <a:t>[:,</a:t>
+            </a:r>
+            <a:r>
+              <a:rPr lang="es-ES" sz="1400" dirty="0">
+                <a:solidFill>
+                  <a:srgbClr val="000000"/>
+                </a:solidFill>
+                <a:highlight>
+                  <a:srgbClr val="FFFFFF"/>
+                </a:highlight>
+              </a:rPr>
+              <a:t> </a:t>
+            </a:r>
+            <a:r>
+              <a:rPr lang="es-ES" sz="1400" dirty="0">
+                <a:solidFill>
+                  <a:srgbClr val="FF0000"/>
+                </a:solidFill>
+                <a:highlight>
+                  <a:srgbClr val="FFFFFF"/>
+                </a:highlight>
+              </a:rPr>
+              <a:t>2</a:t>
+            </a:r>
+            <a:r>
+              <a:rPr lang="es-ES" sz="1400" b="1" dirty="0">
+                <a:solidFill>
+                  <a:srgbClr val="000080"/>
+                </a:solidFill>
+                <a:highlight>
+                  <a:srgbClr val="FFFFFF"/>
+                </a:highlight>
+              </a:rPr>
+              <a:t>].</a:t>
+            </a:r>
+            <a:r>
+              <a:rPr lang="es-ES" sz="1400" dirty="0" err="1">
+                <a:solidFill>
+                  <a:srgbClr val="000000"/>
+                </a:solidFill>
+                <a:highlight>
+                  <a:srgbClr val="FFFFFF"/>
+                </a:highlight>
+              </a:rPr>
+              <a:t>values</a:t>
+            </a:r>
+            <a:r>
+              <a:rPr lang="es-ES" sz="1400" b="1" dirty="0" err="1">
+                <a:solidFill>
+                  <a:srgbClr val="000080"/>
+                </a:solidFill>
+                <a:highlight>
+                  <a:srgbClr val="FFFFFF"/>
+                </a:highlight>
+              </a:rPr>
+              <a:t>.</a:t>
+            </a:r>
+            <a:r>
+              <a:rPr lang="es-ES" sz="1400" dirty="0" err="1">
+                <a:solidFill>
+                  <a:srgbClr val="000000"/>
+                </a:solidFill>
+                <a:highlight>
+                  <a:srgbClr val="FFFFFF"/>
+                </a:highlight>
+              </a:rPr>
+              <a:t>reshape</a:t>
+            </a:r>
+            <a:r>
+              <a:rPr lang="es-ES" sz="1400" b="1" dirty="0">
+                <a:solidFill>
+                  <a:srgbClr val="000080"/>
+                </a:solidFill>
+                <a:highlight>
+                  <a:srgbClr val="FFFFFF"/>
+                </a:highlight>
+              </a:rPr>
+              <a:t>(-</a:t>
+            </a:r>
+            <a:r>
+              <a:rPr lang="es-ES" sz="1400" dirty="0">
+                <a:solidFill>
+                  <a:srgbClr val="FF0000"/>
+                </a:solidFill>
+                <a:highlight>
+                  <a:srgbClr val="FFFFFF"/>
+                </a:highlight>
+              </a:rPr>
+              <a:t>1</a:t>
+            </a:r>
+            <a:r>
+              <a:rPr lang="es-ES" sz="1400" b="1" dirty="0">
+                <a:solidFill>
+                  <a:srgbClr val="000080"/>
+                </a:solidFill>
+                <a:highlight>
+                  <a:srgbClr val="FFFFFF"/>
+                </a:highlight>
+              </a:rPr>
+              <a:t>,</a:t>
+            </a:r>
+            <a:r>
+              <a:rPr lang="es-ES" sz="1400" dirty="0">
+                <a:solidFill>
+                  <a:srgbClr val="FF0000"/>
+                </a:solidFill>
+                <a:highlight>
+                  <a:srgbClr val="FFFFFF"/>
+                </a:highlight>
+              </a:rPr>
+              <a:t>1</a:t>
+            </a:r>
+            <a:r>
+              <a:rPr lang="es-ES" sz="1400" b="1" dirty="0">
+                <a:solidFill>
+                  <a:srgbClr val="000080"/>
+                </a:solidFill>
+                <a:highlight>
+                  <a:srgbClr val="FFFFFF"/>
+                </a:highlight>
+              </a:rPr>
+              <a:t>)</a:t>
+            </a:r>
+            <a:endParaRPr lang="es-ES" sz="1400" dirty="0">
+              <a:solidFill>
+                <a:srgbClr val="000000"/>
+              </a:solidFill>
+              <a:highlight>
+                <a:srgbClr val="FFFFFF"/>
+              </a:highlight>
+            </a:endParaRPr>
+          </a:p>
+          <a:p>
+            <a:endParaRPr lang="en-US" sz="1400" dirty="0">
+              <a:solidFill>
+                <a:srgbClr val="000000"/>
+              </a:solidFill>
+              <a:highlight>
+                <a:srgbClr val="FFFFFF"/>
+              </a:highlight>
+            </a:endParaRPr>
+          </a:p>
+          <a:p>
+            <a:r>
+              <a:rPr lang="en-US" sz="1400" dirty="0">
+                <a:solidFill>
+                  <a:srgbClr val="008000"/>
+                </a:solidFill>
+                <a:highlight>
+                  <a:srgbClr val="FFFFFF"/>
+                </a:highlight>
+              </a:rPr>
+              <a:t># Feature Scaling</a:t>
+            </a:r>
+            <a:endParaRPr lang="en-US" sz="1400" dirty="0">
+              <a:solidFill>
+                <a:srgbClr val="000000"/>
+              </a:solidFill>
+              <a:highlight>
+                <a:srgbClr val="FFFFFF"/>
+              </a:highlight>
+            </a:endParaRPr>
+          </a:p>
+          <a:p>
+            <a:r>
+              <a:rPr lang="en-US" sz="1400" b="1" dirty="0">
+                <a:solidFill>
+                  <a:srgbClr val="0000FF"/>
+                </a:solidFill>
+                <a:highlight>
+                  <a:srgbClr val="FFFFFF"/>
+                </a:highlight>
+              </a:rPr>
+              <a:t>from</a:t>
+            </a:r>
+            <a:r>
+              <a:rPr lang="en-US" sz="1400" dirty="0">
+                <a:solidFill>
+                  <a:srgbClr val="000000"/>
+                </a:solidFill>
+                <a:highlight>
+                  <a:srgbClr val="FFFFFF"/>
+                </a:highlight>
+              </a:rPr>
+              <a:t> </a:t>
+            </a:r>
+            <a:r>
+              <a:rPr lang="en-US" sz="1400" dirty="0" err="1">
+                <a:solidFill>
+                  <a:srgbClr val="000000"/>
+                </a:solidFill>
+                <a:highlight>
+                  <a:srgbClr val="FFFFFF"/>
+                </a:highlight>
+              </a:rPr>
+              <a:t>sklearn</a:t>
+            </a:r>
+            <a:r>
+              <a:rPr lang="en-US" sz="1400" b="1" dirty="0" err="1">
+                <a:solidFill>
+                  <a:srgbClr val="000080"/>
+                </a:solidFill>
+                <a:highlight>
+                  <a:srgbClr val="FFFFFF"/>
+                </a:highlight>
+              </a:rPr>
+              <a:t>.</a:t>
+            </a:r>
+            <a:r>
+              <a:rPr lang="en-US" sz="1400" dirty="0" err="1">
+                <a:solidFill>
+                  <a:srgbClr val="000000"/>
+                </a:solidFill>
+                <a:highlight>
+                  <a:srgbClr val="FFFFFF"/>
+                </a:highlight>
+              </a:rPr>
+              <a:t>preprocessing</a:t>
+            </a:r>
+            <a:r>
+              <a:rPr lang="en-US" sz="1400" dirty="0">
+                <a:solidFill>
+                  <a:srgbClr val="000000"/>
+                </a:solidFill>
+                <a:highlight>
+                  <a:srgbClr val="FFFFFF"/>
+                </a:highlight>
+              </a:rPr>
+              <a:t> </a:t>
+            </a:r>
+            <a:r>
+              <a:rPr lang="en-US" sz="1400" b="1" dirty="0">
+                <a:solidFill>
+                  <a:srgbClr val="0000FF"/>
+                </a:solidFill>
+                <a:highlight>
+                  <a:srgbClr val="FFFFFF"/>
+                </a:highlight>
+              </a:rPr>
+              <a:t>import</a:t>
+            </a:r>
+            <a:r>
+              <a:rPr lang="en-US" sz="1400" dirty="0">
+                <a:solidFill>
+                  <a:srgbClr val="000000"/>
+                </a:solidFill>
+                <a:highlight>
+                  <a:srgbClr val="FFFFFF"/>
+                </a:highlight>
+              </a:rPr>
+              <a:t> </a:t>
+            </a:r>
+            <a:r>
+              <a:rPr lang="en-US" sz="1400" dirty="0" err="1">
+                <a:solidFill>
+                  <a:srgbClr val="000000"/>
+                </a:solidFill>
+                <a:highlight>
+                  <a:srgbClr val="FFFFFF"/>
+                </a:highlight>
+              </a:rPr>
+              <a:t>StandardScaler</a:t>
+            </a:r>
+            <a:endParaRPr lang="en-US" sz="1400" dirty="0">
+              <a:solidFill>
+                <a:srgbClr val="000000"/>
+              </a:solidFill>
+              <a:highlight>
+                <a:srgbClr val="FFFFFF"/>
+              </a:highlight>
+            </a:endParaRPr>
+          </a:p>
+          <a:p>
+            <a:r>
+              <a:rPr lang="en-US" sz="1400" dirty="0" err="1">
+                <a:solidFill>
+                  <a:srgbClr val="000000"/>
+                </a:solidFill>
+                <a:highlight>
+                  <a:srgbClr val="FFFFFF"/>
+                </a:highlight>
+              </a:rPr>
+              <a:t>sc_X</a:t>
+            </a:r>
+            <a:r>
+              <a:rPr lang="en-US" sz="1400" dirty="0">
+                <a:solidFill>
+                  <a:srgbClr val="000000"/>
+                </a:solidFill>
+                <a:highlight>
+                  <a:srgbClr val="FFFFFF"/>
+                </a:highlight>
+              </a:rPr>
+              <a:t> </a:t>
+            </a:r>
+            <a:r>
+              <a:rPr lang="en-US" sz="1400" b="1" dirty="0">
+                <a:solidFill>
+                  <a:srgbClr val="000080"/>
+                </a:solidFill>
+                <a:highlight>
+                  <a:srgbClr val="FFFFFF"/>
+                </a:highlight>
+              </a:rPr>
+              <a:t>=</a:t>
+            </a:r>
+            <a:r>
+              <a:rPr lang="en-US" sz="1400" dirty="0">
+                <a:solidFill>
+                  <a:srgbClr val="000000"/>
+                </a:solidFill>
+                <a:highlight>
+                  <a:srgbClr val="FFFFFF"/>
+                </a:highlight>
+              </a:rPr>
+              <a:t> </a:t>
+            </a:r>
+            <a:r>
+              <a:rPr lang="en-US" sz="1400" dirty="0" err="1">
+                <a:solidFill>
+                  <a:srgbClr val="000000"/>
+                </a:solidFill>
+                <a:highlight>
+                  <a:srgbClr val="FFFFFF"/>
+                </a:highlight>
+              </a:rPr>
+              <a:t>StandardScaler</a:t>
+            </a:r>
+            <a:r>
+              <a:rPr lang="en-US" sz="1400" b="1" dirty="0">
+                <a:solidFill>
+                  <a:srgbClr val="000080"/>
+                </a:solidFill>
+                <a:highlight>
+                  <a:srgbClr val="FFFFFF"/>
+                </a:highlight>
+              </a:rPr>
+              <a:t>()</a:t>
+            </a:r>
+            <a:endParaRPr lang="en-US" sz="1400" dirty="0">
+              <a:solidFill>
+                <a:srgbClr val="000000"/>
+              </a:solidFill>
+              <a:highlight>
+                <a:srgbClr val="FFFFFF"/>
+              </a:highlight>
+            </a:endParaRPr>
+          </a:p>
+          <a:p>
+            <a:r>
+              <a:rPr lang="en-US" sz="1400" dirty="0" err="1">
+                <a:solidFill>
+                  <a:srgbClr val="000000"/>
+                </a:solidFill>
+                <a:highlight>
+                  <a:srgbClr val="FFFFFF"/>
+                </a:highlight>
+              </a:rPr>
+              <a:t>sc_y</a:t>
+            </a:r>
+            <a:r>
+              <a:rPr lang="en-US" sz="1400" dirty="0">
+                <a:solidFill>
+                  <a:srgbClr val="000000"/>
+                </a:solidFill>
+                <a:highlight>
+                  <a:srgbClr val="FFFFFF"/>
+                </a:highlight>
+              </a:rPr>
+              <a:t> </a:t>
+            </a:r>
+            <a:r>
+              <a:rPr lang="en-US" sz="1400" b="1" dirty="0">
+                <a:solidFill>
+                  <a:srgbClr val="000080"/>
+                </a:solidFill>
+                <a:highlight>
+                  <a:srgbClr val="FFFFFF"/>
+                </a:highlight>
+              </a:rPr>
+              <a:t>=</a:t>
+            </a:r>
+            <a:r>
+              <a:rPr lang="en-US" sz="1400" dirty="0">
+                <a:solidFill>
+                  <a:srgbClr val="000000"/>
+                </a:solidFill>
+                <a:highlight>
+                  <a:srgbClr val="FFFFFF"/>
+                </a:highlight>
+              </a:rPr>
+              <a:t> </a:t>
+            </a:r>
+            <a:r>
+              <a:rPr lang="en-US" sz="1400" dirty="0" err="1">
+                <a:solidFill>
+                  <a:srgbClr val="000000"/>
+                </a:solidFill>
+                <a:highlight>
+                  <a:srgbClr val="FFFFFF"/>
+                </a:highlight>
+              </a:rPr>
+              <a:t>StandardScaler</a:t>
+            </a:r>
+            <a:r>
+              <a:rPr lang="en-US" sz="1400" b="1" dirty="0">
+                <a:solidFill>
+                  <a:srgbClr val="000080"/>
+                </a:solidFill>
+                <a:highlight>
+                  <a:srgbClr val="FFFFFF"/>
+                </a:highlight>
+              </a:rPr>
+              <a:t>()</a:t>
+            </a:r>
+            <a:endParaRPr lang="en-US" sz="1400" dirty="0">
+              <a:solidFill>
+                <a:srgbClr val="000000"/>
+              </a:solidFill>
+              <a:highlight>
+                <a:srgbClr val="FFFFFF"/>
+              </a:highlight>
+            </a:endParaRPr>
+          </a:p>
+          <a:p>
+            <a:r>
+              <a:rPr lang="en-US" sz="1400" dirty="0">
+                <a:solidFill>
+                  <a:srgbClr val="000000"/>
+                </a:solidFill>
+                <a:highlight>
+                  <a:srgbClr val="FFFFFF"/>
+                </a:highlight>
+              </a:rPr>
+              <a:t>X </a:t>
+            </a:r>
+            <a:r>
+              <a:rPr lang="en-US" sz="1400" b="1" dirty="0">
+                <a:solidFill>
+                  <a:srgbClr val="000080"/>
+                </a:solidFill>
+                <a:highlight>
+                  <a:srgbClr val="FFFFFF"/>
+                </a:highlight>
+              </a:rPr>
+              <a:t>=</a:t>
+            </a:r>
+            <a:r>
+              <a:rPr lang="en-US" sz="1400" dirty="0">
+                <a:solidFill>
+                  <a:srgbClr val="000000"/>
+                </a:solidFill>
+                <a:highlight>
+                  <a:srgbClr val="FFFFFF"/>
+                </a:highlight>
+              </a:rPr>
+              <a:t> </a:t>
+            </a:r>
+            <a:r>
+              <a:rPr lang="en-US" sz="1400" dirty="0" err="1">
+                <a:solidFill>
+                  <a:srgbClr val="000000"/>
+                </a:solidFill>
+                <a:highlight>
+                  <a:srgbClr val="FFFFFF"/>
+                </a:highlight>
+              </a:rPr>
+              <a:t>sc_X</a:t>
+            </a:r>
+            <a:r>
+              <a:rPr lang="en-US" sz="1400" b="1" dirty="0" err="1">
+                <a:solidFill>
+                  <a:srgbClr val="000080"/>
+                </a:solidFill>
+                <a:highlight>
+                  <a:srgbClr val="FFFFFF"/>
+                </a:highlight>
+              </a:rPr>
+              <a:t>.</a:t>
+            </a:r>
+            <a:r>
+              <a:rPr lang="en-US" sz="1400" dirty="0" err="1">
+                <a:solidFill>
+                  <a:srgbClr val="000000"/>
+                </a:solidFill>
+                <a:highlight>
+                  <a:srgbClr val="FFFFFF"/>
+                </a:highlight>
+              </a:rPr>
+              <a:t>fit_transform</a:t>
+            </a:r>
+            <a:r>
+              <a:rPr lang="en-US" sz="1400" b="1" dirty="0">
+                <a:solidFill>
+                  <a:srgbClr val="000080"/>
+                </a:solidFill>
+                <a:highlight>
+                  <a:srgbClr val="FFFFFF"/>
+                </a:highlight>
+              </a:rPr>
+              <a:t>(</a:t>
+            </a:r>
+            <a:r>
+              <a:rPr lang="en-US" sz="1400" dirty="0">
+                <a:solidFill>
+                  <a:srgbClr val="000000"/>
+                </a:solidFill>
+                <a:highlight>
+                  <a:srgbClr val="FFFFFF"/>
+                </a:highlight>
+              </a:rPr>
+              <a:t>X</a:t>
+            </a:r>
+            <a:r>
+              <a:rPr lang="en-US" sz="1400" b="1" dirty="0">
+                <a:solidFill>
+                  <a:srgbClr val="000080"/>
+                </a:solidFill>
+                <a:highlight>
+                  <a:srgbClr val="FFFFFF"/>
+                </a:highlight>
+              </a:rPr>
+              <a:t>)</a:t>
+            </a:r>
+            <a:endParaRPr lang="en-US" sz="1400" dirty="0">
+              <a:solidFill>
+                <a:srgbClr val="000000"/>
+              </a:solidFill>
+              <a:highlight>
+                <a:srgbClr val="FFFFFF"/>
+              </a:highlight>
+            </a:endParaRPr>
+          </a:p>
+          <a:p>
+            <a:r>
+              <a:rPr lang="en-US" sz="1400" dirty="0">
+                <a:solidFill>
+                  <a:srgbClr val="000000"/>
+                </a:solidFill>
+                <a:highlight>
+                  <a:srgbClr val="FFFFFF"/>
+                </a:highlight>
+              </a:rPr>
+              <a:t>y </a:t>
+            </a:r>
+            <a:r>
+              <a:rPr lang="en-US" sz="1400" b="1" dirty="0">
+                <a:solidFill>
+                  <a:srgbClr val="000080"/>
+                </a:solidFill>
+                <a:highlight>
+                  <a:srgbClr val="FFFFFF"/>
+                </a:highlight>
+              </a:rPr>
+              <a:t>=</a:t>
+            </a:r>
+            <a:r>
+              <a:rPr lang="en-US" sz="1400" dirty="0">
+                <a:solidFill>
+                  <a:srgbClr val="000000"/>
+                </a:solidFill>
+                <a:highlight>
+                  <a:srgbClr val="FFFFFF"/>
+                </a:highlight>
+              </a:rPr>
+              <a:t> </a:t>
+            </a:r>
+            <a:r>
+              <a:rPr lang="en-US" sz="1400" dirty="0" err="1">
+                <a:solidFill>
+                  <a:srgbClr val="000000"/>
+                </a:solidFill>
+                <a:highlight>
+                  <a:srgbClr val="FFFFFF"/>
+                </a:highlight>
+              </a:rPr>
+              <a:t>sc_y</a:t>
+            </a:r>
+            <a:r>
+              <a:rPr lang="en-US" sz="1400" b="1" dirty="0" err="1">
+                <a:solidFill>
+                  <a:srgbClr val="000080"/>
+                </a:solidFill>
+                <a:highlight>
+                  <a:srgbClr val="FFFFFF"/>
+                </a:highlight>
+              </a:rPr>
+              <a:t>.</a:t>
+            </a:r>
+            <a:r>
+              <a:rPr lang="en-US" sz="1400" dirty="0" err="1">
+                <a:solidFill>
+                  <a:srgbClr val="000000"/>
+                </a:solidFill>
+                <a:highlight>
+                  <a:srgbClr val="FFFFFF"/>
+                </a:highlight>
+              </a:rPr>
+              <a:t>fit_transform</a:t>
+            </a:r>
+            <a:r>
+              <a:rPr lang="en-US" sz="1400" b="1" dirty="0">
+                <a:solidFill>
+                  <a:srgbClr val="000080"/>
+                </a:solidFill>
+                <a:highlight>
+                  <a:srgbClr val="FFFFFF"/>
+                </a:highlight>
+              </a:rPr>
+              <a:t>(</a:t>
+            </a:r>
+            <a:r>
+              <a:rPr lang="en-US" sz="1400" dirty="0">
+                <a:solidFill>
+                  <a:srgbClr val="000000"/>
+                </a:solidFill>
+                <a:highlight>
+                  <a:srgbClr val="FFFFFF"/>
+                </a:highlight>
+              </a:rPr>
+              <a:t>y</a:t>
+            </a:r>
+            <a:r>
+              <a:rPr lang="en-US" sz="1400" b="1" dirty="0">
+                <a:solidFill>
+                  <a:srgbClr val="000080"/>
+                </a:solidFill>
+                <a:highlight>
+                  <a:srgbClr val="FFFFFF"/>
+                </a:highlight>
+              </a:rPr>
+              <a:t>)</a:t>
+            </a:r>
+            <a:endParaRPr lang="en-US" sz="1400" dirty="0"/>
+          </a:p>
+        </p:txBody>
+      </p:sp>
+      <p:pic>
+        <p:nvPicPr>
+          <p:cNvPr id="4" name="Picture 3" descr="y - NumPy array"/>
+          <p:cNvPicPr>
+            <a:picLocks noChangeAspect="1"/>
+          </p:cNvPicPr>
+          <p:nvPr/>
+        </p:nvPicPr>
+        <p:blipFill>
+          <a:blip r:embed="rId2">
+            <a:extLst>
+              <a:ext uri="{28A0092B-C50C-407E-A947-70E740481C1C}">
+                <a14:useLocalDpi xmlns:a14="http://schemas.microsoft.com/office/drawing/2010/main" val="0"/>
+              </a:ext>
+            </a:extLst>
+          </a:blip>
+          <a:stretch>
+            <a:fillRect/>
+          </a:stretch>
+        </p:blipFill>
+        <p:spPr>
+          <a:xfrm>
+            <a:off x="8127351" y="1373283"/>
+            <a:ext cx="3962953" cy="4410691"/>
+          </a:xfrm>
+          <a:prstGeom prst="rect">
+            <a:avLst/>
+          </a:prstGeom>
+        </p:spPr>
+      </p:pic>
+      <p:pic>
+        <p:nvPicPr>
+          <p:cNvPr id="5" name="Picture 4" descr="X - NumPy array"/>
+          <p:cNvPicPr>
+            <a:picLocks noChangeAspect="1"/>
+          </p:cNvPicPr>
+          <p:nvPr/>
+        </p:nvPicPr>
+        <p:blipFill>
+          <a:blip r:embed="rId3">
+            <a:extLst>
+              <a:ext uri="{28A0092B-C50C-407E-A947-70E740481C1C}">
+                <a14:useLocalDpi xmlns:a14="http://schemas.microsoft.com/office/drawing/2010/main" val="0"/>
+              </a:ext>
+            </a:extLst>
+          </a:blip>
+          <a:stretch>
+            <a:fillRect/>
+          </a:stretch>
+        </p:blipFill>
+        <p:spPr>
+          <a:xfrm>
+            <a:off x="4164398" y="1373283"/>
+            <a:ext cx="3962953" cy="4410691"/>
+          </a:xfrm>
+          <a:prstGeom prst="rect">
+            <a:avLst/>
+          </a:prstGeom>
+        </p:spPr>
+      </p:pic>
     </p:spTree>
     <p:extLst>
       <p:ext uri="{BB962C8B-B14F-4D97-AF65-F5344CB8AC3E}">

--- a/Support_Vector_Regression/Support_vector_Regression.pptx
+++ b/Support_Vector_Regression/Support_vector_Regression.pptx
@@ -17,6 +17,7 @@
     <p:sldId id="266" r:id="rId11"/>
     <p:sldId id="267" r:id="rId12"/>
     <p:sldId id="268" r:id="rId13"/>
+    <p:sldId id="269" r:id="rId14"/>
   </p:sldIdLst>
   <p:sldSz cx="12192000" cy="6858000"/>
   <p:notesSz cx="6858000" cy="9144000"/>
@@ -7556,6 +7557,1927 @@
 </p:sld>
 </file>
 
+<file path=ppt/slides/slide13.xml><?xml version="1.0" encoding="utf-8"?>
+<p:sld xmlns:a="http://schemas.openxmlformats.org/drawingml/2006/main" xmlns:r="http://schemas.openxmlformats.org/officeDocument/2006/relationships" xmlns:p="http://schemas.openxmlformats.org/presentationml/2006/main">
+  <p:cSld>
+    <p:spTree>
+      <p:nvGrpSpPr>
+        <p:cNvPr id="1" name=""/>
+        <p:cNvGrpSpPr/>
+        <p:nvPr/>
+      </p:nvGrpSpPr>
+      <p:grpSpPr>
+        <a:xfrm>
+          <a:off x="0" y="0"/>
+          <a:ext cx="0" cy="0"/>
+          <a:chOff x="0" y="0"/>
+          <a:chExt cx="0" cy="0"/>
+        </a:xfrm>
+      </p:grpSpPr>
+      <p:sp>
+        <p:nvSpPr>
+          <p:cNvPr id="2" name="Title 1"/>
+          <p:cNvSpPr>
+            <a:spLocks noGrp="1"/>
+          </p:cNvSpPr>
+          <p:nvPr>
+            <p:ph type="title"/>
+          </p:nvPr>
+        </p:nvSpPr>
+        <p:spPr/>
+        <p:txBody>
+          <a:bodyPr>
+            <a:normAutofit/>
+          </a:bodyPr>
+          <a:lstStyle/>
+          <a:p>
+            <a:r>
+              <a:rPr lang="en-US" sz="4000" dirty="0" smtClean="0">
+                <a:solidFill>
+                  <a:schemeClr val="tx2"/>
+                </a:solidFill>
+              </a:rPr>
+              <a:t>Visualizing </a:t>
+            </a:r>
+            <a:r>
+              <a:rPr lang="en-US" sz="4000" dirty="0">
+                <a:solidFill>
+                  <a:schemeClr val="tx2"/>
+                </a:solidFill>
+              </a:rPr>
+              <a:t>the SVR results</a:t>
+            </a:r>
+          </a:p>
+        </p:txBody>
+      </p:sp>
+      <p:pic>
+        <p:nvPicPr>
+          <p:cNvPr id="4" name="Picture 3"/>
+          <p:cNvPicPr>
+            <a:picLocks noChangeAspect="1"/>
+          </p:cNvPicPr>
+          <p:nvPr/>
+        </p:nvPicPr>
+        <p:blipFill>
+          <a:blip r:embed="rId2"/>
+          <a:stretch>
+            <a:fillRect/>
+          </a:stretch>
+        </p:blipFill>
+        <p:spPr>
+          <a:xfrm>
+            <a:off x="203199" y="3028404"/>
+            <a:ext cx="4411285" cy="3089011"/>
+          </a:xfrm>
+          <a:prstGeom prst="rect">
+            <a:avLst/>
+          </a:prstGeom>
+        </p:spPr>
+      </p:pic>
+      <p:sp>
+        <p:nvSpPr>
+          <p:cNvPr id="6" name="Rectangle 5"/>
+          <p:cNvSpPr/>
+          <p:nvPr/>
+        </p:nvSpPr>
+        <p:spPr>
+          <a:xfrm>
+            <a:off x="203199" y="1144445"/>
+            <a:ext cx="5399579" cy="2031325"/>
+          </a:xfrm>
+          <a:prstGeom prst="rect">
+            <a:avLst/>
+          </a:prstGeom>
+        </p:spPr>
+        <p:txBody>
+          <a:bodyPr wrap="square">
+            <a:spAutoFit/>
+          </a:bodyPr>
+          <a:lstStyle/>
+          <a:p>
+            <a:r>
+              <a:rPr lang="en-US" sz="1400" dirty="0">
+                <a:solidFill>
+                  <a:srgbClr val="008000"/>
+                </a:solidFill>
+                <a:highlight>
+                  <a:srgbClr val="FFFFFF"/>
+                </a:highlight>
+              </a:rPr>
+              <a:t># </a:t>
+            </a:r>
+            <a:r>
+              <a:rPr lang="en-US" sz="1400" dirty="0" smtClean="0">
+                <a:solidFill>
+                  <a:srgbClr val="008000"/>
+                </a:solidFill>
+                <a:highlight>
+                  <a:srgbClr val="FFFFFF"/>
+                </a:highlight>
+              </a:rPr>
+              <a:t>Visualizing </a:t>
+            </a:r>
+            <a:r>
+              <a:rPr lang="en-US" sz="1400" dirty="0">
+                <a:solidFill>
+                  <a:srgbClr val="008000"/>
+                </a:solidFill>
+                <a:highlight>
+                  <a:srgbClr val="FFFFFF"/>
+                </a:highlight>
+              </a:rPr>
+              <a:t>the SVR results (for higher resolution and smoother curve)</a:t>
+            </a:r>
+            <a:endParaRPr lang="en-US" sz="1400" dirty="0">
+              <a:solidFill>
+                <a:srgbClr val="000000"/>
+              </a:solidFill>
+              <a:highlight>
+                <a:srgbClr val="FFFFFF"/>
+              </a:highlight>
+            </a:endParaRPr>
+          </a:p>
+          <a:p>
+            <a:r>
+              <a:rPr lang="en-US" sz="1400" dirty="0" err="1">
+                <a:solidFill>
+                  <a:srgbClr val="000000"/>
+                </a:solidFill>
+                <a:highlight>
+                  <a:srgbClr val="FFFFFF"/>
+                </a:highlight>
+              </a:rPr>
+              <a:t>X_grid</a:t>
+            </a:r>
+            <a:r>
+              <a:rPr lang="en-US" sz="1400" dirty="0">
+                <a:solidFill>
+                  <a:srgbClr val="000000"/>
+                </a:solidFill>
+                <a:highlight>
+                  <a:srgbClr val="FFFFFF"/>
+                </a:highlight>
+              </a:rPr>
+              <a:t> </a:t>
+            </a:r>
+            <a:r>
+              <a:rPr lang="en-US" sz="1400" b="1" dirty="0">
+                <a:solidFill>
+                  <a:srgbClr val="000080"/>
+                </a:solidFill>
+                <a:highlight>
+                  <a:srgbClr val="FFFFFF"/>
+                </a:highlight>
+              </a:rPr>
+              <a:t>=</a:t>
+            </a:r>
+            <a:r>
+              <a:rPr lang="en-US" sz="1400" dirty="0">
+                <a:solidFill>
+                  <a:srgbClr val="000000"/>
+                </a:solidFill>
+                <a:highlight>
+                  <a:srgbClr val="FFFFFF"/>
+                </a:highlight>
+              </a:rPr>
+              <a:t> </a:t>
+            </a:r>
+            <a:r>
+              <a:rPr lang="en-US" sz="1400" dirty="0" err="1">
+                <a:solidFill>
+                  <a:srgbClr val="000000"/>
+                </a:solidFill>
+                <a:highlight>
+                  <a:srgbClr val="FFFFFF"/>
+                </a:highlight>
+              </a:rPr>
+              <a:t>np</a:t>
+            </a:r>
+            <a:r>
+              <a:rPr lang="en-US" sz="1400" b="1" dirty="0" err="1">
+                <a:solidFill>
+                  <a:srgbClr val="000080"/>
+                </a:solidFill>
+                <a:highlight>
+                  <a:srgbClr val="FFFFFF"/>
+                </a:highlight>
+              </a:rPr>
+              <a:t>.</a:t>
+            </a:r>
+            <a:r>
+              <a:rPr lang="en-US" sz="1400" dirty="0" err="1">
+                <a:solidFill>
+                  <a:srgbClr val="000000"/>
+                </a:solidFill>
+                <a:highlight>
+                  <a:srgbClr val="FFFFFF"/>
+                </a:highlight>
+              </a:rPr>
+              <a:t>arange</a:t>
+            </a:r>
+            <a:r>
+              <a:rPr lang="en-US" sz="1400" b="1" dirty="0">
+                <a:solidFill>
+                  <a:srgbClr val="000080"/>
+                </a:solidFill>
+                <a:highlight>
+                  <a:srgbClr val="FFFFFF"/>
+                </a:highlight>
+              </a:rPr>
+              <a:t>(</a:t>
+            </a:r>
+            <a:r>
+              <a:rPr lang="en-US" sz="1400" dirty="0">
+                <a:solidFill>
+                  <a:srgbClr val="000000"/>
+                </a:solidFill>
+                <a:highlight>
+                  <a:srgbClr val="FFFFFF"/>
+                </a:highlight>
+              </a:rPr>
+              <a:t>min</a:t>
+            </a:r>
+            <a:r>
+              <a:rPr lang="en-US" sz="1400" b="1" dirty="0">
+                <a:solidFill>
+                  <a:srgbClr val="000080"/>
+                </a:solidFill>
+                <a:highlight>
+                  <a:srgbClr val="FFFFFF"/>
+                </a:highlight>
+              </a:rPr>
+              <a:t>(</a:t>
+            </a:r>
+            <a:r>
+              <a:rPr lang="en-US" sz="1400" dirty="0">
+                <a:solidFill>
+                  <a:srgbClr val="000000"/>
+                </a:solidFill>
+                <a:highlight>
+                  <a:srgbClr val="FFFFFF"/>
+                </a:highlight>
+              </a:rPr>
+              <a:t>X</a:t>
+            </a:r>
+            <a:r>
+              <a:rPr lang="en-US" sz="1400" b="1" dirty="0">
+                <a:solidFill>
+                  <a:srgbClr val="000080"/>
+                </a:solidFill>
+                <a:highlight>
+                  <a:srgbClr val="FFFFFF"/>
+                </a:highlight>
+              </a:rPr>
+              <a:t>),</a:t>
+            </a:r>
+            <a:r>
+              <a:rPr lang="en-US" sz="1400" dirty="0">
+                <a:solidFill>
+                  <a:srgbClr val="000000"/>
+                </a:solidFill>
+                <a:highlight>
+                  <a:srgbClr val="FFFFFF"/>
+                </a:highlight>
+              </a:rPr>
+              <a:t> max</a:t>
+            </a:r>
+            <a:r>
+              <a:rPr lang="en-US" sz="1400" b="1" dirty="0">
+                <a:solidFill>
+                  <a:srgbClr val="000080"/>
+                </a:solidFill>
+                <a:highlight>
+                  <a:srgbClr val="FFFFFF"/>
+                </a:highlight>
+              </a:rPr>
+              <a:t>(</a:t>
+            </a:r>
+            <a:r>
+              <a:rPr lang="en-US" sz="1400" dirty="0">
+                <a:solidFill>
+                  <a:srgbClr val="000000"/>
+                </a:solidFill>
+                <a:highlight>
+                  <a:srgbClr val="FFFFFF"/>
+                </a:highlight>
+              </a:rPr>
+              <a:t>X</a:t>
+            </a:r>
+            <a:r>
+              <a:rPr lang="en-US" sz="1400" b="1" dirty="0">
+                <a:solidFill>
+                  <a:srgbClr val="000080"/>
+                </a:solidFill>
+                <a:highlight>
+                  <a:srgbClr val="FFFFFF"/>
+                </a:highlight>
+              </a:rPr>
+              <a:t>),</a:t>
+            </a:r>
+            <a:r>
+              <a:rPr lang="en-US" sz="1400" dirty="0">
+                <a:solidFill>
+                  <a:srgbClr val="000000"/>
+                </a:solidFill>
+                <a:highlight>
+                  <a:srgbClr val="FFFFFF"/>
+                </a:highlight>
+              </a:rPr>
+              <a:t> </a:t>
+            </a:r>
+            <a:r>
+              <a:rPr lang="en-US" sz="1400" dirty="0">
+                <a:solidFill>
+                  <a:srgbClr val="FF0000"/>
+                </a:solidFill>
+                <a:highlight>
+                  <a:srgbClr val="FFFFFF"/>
+                </a:highlight>
+              </a:rPr>
+              <a:t>0.01</a:t>
+            </a:r>
+            <a:r>
+              <a:rPr lang="en-US" sz="1400" b="1" dirty="0">
+                <a:solidFill>
+                  <a:srgbClr val="000080"/>
+                </a:solidFill>
+                <a:highlight>
+                  <a:srgbClr val="FFFFFF"/>
+                </a:highlight>
+              </a:rPr>
+              <a:t>)</a:t>
+            </a:r>
+            <a:r>
+              <a:rPr lang="en-US" sz="1400" dirty="0">
+                <a:solidFill>
+                  <a:srgbClr val="000000"/>
+                </a:solidFill>
+                <a:highlight>
+                  <a:srgbClr val="FFFFFF"/>
+                </a:highlight>
+              </a:rPr>
+              <a:t> </a:t>
+            </a:r>
+            <a:endParaRPr lang="en-US" sz="1400" dirty="0" smtClean="0">
+              <a:solidFill>
+                <a:srgbClr val="000000"/>
+              </a:solidFill>
+              <a:highlight>
+                <a:srgbClr val="FFFFFF"/>
+              </a:highlight>
+            </a:endParaRPr>
+          </a:p>
+          <a:p>
+            <a:r>
+              <a:rPr lang="en-US" sz="1400" dirty="0" err="1" smtClean="0">
+                <a:solidFill>
+                  <a:srgbClr val="000000"/>
+                </a:solidFill>
+                <a:highlight>
+                  <a:srgbClr val="FFFFFF"/>
+                </a:highlight>
+              </a:rPr>
+              <a:t>X_grid</a:t>
+            </a:r>
+            <a:r>
+              <a:rPr lang="en-US" sz="1400" dirty="0" smtClean="0">
+                <a:solidFill>
+                  <a:srgbClr val="000000"/>
+                </a:solidFill>
+                <a:highlight>
+                  <a:srgbClr val="FFFFFF"/>
+                </a:highlight>
+              </a:rPr>
+              <a:t> </a:t>
+            </a:r>
+            <a:r>
+              <a:rPr lang="en-US" sz="1400" b="1" dirty="0">
+                <a:solidFill>
+                  <a:srgbClr val="000080"/>
+                </a:solidFill>
+                <a:highlight>
+                  <a:srgbClr val="FFFFFF"/>
+                </a:highlight>
+              </a:rPr>
+              <a:t>=</a:t>
+            </a:r>
+            <a:r>
+              <a:rPr lang="en-US" sz="1400" dirty="0">
+                <a:solidFill>
+                  <a:srgbClr val="000000"/>
+                </a:solidFill>
+                <a:highlight>
+                  <a:srgbClr val="FFFFFF"/>
+                </a:highlight>
+              </a:rPr>
+              <a:t> </a:t>
+            </a:r>
+            <a:r>
+              <a:rPr lang="en-US" sz="1400" dirty="0" err="1">
+                <a:solidFill>
+                  <a:srgbClr val="000000"/>
+                </a:solidFill>
+                <a:highlight>
+                  <a:srgbClr val="FFFFFF"/>
+                </a:highlight>
+              </a:rPr>
+              <a:t>X_grid</a:t>
+            </a:r>
+            <a:r>
+              <a:rPr lang="en-US" sz="1400" b="1" dirty="0" err="1">
+                <a:solidFill>
+                  <a:srgbClr val="000080"/>
+                </a:solidFill>
+                <a:highlight>
+                  <a:srgbClr val="FFFFFF"/>
+                </a:highlight>
+              </a:rPr>
+              <a:t>.</a:t>
+            </a:r>
+            <a:r>
+              <a:rPr lang="en-US" sz="1400" dirty="0" err="1">
+                <a:solidFill>
+                  <a:srgbClr val="000000"/>
+                </a:solidFill>
+                <a:highlight>
+                  <a:srgbClr val="FFFFFF"/>
+                </a:highlight>
+              </a:rPr>
+              <a:t>reshape</a:t>
+            </a:r>
+            <a:r>
+              <a:rPr lang="en-US" sz="1400" b="1" dirty="0">
+                <a:solidFill>
+                  <a:srgbClr val="000080"/>
+                </a:solidFill>
+                <a:highlight>
+                  <a:srgbClr val="FFFFFF"/>
+                </a:highlight>
+              </a:rPr>
+              <a:t>((</a:t>
+            </a:r>
+            <a:r>
+              <a:rPr lang="en-US" sz="1400" dirty="0" err="1">
+                <a:solidFill>
+                  <a:srgbClr val="000000"/>
+                </a:solidFill>
+                <a:highlight>
+                  <a:srgbClr val="FFFFFF"/>
+                </a:highlight>
+              </a:rPr>
+              <a:t>len</a:t>
+            </a:r>
+            <a:r>
+              <a:rPr lang="en-US" sz="1400" b="1" dirty="0">
+                <a:solidFill>
+                  <a:srgbClr val="000080"/>
+                </a:solidFill>
+                <a:highlight>
+                  <a:srgbClr val="FFFFFF"/>
+                </a:highlight>
+              </a:rPr>
+              <a:t>(</a:t>
+            </a:r>
+            <a:r>
+              <a:rPr lang="en-US" sz="1400" dirty="0" err="1">
+                <a:solidFill>
+                  <a:srgbClr val="000000"/>
+                </a:solidFill>
+                <a:highlight>
+                  <a:srgbClr val="FFFFFF"/>
+                </a:highlight>
+              </a:rPr>
+              <a:t>X_grid</a:t>
+            </a:r>
+            <a:r>
+              <a:rPr lang="en-US" sz="1400" b="1" dirty="0">
+                <a:solidFill>
+                  <a:srgbClr val="000080"/>
+                </a:solidFill>
+                <a:highlight>
+                  <a:srgbClr val="FFFFFF"/>
+                </a:highlight>
+              </a:rPr>
+              <a:t>),</a:t>
+            </a:r>
+            <a:r>
+              <a:rPr lang="en-US" sz="1400" dirty="0">
+                <a:solidFill>
+                  <a:srgbClr val="000000"/>
+                </a:solidFill>
+                <a:highlight>
+                  <a:srgbClr val="FFFFFF"/>
+                </a:highlight>
+              </a:rPr>
+              <a:t> </a:t>
+            </a:r>
+            <a:r>
+              <a:rPr lang="en-US" sz="1400" dirty="0">
+                <a:solidFill>
+                  <a:srgbClr val="FF0000"/>
+                </a:solidFill>
+                <a:highlight>
+                  <a:srgbClr val="FFFFFF"/>
+                </a:highlight>
+              </a:rPr>
+              <a:t>1</a:t>
+            </a:r>
+            <a:r>
+              <a:rPr lang="en-US" sz="1400" b="1" dirty="0">
+                <a:solidFill>
+                  <a:srgbClr val="000080"/>
+                </a:solidFill>
+                <a:highlight>
+                  <a:srgbClr val="FFFFFF"/>
+                </a:highlight>
+              </a:rPr>
+              <a:t>))</a:t>
+            </a:r>
+            <a:endParaRPr lang="en-US" sz="1400" dirty="0">
+              <a:solidFill>
+                <a:srgbClr val="000000"/>
+              </a:solidFill>
+              <a:highlight>
+                <a:srgbClr val="FFFFFF"/>
+              </a:highlight>
+            </a:endParaRPr>
+          </a:p>
+          <a:p>
+            <a:r>
+              <a:rPr lang="en-US" sz="1400" dirty="0" err="1">
+                <a:solidFill>
+                  <a:srgbClr val="000000"/>
+                </a:solidFill>
+                <a:highlight>
+                  <a:srgbClr val="FFFFFF"/>
+                </a:highlight>
+              </a:rPr>
+              <a:t>plt</a:t>
+            </a:r>
+            <a:r>
+              <a:rPr lang="en-US" sz="1400" b="1" dirty="0" err="1">
+                <a:solidFill>
+                  <a:srgbClr val="000080"/>
+                </a:solidFill>
+                <a:highlight>
+                  <a:srgbClr val="FFFFFF"/>
+                </a:highlight>
+              </a:rPr>
+              <a:t>.</a:t>
+            </a:r>
+            <a:r>
+              <a:rPr lang="en-US" sz="1400" dirty="0" err="1">
+                <a:solidFill>
+                  <a:srgbClr val="000000"/>
+                </a:solidFill>
+                <a:highlight>
+                  <a:srgbClr val="FFFFFF"/>
+                </a:highlight>
+              </a:rPr>
+              <a:t>scatter</a:t>
+            </a:r>
+            <a:r>
+              <a:rPr lang="en-US" sz="1400" b="1" dirty="0">
+                <a:solidFill>
+                  <a:srgbClr val="000080"/>
+                </a:solidFill>
+                <a:highlight>
+                  <a:srgbClr val="FFFFFF"/>
+                </a:highlight>
+              </a:rPr>
+              <a:t>(</a:t>
+            </a:r>
+            <a:r>
+              <a:rPr lang="en-US" sz="1400" dirty="0">
+                <a:solidFill>
+                  <a:srgbClr val="000000"/>
+                </a:solidFill>
+                <a:highlight>
+                  <a:srgbClr val="FFFFFF"/>
+                </a:highlight>
+              </a:rPr>
+              <a:t>X</a:t>
+            </a:r>
+            <a:r>
+              <a:rPr lang="en-US" sz="1400" b="1" dirty="0">
+                <a:solidFill>
+                  <a:srgbClr val="000080"/>
+                </a:solidFill>
+                <a:highlight>
+                  <a:srgbClr val="FFFFFF"/>
+                </a:highlight>
+              </a:rPr>
+              <a:t>,</a:t>
+            </a:r>
+            <a:r>
+              <a:rPr lang="en-US" sz="1400" dirty="0">
+                <a:solidFill>
+                  <a:srgbClr val="000000"/>
+                </a:solidFill>
+                <a:highlight>
+                  <a:srgbClr val="FFFFFF"/>
+                </a:highlight>
+              </a:rPr>
+              <a:t> y</a:t>
+            </a:r>
+            <a:r>
+              <a:rPr lang="en-US" sz="1400" b="1" dirty="0">
+                <a:solidFill>
+                  <a:srgbClr val="000080"/>
+                </a:solidFill>
+                <a:highlight>
+                  <a:srgbClr val="FFFFFF"/>
+                </a:highlight>
+              </a:rPr>
+              <a:t>,</a:t>
+            </a:r>
+            <a:r>
+              <a:rPr lang="en-US" sz="1400" dirty="0">
+                <a:solidFill>
+                  <a:srgbClr val="000000"/>
+                </a:solidFill>
+                <a:highlight>
+                  <a:srgbClr val="FFFFFF"/>
+                </a:highlight>
+              </a:rPr>
+              <a:t> color </a:t>
+            </a:r>
+            <a:r>
+              <a:rPr lang="en-US" sz="1400" b="1" dirty="0">
+                <a:solidFill>
+                  <a:srgbClr val="000080"/>
+                </a:solidFill>
+                <a:highlight>
+                  <a:srgbClr val="FFFFFF"/>
+                </a:highlight>
+              </a:rPr>
+              <a:t>=</a:t>
+            </a:r>
+            <a:r>
+              <a:rPr lang="en-US" sz="1400" dirty="0">
+                <a:solidFill>
+                  <a:srgbClr val="000000"/>
+                </a:solidFill>
+                <a:highlight>
+                  <a:srgbClr val="FFFFFF"/>
+                </a:highlight>
+              </a:rPr>
+              <a:t> </a:t>
+            </a:r>
+            <a:r>
+              <a:rPr lang="en-US" sz="1400" dirty="0">
+                <a:solidFill>
+                  <a:srgbClr val="808080"/>
+                </a:solidFill>
+                <a:highlight>
+                  <a:srgbClr val="FFFFFF"/>
+                </a:highlight>
+              </a:rPr>
+              <a:t>'red'</a:t>
+            </a:r>
+            <a:r>
+              <a:rPr lang="en-US" sz="1400" b="1" dirty="0">
+                <a:solidFill>
+                  <a:srgbClr val="000080"/>
+                </a:solidFill>
+                <a:highlight>
+                  <a:srgbClr val="FFFFFF"/>
+                </a:highlight>
+              </a:rPr>
+              <a:t>)</a:t>
+            </a:r>
+            <a:endParaRPr lang="en-US" sz="1400" dirty="0">
+              <a:solidFill>
+                <a:srgbClr val="000000"/>
+              </a:solidFill>
+              <a:highlight>
+                <a:srgbClr val="FFFFFF"/>
+              </a:highlight>
+            </a:endParaRPr>
+          </a:p>
+          <a:p>
+            <a:r>
+              <a:rPr lang="en-US" sz="1400" dirty="0" err="1">
+                <a:solidFill>
+                  <a:srgbClr val="000000"/>
+                </a:solidFill>
+                <a:highlight>
+                  <a:srgbClr val="FFFFFF"/>
+                </a:highlight>
+              </a:rPr>
+              <a:t>plt</a:t>
+            </a:r>
+            <a:r>
+              <a:rPr lang="en-US" sz="1400" b="1" dirty="0" err="1">
+                <a:solidFill>
+                  <a:srgbClr val="000080"/>
+                </a:solidFill>
+                <a:highlight>
+                  <a:srgbClr val="FFFFFF"/>
+                </a:highlight>
+              </a:rPr>
+              <a:t>.</a:t>
+            </a:r>
+            <a:r>
+              <a:rPr lang="en-US" sz="1400" dirty="0" err="1">
+                <a:solidFill>
+                  <a:srgbClr val="000000"/>
+                </a:solidFill>
+                <a:highlight>
+                  <a:srgbClr val="FFFFFF"/>
+                </a:highlight>
+              </a:rPr>
+              <a:t>plot</a:t>
+            </a:r>
+            <a:r>
+              <a:rPr lang="en-US" sz="1400" b="1" dirty="0">
+                <a:solidFill>
+                  <a:srgbClr val="000080"/>
+                </a:solidFill>
+                <a:highlight>
+                  <a:srgbClr val="FFFFFF"/>
+                </a:highlight>
+              </a:rPr>
+              <a:t>(</a:t>
+            </a:r>
+            <a:r>
+              <a:rPr lang="en-US" sz="1400" dirty="0" err="1">
+                <a:solidFill>
+                  <a:srgbClr val="000000"/>
+                </a:solidFill>
+                <a:highlight>
+                  <a:srgbClr val="FFFFFF"/>
+                </a:highlight>
+              </a:rPr>
+              <a:t>X_grid</a:t>
+            </a:r>
+            <a:r>
+              <a:rPr lang="en-US" sz="1400" b="1" dirty="0">
+                <a:solidFill>
+                  <a:srgbClr val="000080"/>
+                </a:solidFill>
+                <a:highlight>
+                  <a:srgbClr val="FFFFFF"/>
+                </a:highlight>
+              </a:rPr>
+              <a:t>,</a:t>
+            </a:r>
+            <a:r>
+              <a:rPr lang="en-US" sz="1400" dirty="0">
+                <a:solidFill>
+                  <a:srgbClr val="000000"/>
+                </a:solidFill>
+                <a:highlight>
+                  <a:srgbClr val="FFFFFF"/>
+                </a:highlight>
+              </a:rPr>
+              <a:t> </a:t>
+            </a:r>
+            <a:r>
+              <a:rPr lang="en-US" sz="1400" dirty="0" err="1">
+                <a:solidFill>
+                  <a:srgbClr val="000000"/>
+                </a:solidFill>
+                <a:highlight>
+                  <a:srgbClr val="FFFFFF"/>
+                </a:highlight>
+              </a:rPr>
+              <a:t>regressor</a:t>
+            </a:r>
+            <a:r>
+              <a:rPr lang="en-US" sz="1400" b="1" dirty="0" err="1">
+                <a:solidFill>
+                  <a:srgbClr val="000080"/>
+                </a:solidFill>
+                <a:highlight>
+                  <a:srgbClr val="FFFFFF"/>
+                </a:highlight>
+              </a:rPr>
+              <a:t>.</a:t>
+            </a:r>
+            <a:r>
+              <a:rPr lang="en-US" sz="1400" dirty="0" err="1">
+                <a:solidFill>
+                  <a:srgbClr val="000000"/>
+                </a:solidFill>
+                <a:highlight>
+                  <a:srgbClr val="FFFFFF"/>
+                </a:highlight>
+              </a:rPr>
+              <a:t>predict</a:t>
+            </a:r>
+            <a:r>
+              <a:rPr lang="en-US" sz="1400" b="1" dirty="0">
+                <a:solidFill>
+                  <a:srgbClr val="000080"/>
+                </a:solidFill>
+                <a:highlight>
+                  <a:srgbClr val="FFFFFF"/>
+                </a:highlight>
+              </a:rPr>
+              <a:t>(</a:t>
+            </a:r>
+            <a:r>
+              <a:rPr lang="en-US" sz="1400" dirty="0" err="1">
+                <a:solidFill>
+                  <a:srgbClr val="000000"/>
+                </a:solidFill>
+                <a:highlight>
+                  <a:srgbClr val="FFFFFF"/>
+                </a:highlight>
+              </a:rPr>
+              <a:t>X_grid</a:t>
+            </a:r>
+            <a:r>
+              <a:rPr lang="en-US" sz="1400" b="1" dirty="0">
+                <a:solidFill>
+                  <a:srgbClr val="000080"/>
+                </a:solidFill>
+                <a:highlight>
+                  <a:srgbClr val="FFFFFF"/>
+                </a:highlight>
+              </a:rPr>
+              <a:t>),</a:t>
+            </a:r>
+            <a:r>
+              <a:rPr lang="en-US" sz="1400" dirty="0">
+                <a:solidFill>
+                  <a:srgbClr val="000000"/>
+                </a:solidFill>
+                <a:highlight>
+                  <a:srgbClr val="FFFFFF"/>
+                </a:highlight>
+              </a:rPr>
+              <a:t> color </a:t>
+            </a:r>
+            <a:r>
+              <a:rPr lang="en-US" sz="1400" b="1" dirty="0">
+                <a:solidFill>
+                  <a:srgbClr val="000080"/>
+                </a:solidFill>
+                <a:highlight>
+                  <a:srgbClr val="FFFFFF"/>
+                </a:highlight>
+              </a:rPr>
+              <a:t>=</a:t>
+            </a:r>
+            <a:r>
+              <a:rPr lang="en-US" sz="1400" dirty="0">
+                <a:solidFill>
+                  <a:srgbClr val="000000"/>
+                </a:solidFill>
+                <a:highlight>
+                  <a:srgbClr val="FFFFFF"/>
+                </a:highlight>
+              </a:rPr>
+              <a:t> </a:t>
+            </a:r>
+            <a:r>
+              <a:rPr lang="en-US" sz="1400" dirty="0">
+                <a:solidFill>
+                  <a:srgbClr val="808080"/>
+                </a:solidFill>
+                <a:highlight>
+                  <a:srgbClr val="FFFFFF"/>
+                </a:highlight>
+              </a:rPr>
+              <a:t>'blue'</a:t>
+            </a:r>
+            <a:r>
+              <a:rPr lang="en-US" sz="1400" b="1" dirty="0">
+                <a:solidFill>
+                  <a:srgbClr val="000080"/>
+                </a:solidFill>
+                <a:highlight>
+                  <a:srgbClr val="FFFFFF"/>
+                </a:highlight>
+              </a:rPr>
+              <a:t>)</a:t>
+            </a:r>
+            <a:endParaRPr lang="en-US" sz="1400" dirty="0">
+              <a:solidFill>
+                <a:srgbClr val="000000"/>
+              </a:solidFill>
+              <a:highlight>
+                <a:srgbClr val="FFFFFF"/>
+              </a:highlight>
+            </a:endParaRPr>
+          </a:p>
+          <a:p>
+            <a:r>
+              <a:rPr lang="en-US" sz="1400" dirty="0" err="1">
+                <a:solidFill>
+                  <a:srgbClr val="000000"/>
+                </a:solidFill>
+                <a:highlight>
+                  <a:srgbClr val="FFFFFF"/>
+                </a:highlight>
+              </a:rPr>
+              <a:t>plt</a:t>
+            </a:r>
+            <a:r>
+              <a:rPr lang="en-US" sz="1400" b="1" dirty="0" err="1">
+                <a:solidFill>
+                  <a:srgbClr val="000080"/>
+                </a:solidFill>
+                <a:highlight>
+                  <a:srgbClr val="FFFFFF"/>
+                </a:highlight>
+              </a:rPr>
+              <a:t>.</a:t>
+            </a:r>
+            <a:r>
+              <a:rPr lang="en-US" sz="1400" dirty="0" err="1">
+                <a:solidFill>
+                  <a:srgbClr val="000000"/>
+                </a:solidFill>
+                <a:highlight>
+                  <a:srgbClr val="FFFFFF"/>
+                </a:highlight>
+              </a:rPr>
+              <a:t>title</a:t>
+            </a:r>
+            <a:r>
+              <a:rPr lang="en-US" sz="1400" b="1" dirty="0">
+                <a:solidFill>
+                  <a:srgbClr val="000080"/>
+                </a:solidFill>
+                <a:highlight>
+                  <a:srgbClr val="FFFFFF"/>
+                </a:highlight>
+              </a:rPr>
+              <a:t>(</a:t>
+            </a:r>
+            <a:r>
+              <a:rPr lang="en-US" sz="1400" dirty="0">
+                <a:solidFill>
+                  <a:srgbClr val="808080"/>
+                </a:solidFill>
+                <a:highlight>
+                  <a:srgbClr val="FFFFFF"/>
+                </a:highlight>
+              </a:rPr>
+              <a:t>'Truth or Bluff (SVR)'</a:t>
+            </a:r>
+            <a:r>
+              <a:rPr lang="en-US" sz="1400" b="1" dirty="0">
+                <a:solidFill>
+                  <a:srgbClr val="000080"/>
+                </a:solidFill>
+                <a:highlight>
+                  <a:srgbClr val="FFFFFF"/>
+                </a:highlight>
+              </a:rPr>
+              <a:t>)</a:t>
+            </a:r>
+            <a:endParaRPr lang="en-US" sz="1400" dirty="0">
+              <a:solidFill>
+                <a:srgbClr val="000000"/>
+              </a:solidFill>
+              <a:highlight>
+                <a:srgbClr val="FFFFFF"/>
+              </a:highlight>
+            </a:endParaRPr>
+          </a:p>
+          <a:p>
+            <a:r>
+              <a:rPr lang="en-US" sz="1400" dirty="0" err="1">
+                <a:solidFill>
+                  <a:srgbClr val="000000"/>
+                </a:solidFill>
+                <a:highlight>
+                  <a:srgbClr val="FFFFFF"/>
+                </a:highlight>
+              </a:rPr>
+              <a:t>plt</a:t>
+            </a:r>
+            <a:r>
+              <a:rPr lang="en-US" sz="1400" b="1" dirty="0" err="1">
+                <a:solidFill>
+                  <a:srgbClr val="000080"/>
+                </a:solidFill>
+                <a:highlight>
+                  <a:srgbClr val="FFFFFF"/>
+                </a:highlight>
+              </a:rPr>
+              <a:t>.</a:t>
+            </a:r>
+            <a:r>
+              <a:rPr lang="en-US" sz="1400" dirty="0" err="1">
+                <a:solidFill>
+                  <a:srgbClr val="000000"/>
+                </a:solidFill>
+                <a:highlight>
+                  <a:srgbClr val="FFFFFF"/>
+                </a:highlight>
+              </a:rPr>
+              <a:t>xlabel</a:t>
+            </a:r>
+            <a:r>
+              <a:rPr lang="en-US" sz="1400" b="1" dirty="0">
+                <a:solidFill>
+                  <a:srgbClr val="000080"/>
+                </a:solidFill>
+                <a:highlight>
+                  <a:srgbClr val="FFFFFF"/>
+                </a:highlight>
+              </a:rPr>
+              <a:t>(</a:t>
+            </a:r>
+            <a:r>
+              <a:rPr lang="en-US" sz="1400" dirty="0">
+                <a:solidFill>
+                  <a:srgbClr val="808080"/>
+                </a:solidFill>
+                <a:highlight>
+                  <a:srgbClr val="FFFFFF"/>
+                </a:highlight>
+              </a:rPr>
+              <a:t>'Position level'</a:t>
+            </a:r>
+            <a:r>
+              <a:rPr lang="en-US" sz="1400" b="1" dirty="0">
+                <a:solidFill>
+                  <a:srgbClr val="000080"/>
+                </a:solidFill>
+                <a:highlight>
+                  <a:srgbClr val="FFFFFF"/>
+                </a:highlight>
+              </a:rPr>
+              <a:t>)</a:t>
+            </a:r>
+            <a:endParaRPr lang="en-US" sz="1400" dirty="0">
+              <a:solidFill>
+                <a:srgbClr val="000000"/>
+              </a:solidFill>
+              <a:highlight>
+                <a:srgbClr val="FFFFFF"/>
+              </a:highlight>
+            </a:endParaRPr>
+          </a:p>
+          <a:p>
+            <a:r>
+              <a:rPr lang="en-US" sz="1400" dirty="0" err="1">
+                <a:solidFill>
+                  <a:srgbClr val="000000"/>
+                </a:solidFill>
+                <a:highlight>
+                  <a:srgbClr val="FFFFFF"/>
+                </a:highlight>
+              </a:rPr>
+              <a:t>plt</a:t>
+            </a:r>
+            <a:r>
+              <a:rPr lang="en-US" sz="1400" b="1" dirty="0" err="1">
+                <a:solidFill>
+                  <a:srgbClr val="000080"/>
+                </a:solidFill>
+                <a:highlight>
+                  <a:srgbClr val="FFFFFF"/>
+                </a:highlight>
+              </a:rPr>
+              <a:t>.</a:t>
+            </a:r>
+            <a:r>
+              <a:rPr lang="en-US" sz="1400" dirty="0" err="1">
+                <a:solidFill>
+                  <a:srgbClr val="000000"/>
+                </a:solidFill>
+                <a:highlight>
+                  <a:srgbClr val="FFFFFF"/>
+                </a:highlight>
+              </a:rPr>
+              <a:t>ylabel</a:t>
+            </a:r>
+            <a:r>
+              <a:rPr lang="en-US" sz="1400" b="1" dirty="0">
+                <a:solidFill>
+                  <a:srgbClr val="000080"/>
+                </a:solidFill>
+                <a:highlight>
+                  <a:srgbClr val="FFFFFF"/>
+                </a:highlight>
+              </a:rPr>
+              <a:t>(</a:t>
+            </a:r>
+            <a:r>
+              <a:rPr lang="en-US" sz="1400" dirty="0">
+                <a:solidFill>
+                  <a:srgbClr val="808080"/>
+                </a:solidFill>
+                <a:highlight>
+                  <a:srgbClr val="FFFFFF"/>
+                </a:highlight>
+              </a:rPr>
+              <a:t>'Salary'</a:t>
+            </a:r>
+            <a:r>
+              <a:rPr lang="en-US" sz="1400" b="1" dirty="0">
+                <a:solidFill>
+                  <a:srgbClr val="000080"/>
+                </a:solidFill>
+                <a:highlight>
+                  <a:srgbClr val="FFFFFF"/>
+                </a:highlight>
+              </a:rPr>
+              <a:t>)</a:t>
+            </a:r>
+            <a:endParaRPr lang="en-US" sz="1400" dirty="0">
+              <a:solidFill>
+                <a:srgbClr val="000000"/>
+              </a:solidFill>
+              <a:highlight>
+                <a:srgbClr val="FFFFFF"/>
+              </a:highlight>
+            </a:endParaRPr>
+          </a:p>
+          <a:p>
+            <a:r>
+              <a:rPr lang="en-US" sz="1400" dirty="0" err="1">
+                <a:solidFill>
+                  <a:srgbClr val="000000"/>
+                </a:solidFill>
+                <a:highlight>
+                  <a:srgbClr val="FFFFFF"/>
+                </a:highlight>
+              </a:rPr>
+              <a:t>plt</a:t>
+            </a:r>
+            <a:r>
+              <a:rPr lang="en-US" sz="1400" b="1" dirty="0" err="1">
+                <a:solidFill>
+                  <a:srgbClr val="000080"/>
+                </a:solidFill>
+                <a:highlight>
+                  <a:srgbClr val="FFFFFF"/>
+                </a:highlight>
+              </a:rPr>
+              <a:t>.</a:t>
+            </a:r>
+            <a:r>
+              <a:rPr lang="en-US" sz="1400" dirty="0" err="1">
+                <a:solidFill>
+                  <a:srgbClr val="000000"/>
+                </a:solidFill>
+                <a:highlight>
+                  <a:srgbClr val="FFFFFF"/>
+                </a:highlight>
+              </a:rPr>
+              <a:t>show</a:t>
+            </a:r>
+            <a:r>
+              <a:rPr lang="en-US" sz="1400" b="1" dirty="0">
+                <a:solidFill>
+                  <a:srgbClr val="000080"/>
+                </a:solidFill>
+                <a:highlight>
+                  <a:srgbClr val="FFFFFF"/>
+                </a:highlight>
+              </a:rPr>
+              <a:t>()</a:t>
+            </a:r>
+            <a:endParaRPr lang="en-US" sz="1400" dirty="0"/>
+          </a:p>
+        </p:txBody>
+      </p:sp>
+      <p:sp>
+        <p:nvSpPr>
+          <p:cNvPr id="7" name="Rectangle 6"/>
+          <p:cNvSpPr/>
+          <p:nvPr/>
+        </p:nvSpPr>
+        <p:spPr>
+          <a:xfrm>
+            <a:off x="6076608" y="1144445"/>
+            <a:ext cx="4636104" cy="1815882"/>
+          </a:xfrm>
+          <a:prstGeom prst="rect">
+            <a:avLst/>
+          </a:prstGeom>
+        </p:spPr>
+        <p:txBody>
+          <a:bodyPr wrap="square">
+            <a:spAutoFit/>
+          </a:bodyPr>
+          <a:lstStyle/>
+          <a:p>
+            <a:r>
+              <a:rPr lang="en-US" sz="1600" dirty="0">
+                <a:solidFill>
+                  <a:srgbClr val="008000"/>
+                </a:solidFill>
+                <a:highlight>
+                  <a:srgbClr val="FFFFFF"/>
+                </a:highlight>
+              </a:rPr>
+              <a:t># </a:t>
+            </a:r>
+            <a:r>
+              <a:rPr lang="en-US" sz="1600" dirty="0" err="1">
+                <a:solidFill>
+                  <a:srgbClr val="008000"/>
+                </a:solidFill>
+                <a:highlight>
+                  <a:srgbClr val="FFFFFF"/>
+                </a:highlight>
+              </a:rPr>
+              <a:t>Visualising</a:t>
+            </a:r>
+            <a:r>
+              <a:rPr lang="en-US" sz="1600" dirty="0">
+                <a:solidFill>
+                  <a:srgbClr val="008000"/>
+                </a:solidFill>
+                <a:highlight>
+                  <a:srgbClr val="FFFFFF"/>
+                </a:highlight>
+              </a:rPr>
+              <a:t> the SVR results</a:t>
+            </a:r>
+            <a:endParaRPr lang="en-US" sz="1600" dirty="0">
+              <a:solidFill>
+                <a:srgbClr val="000000"/>
+              </a:solidFill>
+              <a:highlight>
+                <a:srgbClr val="FFFFFF"/>
+              </a:highlight>
+            </a:endParaRPr>
+          </a:p>
+          <a:p>
+            <a:r>
+              <a:rPr lang="en-US" sz="1600" dirty="0" err="1">
+                <a:solidFill>
+                  <a:srgbClr val="000000"/>
+                </a:solidFill>
+                <a:highlight>
+                  <a:srgbClr val="FFFFFF"/>
+                </a:highlight>
+              </a:rPr>
+              <a:t>plt</a:t>
+            </a:r>
+            <a:r>
+              <a:rPr lang="en-US" sz="1600" b="1" dirty="0" err="1">
+                <a:solidFill>
+                  <a:srgbClr val="000080"/>
+                </a:solidFill>
+                <a:highlight>
+                  <a:srgbClr val="FFFFFF"/>
+                </a:highlight>
+              </a:rPr>
+              <a:t>.</a:t>
+            </a:r>
+            <a:r>
+              <a:rPr lang="en-US" sz="1600" dirty="0" err="1">
+                <a:solidFill>
+                  <a:srgbClr val="000000"/>
+                </a:solidFill>
+                <a:highlight>
+                  <a:srgbClr val="FFFFFF"/>
+                </a:highlight>
+              </a:rPr>
+              <a:t>scatter</a:t>
+            </a:r>
+            <a:r>
+              <a:rPr lang="en-US" sz="1600" b="1" dirty="0">
+                <a:solidFill>
+                  <a:srgbClr val="000080"/>
+                </a:solidFill>
+                <a:highlight>
+                  <a:srgbClr val="FFFFFF"/>
+                </a:highlight>
+              </a:rPr>
+              <a:t>(</a:t>
+            </a:r>
+            <a:r>
+              <a:rPr lang="en-US" sz="1600" dirty="0">
+                <a:solidFill>
+                  <a:srgbClr val="000000"/>
+                </a:solidFill>
+                <a:highlight>
+                  <a:srgbClr val="FFFFFF"/>
+                </a:highlight>
+              </a:rPr>
+              <a:t>X</a:t>
+            </a:r>
+            <a:r>
+              <a:rPr lang="en-US" sz="1600" b="1" dirty="0">
+                <a:solidFill>
+                  <a:srgbClr val="000080"/>
+                </a:solidFill>
+                <a:highlight>
+                  <a:srgbClr val="FFFFFF"/>
+                </a:highlight>
+              </a:rPr>
+              <a:t>,</a:t>
+            </a:r>
+            <a:r>
+              <a:rPr lang="en-US" sz="1600" dirty="0">
+                <a:solidFill>
+                  <a:srgbClr val="000000"/>
+                </a:solidFill>
+                <a:highlight>
+                  <a:srgbClr val="FFFFFF"/>
+                </a:highlight>
+              </a:rPr>
+              <a:t> y</a:t>
+            </a:r>
+            <a:r>
+              <a:rPr lang="en-US" sz="1600" b="1" dirty="0">
+                <a:solidFill>
+                  <a:srgbClr val="000080"/>
+                </a:solidFill>
+                <a:highlight>
+                  <a:srgbClr val="FFFFFF"/>
+                </a:highlight>
+              </a:rPr>
+              <a:t>,</a:t>
+            </a:r>
+            <a:r>
+              <a:rPr lang="en-US" sz="1600" dirty="0">
+                <a:solidFill>
+                  <a:srgbClr val="000000"/>
+                </a:solidFill>
+                <a:highlight>
+                  <a:srgbClr val="FFFFFF"/>
+                </a:highlight>
+              </a:rPr>
+              <a:t> color </a:t>
+            </a:r>
+            <a:r>
+              <a:rPr lang="en-US" sz="1600" b="1" dirty="0">
+                <a:solidFill>
+                  <a:srgbClr val="000080"/>
+                </a:solidFill>
+                <a:highlight>
+                  <a:srgbClr val="FFFFFF"/>
+                </a:highlight>
+              </a:rPr>
+              <a:t>=</a:t>
+            </a:r>
+            <a:r>
+              <a:rPr lang="en-US" sz="1600" dirty="0">
+                <a:solidFill>
+                  <a:srgbClr val="000000"/>
+                </a:solidFill>
+                <a:highlight>
+                  <a:srgbClr val="FFFFFF"/>
+                </a:highlight>
+              </a:rPr>
+              <a:t> </a:t>
+            </a:r>
+            <a:r>
+              <a:rPr lang="en-US" sz="1600" dirty="0">
+                <a:solidFill>
+                  <a:srgbClr val="808080"/>
+                </a:solidFill>
+                <a:highlight>
+                  <a:srgbClr val="FFFFFF"/>
+                </a:highlight>
+              </a:rPr>
+              <a:t>'red'</a:t>
+            </a:r>
+            <a:r>
+              <a:rPr lang="en-US" sz="1600" b="1" dirty="0">
+                <a:solidFill>
+                  <a:srgbClr val="000080"/>
+                </a:solidFill>
+                <a:highlight>
+                  <a:srgbClr val="FFFFFF"/>
+                </a:highlight>
+              </a:rPr>
+              <a:t>)</a:t>
+            </a:r>
+            <a:endParaRPr lang="en-US" sz="1600" dirty="0">
+              <a:solidFill>
+                <a:srgbClr val="000000"/>
+              </a:solidFill>
+              <a:highlight>
+                <a:srgbClr val="FFFFFF"/>
+              </a:highlight>
+            </a:endParaRPr>
+          </a:p>
+          <a:p>
+            <a:r>
+              <a:rPr lang="en-US" sz="1600" dirty="0" err="1">
+                <a:solidFill>
+                  <a:srgbClr val="000000"/>
+                </a:solidFill>
+                <a:highlight>
+                  <a:srgbClr val="FFFFFF"/>
+                </a:highlight>
+              </a:rPr>
+              <a:t>plt</a:t>
+            </a:r>
+            <a:r>
+              <a:rPr lang="en-US" sz="1600" b="1" dirty="0" err="1">
+                <a:solidFill>
+                  <a:srgbClr val="000080"/>
+                </a:solidFill>
+                <a:highlight>
+                  <a:srgbClr val="FFFFFF"/>
+                </a:highlight>
+              </a:rPr>
+              <a:t>.</a:t>
+            </a:r>
+            <a:r>
+              <a:rPr lang="en-US" sz="1600" dirty="0" err="1">
+                <a:solidFill>
+                  <a:srgbClr val="000000"/>
+                </a:solidFill>
+                <a:highlight>
+                  <a:srgbClr val="FFFFFF"/>
+                </a:highlight>
+              </a:rPr>
+              <a:t>plot</a:t>
+            </a:r>
+            <a:r>
+              <a:rPr lang="en-US" sz="1600" b="1" dirty="0">
+                <a:solidFill>
+                  <a:srgbClr val="000080"/>
+                </a:solidFill>
+                <a:highlight>
+                  <a:srgbClr val="FFFFFF"/>
+                </a:highlight>
+              </a:rPr>
+              <a:t>(</a:t>
+            </a:r>
+            <a:r>
+              <a:rPr lang="en-US" sz="1600" dirty="0">
+                <a:solidFill>
+                  <a:srgbClr val="000000"/>
+                </a:solidFill>
+                <a:highlight>
+                  <a:srgbClr val="FFFFFF"/>
+                </a:highlight>
+              </a:rPr>
+              <a:t>X</a:t>
+            </a:r>
+            <a:r>
+              <a:rPr lang="en-US" sz="1600" b="1" dirty="0">
+                <a:solidFill>
+                  <a:srgbClr val="000080"/>
+                </a:solidFill>
+                <a:highlight>
+                  <a:srgbClr val="FFFFFF"/>
+                </a:highlight>
+              </a:rPr>
+              <a:t>,</a:t>
+            </a:r>
+            <a:r>
+              <a:rPr lang="en-US" sz="1600" dirty="0">
+                <a:solidFill>
+                  <a:srgbClr val="000000"/>
+                </a:solidFill>
+                <a:highlight>
+                  <a:srgbClr val="FFFFFF"/>
+                </a:highlight>
+              </a:rPr>
+              <a:t> </a:t>
+            </a:r>
+            <a:r>
+              <a:rPr lang="en-US" sz="1600" dirty="0" err="1">
+                <a:solidFill>
+                  <a:srgbClr val="000000"/>
+                </a:solidFill>
+                <a:highlight>
+                  <a:srgbClr val="FFFFFF"/>
+                </a:highlight>
+              </a:rPr>
+              <a:t>regressor</a:t>
+            </a:r>
+            <a:r>
+              <a:rPr lang="en-US" sz="1600" b="1" dirty="0" err="1">
+                <a:solidFill>
+                  <a:srgbClr val="000080"/>
+                </a:solidFill>
+                <a:highlight>
+                  <a:srgbClr val="FFFFFF"/>
+                </a:highlight>
+              </a:rPr>
+              <a:t>.</a:t>
+            </a:r>
+            <a:r>
+              <a:rPr lang="en-US" sz="1600" dirty="0" err="1">
+                <a:solidFill>
+                  <a:srgbClr val="000000"/>
+                </a:solidFill>
+                <a:highlight>
+                  <a:srgbClr val="FFFFFF"/>
+                </a:highlight>
+              </a:rPr>
+              <a:t>predict</a:t>
+            </a:r>
+            <a:r>
+              <a:rPr lang="en-US" sz="1600" b="1" dirty="0">
+                <a:solidFill>
+                  <a:srgbClr val="000080"/>
+                </a:solidFill>
+                <a:highlight>
+                  <a:srgbClr val="FFFFFF"/>
+                </a:highlight>
+              </a:rPr>
+              <a:t>(</a:t>
+            </a:r>
+            <a:r>
+              <a:rPr lang="en-US" sz="1600" dirty="0">
+                <a:solidFill>
+                  <a:srgbClr val="000000"/>
+                </a:solidFill>
+                <a:highlight>
+                  <a:srgbClr val="FFFFFF"/>
+                </a:highlight>
+              </a:rPr>
+              <a:t>X</a:t>
+            </a:r>
+            <a:r>
+              <a:rPr lang="en-US" sz="1600" b="1" dirty="0">
+                <a:solidFill>
+                  <a:srgbClr val="000080"/>
+                </a:solidFill>
+                <a:highlight>
+                  <a:srgbClr val="FFFFFF"/>
+                </a:highlight>
+              </a:rPr>
+              <a:t>),</a:t>
+            </a:r>
+            <a:r>
+              <a:rPr lang="en-US" sz="1600" dirty="0">
+                <a:solidFill>
+                  <a:srgbClr val="000000"/>
+                </a:solidFill>
+                <a:highlight>
+                  <a:srgbClr val="FFFFFF"/>
+                </a:highlight>
+              </a:rPr>
+              <a:t> color </a:t>
+            </a:r>
+            <a:r>
+              <a:rPr lang="en-US" sz="1600" b="1" dirty="0">
+                <a:solidFill>
+                  <a:srgbClr val="000080"/>
+                </a:solidFill>
+                <a:highlight>
+                  <a:srgbClr val="FFFFFF"/>
+                </a:highlight>
+              </a:rPr>
+              <a:t>=</a:t>
+            </a:r>
+            <a:r>
+              <a:rPr lang="en-US" sz="1600" dirty="0">
+                <a:solidFill>
+                  <a:srgbClr val="000000"/>
+                </a:solidFill>
+                <a:highlight>
+                  <a:srgbClr val="FFFFFF"/>
+                </a:highlight>
+              </a:rPr>
+              <a:t> </a:t>
+            </a:r>
+            <a:r>
+              <a:rPr lang="en-US" sz="1600" dirty="0">
+                <a:solidFill>
+                  <a:srgbClr val="808080"/>
+                </a:solidFill>
+                <a:highlight>
+                  <a:srgbClr val="FFFFFF"/>
+                </a:highlight>
+              </a:rPr>
+              <a:t>'blue'</a:t>
+            </a:r>
+            <a:r>
+              <a:rPr lang="en-US" sz="1600" b="1" dirty="0">
+                <a:solidFill>
+                  <a:srgbClr val="000080"/>
+                </a:solidFill>
+                <a:highlight>
+                  <a:srgbClr val="FFFFFF"/>
+                </a:highlight>
+              </a:rPr>
+              <a:t>)</a:t>
+            </a:r>
+            <a:endParaRPr lang="en-US" sz="1600" dirty="0">
+              <a:solidFill>
+                <a:srgbClr val="000000"/>
+              </a:solidFill>
+              <a:highlight>
+                <a:srgbClr val="FFFFFF"/>
+              </a:highlight>
+            </a:endParaRPr>
+          </a:p>
+          <a:p>
+            <a:r>
+              <a:rPr lang="en-US" sz="1600" dirty="0" err="1">
+                <a:solidFill>
+                  <a:srgbClr val="000000"/>
+                </a:solidFill>
+                <a:highlight>
+                  <a:srgbClr val="FFFFFF"/>
+                </a:highlight>
+              </a:rPr>
+              <a:t>plt</a:t>
+            </a:r>
+            <a:r>
+              <a:rPr lang="en-US" sz="1600" b="1" dirty="0" err="1">
+                <a:solidFill>
+                  <a:srgbClr val="000080"/>
+                </a:solidFill>
+                <a:highlight>
+                  <a:srgbClr val="FFFFFF"/>
+                </a:highlight>
+              </a:rPr>
+              <a:t>.</a:t>
+            </a:r>
+            <a:r>
+              <a:rPr lang="en-US" sz="1600" dirty="0" err="1">
+                <a:solidFill>
+                  <a:srgbClr val="000000"/>
+                </a:solidFill>
+                <a:highlight>
+                  <a:srgbClr val="FFFFFF"/>
+                </a:highlight>
+              </a:rPr>
+              <a:t>title</a:t>
+            </a:r>
+            <a:r>
+              <a:rPr lang="en-US" sz="1600" b="1" dirty="0">
+                <a:solidFill>
+                  <a:srgbClr val="000080"/>
+                </a:solidFill>
+                <a:highlight>
+                  <a:srgbClr val="FFFFFF"/>
+                </a:highlight>
+              </a:rPr>
+              <a:t>(</a:t>
+            </a:r>
+            <a:r>
+              <a:rPr lang="en-US" sz="1600" dirty="0">
+                <a:solidFill>
+                  <a:srgbClr val="808080"/>
+                </a:solidFill>
+                <a:highlight>
+                  <a:srgbClr val="FFFFFF"/>
+                </a:highlight>
+              </a:rPr>
+              <a:t>'Truth or Bluff (SVR)'</a:t>
+            </a:r>
+            <a:r>
+              <a:rPr lang="en-US" sz="1600" b="1" dirty="0">
+                <a:solidFill>
+                  <a:srgbClr val="000080"/>
+                </a:solidFill>
+                <a:highlight>
+                  <a:srgbClr val="FFFFFF"/>
+                </a:highlight>
+              </a:rPr>
+              <a:t>)</a:t>
+            </a:r>
+            <a:endParaRPr lang="en-US" sz="1600" dirty="0">
+              <a:solidFill>
+                <a:srgbClr val="000000"/>
+              </a:solidFill>
+              <a:highlight>
+                <a:srgbClr val="FFFFFF"/>
+              </a:highlight>
+            </a:endParaRPr>
+          </a:p>
+          <a:p>
+            <a:r>
+              <a:rPr lang="en-US" sz="1600" dirty="0" err="1">
+                <a:solidFill>
+                  <a:srgbClr val="000000"/>
+                </a:solidFill>
+                <a:highlight>
+                  <a:srgbClr val="FFFFFF"/>
+                </a:highlight>
+              </a:rPr>
+              <a:t>plt</a:t>
+            </a:r>
+            <a:r>
+              <a:rPr lang="en-US" sz="1600" b="1" dirty="0" err="1">
+                <a:solidFill>
+                  <a:srgbClr val="000080"/>
+                </a:solidFill>
+                <a:highlight>
+                  <a:srgbClr val="FFFFFF"/>
+                </a:highlight>
+              </a:rPr>
+              <a:t>.</a:t>
+            </a:r>
+            <a:r>
+              <a:rPr lang="en-US" sz="1600" dirty="0" err="1">
+                <a:solidFill>
+                  <a:srgbClr val="000000"/>
+                </a:solidFill>
+                <a:highlight>
+                  <a:srgbClr val="FFFFFF"/>
+                </a:highlight>
+              </a:rPr>
+              <a:t>xlabel</a:t>
+            </a:r>
+            <a:r>
+              <a:rPr lang="en-US" sz="1600" b="1" dirty="0">
+                <a:solidFill>
+                  <a:srgbClr val="000080"/>
+                </a:solidFill>
+                <a:highlight>
+                  <a:srgbClr val="FFFFFF"/>
+                </a:highlight>
+              </a:rPr>
+              <a:t>(</a:t>
+            </a:r>
+            <a:r>
+              <a:rPr lang="en-US" sz="1600" dirty="0">
+                <a:solidFill>
+                  <a:srgbClr val="808080"/>
+                </a:solidFill>
+                <a:highlight>
+                  <a:srgbClr val="FFFFFF"/>
+                </a:highlight>
+              </a:rPr>
+              <a:t>'Position level'</a:t>
+            </a:r>
+            <a:r>
+              <a:rPr lang="en-US" sz="1600" b="1" dirty="0">
+                <a:solidFill>
+                  <a:srgbClr val="000080"/>
+                </a:solidFill>
+                <a:highlight>
+                  <a:srgbClr val="FFFFFF"/>
+                </a:highlight>
+              </a:rPr>
+              <a:t>)</a:t>
+            </a:r>
+            <a:endParaRPr lang="en-US" sz="1600" dirty="0">
+              <a:solidFill>
+                <a:srgbClr val="000000"/>
+              </a:solidFill>
+              <a:highlight>
+                <a:srgbClr val="FFFFFF"/>
+              </a:highlight>
+            </a:endParaRPr>
+          </a:p>
+          <a:p>
+            <a:r>
+              <a:rPr lang="en-US" sz="1600" dirty="0" err="1">
+                <a:solidFill>
+                  <a:srgbClr val="000000"/>
+                </a:solidFill>
+                <a:highlight>
+                  <a:srgbClr val="FFFFFF"/>
+                </a:highlight>
+              </a:rPr>
+              <a:t>plt</a:t>
+            </a:r>
+            <a:r>
+              <a:rPr lang="en-US" sz="1600" b="1" dirty="0" err="1">
+                <a:solidFill>
+                  <a:srgbClr val="000080"/>
+                </a:solidFill>
+                <a:highlight>
+                  <a:srgbClr val="FFFFFF"/>
+                </a:highlight>
+              </a:rPr>
+              <a:t>.</a:t>
+            </a:r>
+            <a:r>
+              <a:rPr lang="en-US" sz="1600" dirty="0" err="1">
+                <a:solidFill>
+                  <a:srgbClr val="000000"/>
+                </a:solidFill>
+                <a:highlight>
+                  <a:srgbClr val="FFFFFF"/>
+                </a:highlight>
+              </a:rPr>
+              <a:t>ylabel</a:t>
+            </a:r>
+            <a:r>
+              <a:rPr lang="en-US" sz="1600" b="1" dirty="0">
+                <a:solidFill>
+                  <a:srgbClr val="000080"/>
+                </a:solidFill>
+                <a:highlight>
+                  <a:srgbClr val="FFFFFF"/>
+                </a:highlight>
+              </a:rPr>
+              <a:t>(</a:t>
+            </a:r>
+            <a:r>
+              <a:rPr lang="en-US" sz="1600" dirty="0">
+                <a:solidFill>
+                  <a:srgbClr val="808080"/>
+                </a:solidFill>
+                <a:highlight>
+                  <a:srgbClr val="FFFFFF"/>
+                </a:highlight>
+              </a:rPr>
+              <a:t>'Salary'</a:t>
+            </a:r>
+            <a:r>
+              <a:rPr lang="en-US" sz="1600" b="1" dirty="0">
+                <a:solidFill>
+                  <a:srgbClr val="000080"/>
+                </a:solidFill>
+                <a:highlight>
+                  <a:srgbClr val="FFFFFF"/>
+                </a:highlight>
+              </a:rPr>
+              <a:t>)</a:t>
+            </a:r>
+            <a:endParaRPr lang="en-US" sz="1600" dirty="0">
+              <a:solidFill>
+                <a:srgbClr val="000000"/>
+              </a:solidFill>
+              <a:highlight>
+                <a:srgbClr val="FFFFFF"/>
+              </a:highlight>
+            </a:endParaRPr>
+          </a:p>
+          <a:p>
+            <a:r>
+              <a:rPr lang="en-US" sz="1600" dirty="0" err="1">
+                <a:solidFill>
+                  <a:srgbClr val="000000"/>
+                </a:solidFill>
+                <a:highlight>
+                  <a:srgbClr val="FFFFFF"/>
+                </a:highlight>
+              </a:rPr>
+              <a:t>plt</a:t>
+            </a:r>
+            <a:r>
+              <a:rPr lang="en-US" sz="1600" b="1" dirty="0" err="1">
+                <a:solidFill>
+                  <a:srgbClr val="000080"/>
+                </a:solidFill>
+                <a:highlight>
+                  <a:srgbClr val="FFFFFF"/>
+                </a:highlight>
+              </a:rPr>
+              <a:t>.</a:t>
+            </a:r>
+            <a:r>
+              <a:rPr lang="en-US" sz="1600" dirty="0" err="1">
+                <a:solidFill>
+                  <a:srgbClr val="000000"/>
+                </a:solidFill>
+                <a:highlight>
+                  <a:srgbClr val="FFFFFF"/>
+                </a:highlight>
+              </a:rPr>
+              <a:t>show</a:t>
+            </a:r>
+            <a:r>
+              <a:rPr lang="en-US" sz="1600" b="1" dirty="0">
+                <a:solidFill>
+                  <a:srgbClr val="000080"/>
+                </a:solidFill>
+                <a:highlight>
+                  <a:srgbClr val="FFFFFF"/>
+                </a:highlight>
+              </a:rPr>
+              <a:t>()</a:t>
+            </a:r>
+            <a:endParaRPr lang="en-US" sz="1600" dirty="0"/>
+          </a:p>
+        </p:txBody>
+      </p:sp>
+      <p:pic>
+        <p:nvPicPr>
+          <p:cNvPr id="8" name="Picture 7"/>
+          <p:cNvPicPr>
+            <a:picLocks noChangeAspect="1"/>
+          </p:cNvPicPr>
+          <p:nvPr/>
+        </p:nvPicPr>
+        <p:blipFill>
+          <a:blip r:embed="rId3"/>
+          <a:stretch>
+            <a:fillRect/>
+          </a:stretch>
+        </p:blipFill>
+        <p:spPr>
+          <a:xfrm>
+            <a:off x="6076607" y="3016991"/>
+            <a:ext cx="4636105" cy="3089011"/>
+          </a:xfrm>
+          <a:prstGeom prst="rect">
+            <a:avLst/>
+          </a:prstGeom>
+        </p:spPr>
+      </p:pic>
+    </p:spTree>
+    <p:extLst>
+      <p:ext uri="{BB962C8B-B14F-4D97-AF65-F5344CB8AC3E}">
+        <p14:creationId xmlns:p14="http://schemas.microsoft.com/office/powerpoint/2010/main" val="2908034129"/>
+      </p:ext>
+    </p:extLst>
+  </p:cSld>
+  <p:clrMapOvr>
+    <a:masterClrMapping/>
+  </p:clrMapOvr>
+</p:sld>
+</file>
+
 <file path=ppt/slides/slide2.xml><?xml version="1.0" encoding="utf-8"?>
 <p:sld xmlns:a="http://schemas.openxmlformats.org/drawingml/2006/main" xmlns:r="http://schemas.openxmlformats.org/officeDocument/2006/relationships" xmlns:p="http://schemas.openxmlformats.org/presentationml/2006/main">
   <p:cSld>

--- a/Support_Vector_Regression/Support_vector_Regression.pptx
+++ b/Support_Vector_Regression/Support_vector_Regression.pptx
@@ -305,7 +305,7 @@
           <a:p>
             <a:fld id="{919204B3-6C33-4373-97D1-810DB6132C83}" type="datetimeFigureOut">
               <a:rPr lang="en-US" smtClean="0"/>
-              <a:t>1/16/2019</a:t>
+              <a:t>1/19/2019</a:t>
             </a:fld>
             <a:endParaRPr lang="en-US"/>
           </a:p>
@@ -475,7 +475,7 @@
           <a:p>
             <a:fld id="{919204B3-6C33-4373-97D1-810DB6132C83}" type="datetimeFigureOut">
               <a:rPr lang="en-US" smtClean="0"/>
-              <a:t>1/16/2019</a:t>
+              <a:t>1/19/2019</a:t>
             </a:fld>
             <a:endParaRPr lang="en-US"/>
           </a:p>
@@ -655,7 +655,7 @@
           <a:p>
             <a:fld id="{919204B3-6C33-4373-97D1-810DB6132C83}" type="datetimeFigureOut">
               <a:rPr lang="en-US" smtClean="0"/>
-              <a:t>1/16/2019</a:t>
+              <a:t>1/19/2019</a:t>
             </a:fld>
             <a:endParaRPr lang="en-US"/>
           </a:p>
@@ -825,7 +825,7 @@
           <a:p>
             <a:fld id="{919204B3-6C33-4373-97D1-810DB6132C83}" type="datetimeFigureOut">
               <a:rPr lang="en-US" smtClean="0"/>
-              <a:t>1/16/2019</a:t>
+              <a:t>1/19/2019</a:t>
             </a:fld>
             <a:endParaRPr lang="en-US"/>
           </a:p>
@@ -1071,7 +1071,7 @@
           <a:p>
             <a:fld id="{919204B3-6C33-4373-97D1-810DB6132C83}" type="datetimeFigureOut">
               <a:rPr lang="en-US" smtClean="0"/>
-              <a:t>1/16/2019</a:t>
+              <a:t>1/19/2019</a:t>
             </a:fld>
             <a:endParaRPr lang="en-US"/>
           </a:p>
@@ -1359,7 +1359,7 @@
           <a:p>
             <a:fld id="{919204B3-6C33-4373-97D1-810DB6132C83}" type="datetimeFigureOut">
               <a:rPr lang="en-US" smtClean="0"/>
-              <a:t>1/16/2019</a:t>
+              <a:t>1/19/2019</a:t>
             </a:fld>
             <a:endParaRPr lang="en-US"/>
           </a:p>
@@ -1781,7 +1781,7 @@
           <a:p>
             <a:fld id="{919204B3-6C33-4373-97D1-810DB6132C83}" type="datetimeFigureOut">
               <a:rPr lang="en-US" smtClean="0"/>
-              <a:t>1/16/2019</a:t>
+              <a:t>1/19/2019</a:t>
             </a:fld>
             <a:endParaRPr lang="en-US"/>
           </a:p>
@@ -1899,7 +1899,7 @@
           <a:p>
             <a:fld id="{919204B3-6C33-4373-97D1-810DB6132C83}" type="datetimeFigureOut">
               <a:rPr lang="en-US" smtClean="0"/>
-              <a:t>1/16/2019</a:t>
+              <a:t>1/19/2019</a:t>
             </a:fld>
             <a:endParaRPr lang="en-US"/>
           </a:p>
@@ -1994,7 +1994,7 @@
           <a:p>
             <a:fld id="{919204B3-6C33-4373-97D1-810DB6132C83}" type="datetimeFigureOut">
               <a:rPr lang="en-US" smtClean="0"/>
-              <a:t>1/16/2019</a:t>
+              <a:t>1/19/2019</a:t>
             </a:fld>
             <a:endParaRPr lang="en-US"/>
           </a:p>
@@ -2271,7 +2271,7 @@
           <a:p>
             <a:fld id="{919204B3-6C33-4373-97D1-810DB6132C83}" type="datetimeFigureOut">
               <a:rPr lang="en-US" smtClean="0"/>
-              <a:t>1/16/2019</a:t>
+              <a:t>1/19/2019</a:t>
             </a:fld>
             <a:endParaRPr lang="en-US"/>
           </a:p>
@@ -2528,7 +2528,7 @@
           <a:p>
             <a:fld id="{919204B3-6C33-4373-97D1-810DB6132C83}" type="datetimeFigureOut">
               <a:rPr lang="en-US" smtClean="0"/>
-              <a:t>1/16/2019</a:t>
+              <a:t>1/19/2019</a:t>
             </a:fld>
             <a:endParaRPr lang="en-US"/>
           </a:p>
@@ -2739,7 +2739,7 @@
           <a:p>
             <a:fld id="{919204B3-6C33-4373-97D1-810DB6132C83}" type="datetimeFigureOut">
               <a:rPr lang="en-US" smtClean="0"/>
-              <a:t>1/16/2019</a:t>
+              <a:t>1/19/2019</a:t>
             </a:fld>
             <a:endParaRPr lang="en-US"/>
           </a:p>
